--- a/11 - Sequential Building Blocks/slides.pptx
+++ b/11 - Sequential Building Blocks/slides.pptx
@@ -2,55 +2,57 @@
 <file path=ppt/presentation.xml><?xml version="1.0" encoding="utf-8"?>
 <p:presentation xmlns:a="http://schemas.openxmlformats.org/drawingml/2006/main" xmlns:r="http://schemas.openxmlformats.org/officeDocument/2006/relationships" xmlns:p="http://schemas.openxmlformats.org/presentationml/2006/main" strictFirstAndLastChars="0" embedTrueTypeFonts="1" saveSubsetFonts="1" autoCompressPictures="0">
   <p:sldMasterIdLst>
-    <p:sldMasterId id="2147483659" r:id="rId1"/>
+    <p:sldMasterId id="2147483659" r:id="rId4"/>
   </p:sldMasterIdLst>
   <p:notesMasterIdLst>
-    <p:notesMasterId r:id="rId28"/>
+    <p:notesMasterId r:id="rId33"/>
   </p:notesMasterIdLst>
   <p:sldIdLst>
-    <p:sldId id="256" r:id="rId2"/>
-    <p:sldId id="259" r:id="rId3"/>
-    <p:sldId id="257" r:id="rId4"/>
-    <p:sldId id="260" r:id="rId5"/>
-    <p:sldId id="261" r:id="rId6"/>
-    <p:sldId id="271" r:id="rId7"/>
-    <p:sldId id="262" r:id="rId8"/>
-    <p:sldId id="264" r:id="rId9"/>
-    <p:sldId id="265" r:id="rId10"/>
-    <p:sldId id="285" r:id="rId11"/>
-    <p:sldId id="272" r:id="rId12"/>
-    <p:sldId id="267" r:id="rId13"/>
-    <p:sldId id="268" r:id="rId14"/>
-    <p:sldId id="269" r:id="rId15"/>
-    <p:sldId id="273" r:id="rId16"/>
-    <p:sldId id="274" r:id="rId17"/>
-    <p:sldId id="275" r:id="rId18"/>
-    <p:sldId id="277" r:id="rId19"/>
-    <p:sldId id="278" r:id="rId20"/>
-    <p:sldId id="279" r:id="rId21"/>
-    <p:sldId id="276" r:id="rId22"/>
-    <p:sldId id="270" r:id="rId23"/>
-    <p:sldId id="280" r:id="rId24"/>
-    <p:sldId id="281" r:id="rId25"/>
-    <p:sldId id="282" r:id="rId26"/>
-    <p:sldId id="283" r:id="rId27"/>
+    <p:sldId id="256" r:id="rId5"/>
+    <p:sldId id="259" r:id="rId6"/>
+    <p:sldId id="257" r:id="rId7"/>
+    <p:sldId id="260" r:id="rId8"/>
+    <p:sldId id="261" r:id="rId9"/>
+    <p:sldId id="271" r:id="rId10"/>
+    <p:sldId id="262" r:id="rId11"/>
+    <p:sldId id="264" r:id="rId12"/>
+    <p:sldId id="265" r:id="rId13"/>
+    <p:sldId id="285" r:id="rId14"/>
+    <p:sldId id="272" r:id="rId15"/>
+    <p:sldId id="267" r:id="rId16"/>
+    <p:sldId id="268" r:id="rId17"/>
+    <p:sldId id="269" r:id="rId18"/>
+    <p:sldId id="273" r:id="rId19"/>
+    <p:sldId id="275" r:id="rId20"/>
+    <p:sldId id="274" r:id="rId21"/>
+    <p:sldId id="277" r:id="rId22"/>
+    <p:sldId id="278" r:id="rId23"/>
+    <p:sldId id="279" r:id="rId24"/>
+    <p:sldId id="276" r:id="rId25"/>
+    <p:sldId id="270" r:id="rId26"/>
+    <p:sldId id="280" r:id="rId27"/>
+    <p:sldId id="281" r:id="rId28"/>
+    <p:sldId id="282" r:id="rId29"/>
+    <p:sldId id="286" r:id="rId30"/>
+    <p:sldId id="287" r:id="rId31"/>
+    <p:sldId id="283" r:id="rId32"/>
   </p:sldIdLst>
   <p:sldSz cx="9144000" cy="6858000" type="screen4x3"/>
   <p:notesSz cx="6858000" cy="9144000"/>
   <p:embeddedFontLst>
     <p:embeddedFont>
       <p:font typeface="Economica" panose="02000506040000020004" pitchFamily="2" charset="77"/>
-      <p:regular r:id="rId29"/>
-      <p:bold r:id="rId30"/>
-      <p:italic r:id="rId31"/>
-      <p:boldItalic r:id="rId32"/>
+      <p:regular r:id="rId34"/>
+      <p:bold r:id="rId35"/>
+      <p:italic r:id="rId36"/>
+      <p:boldItalic r:id="rId37"/>
     </p:embeddedFont>
     <p:embeddedFont>
       <p:font typeface="Open Sans" panose="020B0606030504020204" pitchFamily="34" charset="0"/>
-      <p:regular r:id="rId33"/>
-      <p:bold r:id="rId34"/>
-      <p:italic r:id="rId35"/>
-      <p:boldItalic r:id="rId36"/>
+      <p:regular r:id="rId38"/>
+      <p:bold r:id="rId39"/>
+      <p:italic r:id="rId40"/>
+      <p:boldItalic r:id="rId41"/>
     </p:embeddedFont>
   </p:embeddedFontLst>
   <p:defaultTextStyle>
@@ -293,7 +295,7 @@
 <file path=ppt/revisionInfo.xml><?xml version="1.0" encoding="utf-8"?>
 <p1510:revInfo xmlns:a="http://schemas.openxmlformats.org/drawingml/2006/main" xmlns:r="http://schemas.openxmlformats.org/officeDocument/2006/relationships" xmlns:p1510="http://schemas.microsoft.com/office/powerpoint/2015/10/main">
   <p1510:revLst>
-    <p1510:client id="{94B61ABA-6FC4-8B4A-BF77-D9D519E7FBC8}" v="40" dt="2022-12-07T07:14:24.545"/>
+    <p1510:client id="{2875C668-1674-754E-9B08-7EFA94F32B8F}" v="16" dt="2025-11-27T11:48:26.964"/>
   </p1510:revLst>
 </p1510:revInfo>
 </file>
@@ -301,160 +303,20 @@
 <file path=ppt/changesInfos/changesInfo1.xml><?xml version="1.0" encoding="utf-8"?>
 <pc:chgInfo xmlns:a="http://schemas.openxmlformats.org/drawingml/2006/main" xmlns:r="http://schemas.openxmlformats.org/officeDocument/2006/relationships" xmlns:ac="http://schemas.microsoft.com/office/drawing/2013/main/command" xmlns:pc="http://schemas.microsoft.com/office/powerpoint/2013/main/command">
   <pc:docChgLst>
-    <pc:chgData name="Riccardo Berta" userId="c8694f89-bba4-4576-b0a8-456619ca5a8c" providerId="ADAL" clId="{A8290FA7-622A-D149-8650-9DF3F18680D5}"/>
-    <pc:docChg chg="undo redo custSel addSld delSld modSld sldOrd modMainMaster">
-      <pc:chgData name="Riccardo Berta" userId="c8694f89-bba4-4576-b0a8-456619ca5a8c" providerId="ADAL" clId="{A8290FA7-622A-D149-8650-9DF3F18680D5}" dt="2022-07-27T13:36:04.688" v="2998"/>
+    <pc:chgData name="Riccardo Berta" userId="c8694f89-bba4-4576-b0a8-456619ca5a8c" providerId="ADAL" clId="{FDDBFC5A-5EA9-5330-BEB8-433D7E3B4C4E}"/>
+    <pc:docChg chg="custSel addSld modSld sldOrd">
+      <pc:chgData name="Riccardo Berta" userId="c8694f89-bba4-4576-b0a8-456619ca5a8c" providerId="ADAL" clId="{FDDBFC5A-5EA9-5330-BEB8-433D7E3B4C4E}" dt="2025-11-27T11:50:37.394" v="258" actId="14100"/>
       <pc:docMkLst>
         <pc:docMk/>
       </pc:docMkLst>
-      <pc:sldChg chg="delSp modSp mod">
-        <pc:chgData name="Riccardo Berta" userId="c8694f89-bba4-4576-b0a8-456619ca5a8c" providerId="ADAL" clId="{A8290FA7-622A-D149-8650-9DF3F18680D5}" dt="2022-07-27T13:35:14.530" v="2993" actId="20577"/>
-        <pc:sldMkLst>
-          <pc:docMk/>
-          <pc:sldMk cId="0" sldId="256"/>
-        </pc:sldMkLst>
-        <pc:spChg chg="mod">
-          <ac:chgData name="Riccardo Berta" userId="c8694f89-bba4-4576-b0a8-456619ca5a8c" providerId="ADAL" clId="{A8290FA7-622A-D149-8650-9DF3F18680D5}" dt="2022-07-27T13:35:14.530" v="2993" actId="20577"/>
-          <ac:spMkLst>
-            <pc:docMk/>
-            <pc:sldMk cId="0" sldId="256"/>
-            <ac:spMk id="62" creationId="{00000000-0000-0000-0000-000000000000}"/>
-          </ac:spMkLst>
-        </pc:spChg>
-        <pc:spChg chg="del">
-          <ac:chgData name="Riccardo Berta" userId="c8694f89-bba4-4576-b0a8-456619ca5a8c" providerId="ADAL" clId="{A8290FA7-622A-D149-8650-9DF3F18680D5}" dt="2022-07-18T11:40:08.016" v="50" actId="478"/>
-          <ac:spMkLst>
-            <pc:docMk/>
-            <pc:sldMk cId="0" sldId="256"/>
-            <ac:spMk id="78" creationId="{00000000-0000-0000-0000-000000000000}"/>
-          </ac:spMkLst>
-        </pc:spChg>
-        <pc:grpChg chg="del">
-          <ac:chgData name="Riccardo Berta" userId="c8694f89-bba4-4576-b0a8-456619ca5a8c" providerId="ADAL" clId="{A8290FA7-622A-D149-8650-9DF3F18680D5}" dt="2022-07-18T11:40:10.605" v="51" actId="478"/>
-          <ac:grpSpMkLst>
-            <pc:docMk/>
-            <pc:sldMk cId="0" sldId="256"/>
-            <ac:grpSpMk id="63" creationId="{00000000-0000-0000-0000-000000000000}"/>
-          </ac:grpSpMkLst>
-        </pc:grpChg>
-        <pc:cxnChg chg="mod">
-          <ac:chgData name="Riccardo Berta" userId="c8694f89-bba4-4576-b0a8-456619ca5a8c" providerId="ADAL" clId="{A8290FA7-622A-D149-8650-9DF3F18680D5}" dt="2022-07-18T11:40:10.605" v="51" actId="478"/>
-          <ac:cxnSpMkLst>
-            <pc:docMk/>
-            <pc:sldMk cId="0" sldId="256"/>
-            <ac:cxnSpMk id="66" creationId="{00000000-0000-0000-0000-000000000000}"/>
-          </ac:cxnSpMkLst>
-        </pc:cxnChg>
-        <pc:cxnChg chg="mod">
-          <ac:chgData name="Riccardo Berta" userId="c8694f89-bba4-4576-b0a8-456619ca5a8c" providerId="ADAL" clId="{A8290FA7-622A-D149-8650-9DF3F18680D5}" dt="2022-07-18T11:40:10.605" v="51" actId="478"/>
-          <ac:cxnSpMkLst>
-            <pc:docMk/>
-            <pc:sldMk cId="0" sldId="256"/>
-            <ac:cxnSpMk id="69" creationId="{00000000-0000-0000-0000-000000000000}"/>
-          </ac:cxnSpMkLst>
-        </pc:cxnChg>
-        <pc:cxnChg chg="mod">
-          <ac:chgData name="Riccardo Berta" userId="c8694f89-bba4-4576-b0a8-456619ca5a8c" providerId="ADAL" clId="{A8290FA7-622A-D149-8650-9DF3F18680D5}" dt="2022-07-18T11:40:10.605" v="51" actId="478"/>
-          <ac:cxnSpMkLst>
-            <pc:docMk/>
-            <pc:sldMk cId="0" sldId="256"/>
-            <ac:cxnSpMk id="74" creationId="{00000000-0000-0000-0000-000000000000}"/>
-          </ac:cxnSpMkLst>
-        </pc:cxnChg>
-        <pc:cxnChg chg="mod">
-          <ac:chgData name="Riccardo Berta" userId="c8694f89-bba4-4576-b0a8-456619ca5a8c" providerId="ADAL" clId="{A8290FA7-622A-D149-8650-9DF3F18680D5}" dt="2022-07-18T11:40:10.605" v="51" actId="478"/>
-          <ac:cxnSpMkLst>
-            <pc:docMk/>
-            <pc:sldMk cId="0" sldId="256"/>
-            <ac:cxnSpMk id="75" creationId="{00000000-0000-0000-0000-000000000000}"/>
-          </ac:cxnSpMkLst>
-        </pc:cxnChg>
-      </pc:sldChg>
-      <pc:sldChg chg="delSp modSp mod">
-        <pc:chgData name="Riccardo Berta" userId="c8694f89-bba4-4576-b0a8-456619ca5a8c" providerId="ADAL" clId="{A8290FA7-622A-D149-8650-9DF3F18680D5}" dt="2022-07-27T08:46:23.569" v="1166" actId="948"/>
-        <pc:sldMkLst>
-          <pc:docMk/>
-          <pc:sldMk cId="0" sldId="257"/>
-        </pc:sldMkLst>
-        <pc:spChg chg="mod">
-          <ac:chgData name="Riccardo Berta" userId="c8694f89-bba4-4576-b0a8-456619ca5a8c" providerId="ADAL" clId="{A8290FA7-622A-D149-8650-9DF3F18680D5}" dt="2022-07-27T07:46:33.325" v="171" actId="20577"/>
-          <ac:spMkLst>
-            <pc:docMk/>
-            <pc:sldMk cId="0" sldId="257"/>
-            <ac:spMk id="83" creationId="{00000000-0000-0000-0000-000000000000}"/>
-          </ac:spMkLst>
-        </pc:spChg>
-        <pc:spChg chg="mod">
-          <ac:chgData name="Riccardo Berta" userId="c8694f89-bba4-4576-b0a8-456619ca5a8c" providerId="ADAL" clId="{A8290FA7-622A-D149-8650-9DF3F18680D5}" dt="2022-07-27T08:46:23.569" v="1166" actId="948"/>
-          <ac:spMkLst>
-            <pc:docMk/>
-            <pc:sldMk cId="0" sldId="257"/>
-            <ac:spMk id="84" creationId="{00000000-0000-0000-0000-000000000000}"/>
-          </ac:spMkLst>
-        </pc:spChg>
-        <pc:picChg chg="del">
-          <ac:chgData name="Riccardo Berta" userId="c8694f89-bba4-4576-b0a8-456619ca5a8c" providerId="ADAL" clId="{A8290FA7-622A-D149-8650-9DF3F18680D5}" dt="2022-07-18T11:39:52.245" v="18" actId="478"/>
-          <ac:picMkLst>
-            <pc:docMk/>
-            <pc:sldMk cId="0" sldId="257"/>
-            <ac:picMk id="85" creationId="{00000000-0000-0000-0000-000000000000}"/>
-          </ac:picMkLst>
-        </pc:picChg>
-      </pc:sldChg>
-      <pc:sldChg chg="addSp modSp new mod modNotes">
-        <pc:chgData name="Riccardo Berta" userId="c8694f89-bba4-4576-b0a8-456619ca5a8c" providerId="ADAL" clId="{A8290FA7-622A-D149-8650-9DF3F18680D5}" dt="2022-07-27T08:52:46.755" v="1313" actId="113"/>
-        <pc:sldMkLst>
-          <pc:docMk/>
-          <pc:sldMk cId="1899110855" sldId="258"/>
-        </pc:sldMkLst>
-        <pc:spChg chg="mod">
-          <ac:chgData name="Riccardo Berta" userId="c8694f89-bba4-4576-b0a8-456619ca5a8c" providerId="ADAL" clId="{A8290FA7-622A-D149-8650-9DF3F18680D5}" dt="2022-07-27T08:44:23.725" v="1124"/>
-          <ac:spMkLst>
-            <pc:docMk/>
-            <pc:sldMk cId="1899110855" sldId="258"/>
-            <ac:spMk id="2" creationId="{9A367158-2E24-E90C-7ECC-502AB323ED05}"/>
-          </ac:spMkLst>
-        </pc:spChg>
-        <pc:spChg chg="mod">
-          <ac:chgData name="Riccardo Berta" userId="c8694f89-bba4-4576-b0a8-456619ca5a8c" providerId="ADAL" clId="{A8290FA7-622A-D149-8650-9DF3F18680D5}" dt="2022-07-27T08:52:46.755" v="1313" actId="113"/>
-          <ac:spMkLst>
-            <pc:docMk/>
-            <pc:sldMk cId="1899110855" sldId="258"/>
-            <ac:spMk id="3" creationId="{3F2C94B7-5C82-7750-8B45-751562B2B6D0}"/>
-          </ac:spMkLst>
-        </pc:spChg>
-        <pc:picChg chg="add mod">
-          <ac:chgData name="Riccardo Berta" userId="c8694f89-bba4-4576-b0a8-456619ca5a8c" providerId="ADAL" clId="{A8290FA7-622A-D149-8650-9DF3F18680D5}" dt="2022-07-27T08:50:59.788" v="1228" actId="1076"/>
-          <ac:picMkLst>
-            <pc:docMk/>
-            <pc:sldMk cId="1899110855" sldId="258"/>
-            <ac:picMk id="4" creationId="{1FB36129-1438-3CA3-2875-A711720E74DA}"/>
-          </ac:picMkLst>
-        </pc:picChg>
-      </pc:sldChg>
-      <pc:sldChg chg="new del">
-        <pc:chgData name="Riccardo Berta" userId="c8694f89-bba4-4576-b0a8-456619ca5a8c" providerId="ADAL" clId="{A8290FA7-622A-D149-8650-9DF3F18680D5}" dt="2022-07-27T07:48:28.832" v="223" actId="2696"/>
-        <pc:sldMkLst>
-          <pc:docMk/>
-          <pc:sldMk cId="182339981" sldId="259"/>
-        </pc:sldMkLst>
-      </pc:sldChg>
-      <pc:sldChg chg="del">
-        <pc:chgData name="Riccardo Berta" userId="c8694f89-bba4-4576-b0a8-456619ca5a8c" providerId="ADAL" clId="{A8290FA7-622A-D149-8650-9DF3F18680D5}" dt="2022-07-18T11:39:57.790" v="23" actId="2696"/>
+      <pc:sldChg chg="modSp mod">
+        <pc:chgData name="Riccardo Berta" userId="c8694f89-bba4-4576-b0a8-456619ca5a8c" providerId="ADAL" clId="{FDDBFC5A-5EA9-5330-BEB8-433D7E3B4C4E}" dt="2025-11-26T17:11:49.679" v="127" actId="20577"/>
         <pc:sldMkLst>
           <pc:docMk/>
           <pc:sldMk cId="3018556184" sldId="259"/>
         </pc:sldMkLst>
         <pc:spChg chg="mod">
-          <ac:chgData name="Riccardo Berta" userId="c8694f89-bba4-4576-b0a8-456619ca5a8c" providerId="ADAL" clId="{A8290FA7-622A-D149-8650-9DF3F18680D5}" dt="2022-07-27T08:44:23.725" v="1124"/>
-          <ac:spMkLst>
-            <pc:docMk/>
-            <pc:sldMk cId="3018556184" sldId="259"/>
-            <ac:spMk id="2" creationId="{41268BF7-2F3B-A5C4-4F7E-1982399FCE62}"/>
-          </ac:spMkLst>
-        </pc:spChg>
-        <pc:spChg chg="mod">
-          <ac:chgData name="Riccardo Berta" userId="c8694f89-bba4-4576-b0a8-456619ca5a8c" providerId="ADAL" clId="{A8290FA7-622A-D149-8650-9DF3F18680D5}" dt="2022-07-27T13:36:04.688" v="2998"/>
+          <ac:chgData name="Riccardo Berta" userId="c8694f89-bba4-4576-b0a8-456619ca5a8c" providerId="ADAL" clId="{FDDBFC5A-5EA9-5330-BEB8-433D7E3B4C4E}" dt="2025-11-26T17:11:49.679" v="127" actId="20577"/>
           <ac:spMkLst>
             <pc:docMk/>
             <pc:sldMk cId="3018556184" sldId="259"/>
@@ -462,2634 +324,106 @@
           </ac:spMkLst>
         </pc:spChg>
       </pc:sldChg>
-      <pc:sldChg chg="addSp modSp new mod">
-        <pc:chgData name="Riccardo Berta" userId="c8694f89-bba4-4576-b0a8-456619ca5a8c" providerId="ADAL" clId="{A8290FA7-622A-D149-8650-9DF3F18680D5}" dt="2022-07-27T08:48:59.292" v="1210" actId="1076"/>
-        <pc:sldMkLst>
-          <pc:docMk/>
-          <pc:sldMk cId="1104208334" sldId="260"/>
-        </pc:sldMkLst>
-        <pc:spChg chg="mod">
-          <ac:chgData name="Riccardo Berta" userId="c8694f89-bba4-4576-b0a8-456619ca5a8c" providerId="ADAL" clId="{A8290FA7-622A-D149-8650-9DF3F18680D5}" dt="2022-07-27T08:44:23.725" v="1124"/>
-          <ac:spMkLst>
-            <pc:docMk/>
-            <pc:sldMk cId="1104208334" sldId="260"/>
-            <ac:spMk id="2" creationId="{BCB44347-B705-702C-8C13-25742F95F00E}"/>
-          </ac:spMkLst>
-        </pc:spChg>
-        <pc:spChg chg="mod">
-          <ac:chgData name="Riccardo Berta" userId="c8694f89-bba4-4576-b0a8-456619ca5a8c" providerId="ADAL" clId="{A8290FA7-622A-D149-8650-9DF3F18680D5}" dt="2022-07-27T08:48:34.600" v="1207" actId="20577"/>
-          <ac:spMkLst>
-            <pc:docMk/>
-            <pc:sldMk cId="1104208334" sldId="260"/>
-            <ac:spMk id="3" creationId="{1C462C8B-759C-C2C7-EA44-1505F85DD073}"/>
-          </ac:spMkLst>
-        </pc:spChg>
-        <pc:picChg chg="add mod">
-          <ac:chgData name="Riccardo Berta" userId="c8694f89-bba4-4576-b0a8-456619ca5a8c" providerId="ADAL" clId="{A8290FA7-622A-D149-8650-9DF3F18680D5}" dt="2022-07-27T08:48:59.292" v="1210" actId="1076"/>
-          <ac:picMkLst>
-            <pc:docMk/>
-            <pc:sldMk cId="1104208334" sldId="260"/>
-            <ac:picMk id="1026" creationId="{B4CA9CEF-2B94-4431-1046-06B5B4A61164}"/>
-          </ac:picMkLst>
-        </pc:picChg>
-      </pc:sldChg>
-      <pc:sldChg chg="del">
-        <pc:chgData name="Riccardo Berta" userId="c8694f89-bba4-4576-b0a8-456619ca5a8c" providerId="ADAL" clId="{A8290FA7-622A-D149-8650-9DF3F18680D5}" dt="2022-07-18T11:39:58.142" v="25" actId="2696"/>
-        <pc:sldMkLst>
-          <pc:docMk/>
-          <pc:sldMk cId="1290395919" sldId="261"/>
-        </pc:sldMkLst>
-        <pc:spChg chg="mod">
-          <ac:chgData name="Riccardo Berta" userId="c8694f89-bba4-4576-b0a8-456619ca5a8c" providerId="ADAL" clId="{A8290FA7-622A-D149-8650-9DF3F18680D5}" dt="2022-07-27T09:02:55.174" v="1405" actId="313"/>
-          <ac:spMkLst>
-            <pc:docMk/>
-            <pc:sldMk cId="1290395919" sldId="261"/>
-            <ac:spMk id="2" creationId="{7ACF5050-2FE7-D51A-3B42-49745B74F8BD}"/>
-          </ac:spMkLst>
-        </pc:spChg>
-        <pc:spChg chg="mod">
-          <ac:chgData name="Riccardo Berta" userId="c8694f89-bba4-4576-b0a8-456619ca5a8c" providerId="ADAL" clId="{A8290FA7-622A-D149-8650-9DF3F18680D5}" dt="2022-07-27T10:13:59.822" v="1768" actId="20577"/>
-          <ac:spMkLst>
-            <pc:docMk/>
-            <pc:sldMk cId="1290395919" sldId="261"/>
-            <ac:spMk id="3" creationId="{443CA410-E246-EACE-351E-80C846A06F66}"/>
-          </ac:spMkLst>
-        </pc:spChg>
-      </pc:sldChg>
-      <pc:sldChg chg="new del">
-        <pc:chgData name="Riccardo Berta" userId="c8694f89-bba4-4576-b0a8-456619ca5a8c" providerId="ADAL" clId="{A8290FA7-622A-D149-8650-9DF3F18680D5}" dt="2022-07-27T10:14:34.151" v="1776" actId="2696"/>
-        <pc:sldMkLst>
-          <pc:docMk/>
-          <pc:sldMk cId="1228403239" sldId="262"/>
-        </pc:sldMkLst>
-      </pc:sldChg>
-      <pc:sldChg chg="addSp modSp add mod">
-        <pc:chgData name="Riccardo Berta" userId="c8694f89-bba4-4576-b0a8-456619ca5a8c" providerId="ADAL" clId="{A8290FA7-622A-D149-8650-9DF3F18680D5}" dt="2022-07-27T10:42:13.820" v="2230" actId="113"/>
-        <pc:sldMkLst>
-          <pc:docMk/>
-          <pc:sldMk cId="4130549615" sldId="262"/>
-        </pc:sldMkLst>
-        <pc:spChg chg="mod">
-          <ac:chgData name="Riccardo Berta" userId="c8694f89-bba4-4576-b0a8-456619ca5a8c" providerId="ADAL" clId="{A8290FA7-622A-D149-8650-9DF3F18680D5}" dt="2022-07-27T10:14:47.805" v="1801" actId="20577"/>
-          <ac:spMkLst>
-            <pc:docMk/>
-            <pc:sldMk cId="4130549615" sldId="262"/>
-            <ac:spMk id="83" creationId="{00000000-0000-0000-0000-000000000000}"/>
-          </ac:spMkLst>
-        </pc:spChg>
-        <pc:spChg chg="mod">
-          <ac:chgData name="Riccardo Berta" userId="c8694f89-bba4-4576-b0a8-456619ca5a8c" providerId="ADAL" clId="{A8290FA7-622A-D149-8650-9DF3F18680D5}" dt="2022-07-27T10:42:13.820" v="2230" actId="113"/>
-          <ac:spMkLst>
-            <pc:docMk/>
-            <pc:sldMk cId="4130549615" sldId="262"/>
-            <ac:spMk id="84" creationId="{00000000-0000-0000-0000-000000000000}"/>
-          </ac:spMkLst>
-        </pc:spChg>
-        <pc:picChg chg="add mod">
-          <ac:chgData name="Riccardo Berta" userId="c8694f89-bba4-4576-b0a8-456619ca5a8c" providerId="ADAL" clId="{A8290FA7-622A-D149-8650-9DF3F18680D5}" dt="2022-07-27T10:41:57.614" v="2224" actId="1076"/>
-          <ac:picMkLst>
-            <pc:docMk/>
-            <pc:sldMk cId="4130549615" sldId="262"/>
-            <ac:picMk id="2" creationId="{DE7BB65F-08A4-B6D2-CED9-F0FFBD5CDBF9}"/>
-          </ac:picMkLst>
-        </pc:picChg>
-        <pc:picChg chg="add mod">
-          <ac:chgData name="Riccardo Berta" userId="c8694f89-bba4-4576-b0a8-456619ca5a8c" providerId="ADAL" clId="{A8290FA7-622A-D149-8650-9DF3F18680D5}" dt="2022-07-27T10:42:07.380" v="2229" actId="1076"/>
-          <ac:picMkLst>
-            <pc:docMk/>
-            <pc:sldMk cId="4130549615" sldId="262"/>
-            <ac:picMk id="3" creationId="{8F10188F-1192-CC5C-9229-6680F9B1F8A4}"/>
-          </ac:picMkLst>
-        </pc:picChg>
-      </pc:sldChg>
-      <pc:sldChg chg="new del">
-        <pc:chgData name="Riccardo Berta" userId="c8694f89-bba4-4576-b0a8-456619ca5a8c" providerId="ADAL" clId="{A8290FA7-622A-D149-8650-9DF3F18680D5}" dt="2022-07-27T10:14:17.648" v="1770" actId="2696"/>
-        <pc:sldMkLst>
-          <pc:docMk/>
-          <pc:sldMk cId="4179454221" sldId="262"/>
-        </pc:sldMkLst>
-      </pc:sldChg>
-      <pc:sldChg chg="addSp delSp modSp new del mod">
-        <pc:chgData name="Riccardo Berta" userId="c8694f89-bba4-4576-b0a8-456619ca5a8c" providerId="ADAL" clId="{A8290FA7-622A-D149-8650-9DF3F18680D5}" dt="2022-07-27T10:14:36.007" v="1777" actId="2696"/>
-        <pc:sldMkLst>
-          <pc:docMk/>
-          <pc:sldMk cId="2702540954" sldId="263"/>
-        </pc:sldMkLst>
-        <pc:spChg chg="add del mod">
-          <ac:chgData name="Riccardo Berta" userId="c8694f89-bba4-4576-b0a8-456619ca5a8c" providerId="ADAL" clId="{A8290FA7-622A-D149-8650-9DF3F18680D5}" dt="2022-07-27T10:14:34.058" v="1775"/>
-          <ac:spMkLst>
-            <pc:docMk/>
-            <pc:sldMk cId="2702540954" sldId="263"/>
-            <ac:spMk id="3" creationId="{3202F38C-70E9-B11B-4CF4-DD7C2BF1118A}"/>
-          </ac:spMkLst>
-        </pc:spChg>
-      </pc:sldChg>
-      <pc:sldChg chg="del">
-        <pc:chgData name="Riccardo Berta" userId="c8694f89-bba4-4576-b0a8-456619ca5a8c" providerId="ADAL" clId="{A8290FA7-622A-D149-8650-9DF3F18680D5}" dt="2022-07-18T11:39:58.451" v="27" actId="2696"/>
-        <pc:sldMkLst>
-          <pc:docMk/>
-          <pc:sldMk cId="3102138681" sldId="263"/>
-        </pc:sldMkLst>
-        <pc:spChg chg="add mod">
-          <ac:chgData name="Riccardo Berta" userId="c8694f89-bba4-4576-b0a8-456619ca5a8c" providerId="ADAL" clId="{A8290FA7-622A-D149-8650-9DF3F18680D5}" dt="2022-07-27T13:25:04.866" v="2759" actId="113"/>
-          <ac:spMkLst>
-            <pc:docMk/>
-            <pc:sldMk cId="3102138681" sldId="263"/>
-            <ac:spMk id="4" creationId="{F4D09BBD-B357-6547-1869-C5A2382FCC8B}"/>
-          </ac:spMkLst>
-        </pc:spChg>
-        <pc:spChg chg="add del mod">
-          <ac:chgData name="Riccardo Berta" userId="c8694f89-bba4-4576-b0a8-456619ca5a8c" providerId="ADAL" clId="{A8290FA7-622A-D149-8650-9DF3F18680D5}" dt="2022-07-27T11:15:39.262" v="2505" actId="478"/>
-          <ac:spMkLst>
-            <pc:docMk/>
-            <pc:sldMk cId="3102138681" sldId="263"/>
-            <ac:spMk id="5" creationId="{23AC3424-715D-3F08-932D-C2CF108A7059}"/>
-          </ac:spMkLst>
-        </pc:spChg>
-        <pc:spChg chg="add mod">
-          <ac:chgData name="Riccardo Berta" userId="c8694f89-bba4-4576-b0a8-456619ca5a8c" providerId="ADAL" clId="{A8290FA7-622A-D149-8650-9DF3F18680D5}" dt="2022-07-27T11:16:53.879" v="2519" actId="1076"/>
-          <ac:spMkLst>
-            <pc:docMk/>
-            <pc:sldMk cId="3102138681" sldId="263"/>
-            <ac:spMk id="6" creationId="{E6A53417-994D-A7A5-6B3C-BE4F99893522}"/>
-          </ac:spMkLst>
-        </pc:spChg>
-        <pc:spChg chg="add mod">
-          <ac:chgData name="Riccardo Berta" userId="c8694f89-bba4-4576-b0a8-456619ca5a8c" providerId="ADAL" clId="{A8290FA7-622A-D149-8650-9DF3F18680D5}" dt="2022-07-27T11:16:53.879" v="2519" actId="1076"/>
-          <ac:spMkLst>
-            <pc:docMk/>
-            <pc:sldMk cId="3102138681" sldId="263"/>
-            <ac:spMk id="7" creationId="{A40D36EA-EE11-0232-DF5A-70C2463FA6D7}"/>
-          </ac:spMkLst>
-        </pc:spChg>
-        <pc:spChg chg="mod">
-          <ac:chgData name="Riccardo Berta" userId="c8694f89-bba4-4576-b0a8-456619ca5a8c" providerId="ADAL" clId="{A8290FA7-622A-D149-8650-9DF3F18680D5}" dt="2022-07-27T10:48:03.941" v="2323" actId="20577"/>
-          <ac:spMkLst>
-            <pc:docMk/>
-            <pc:sldMk cId="3102138681" sldId="263"/>
-            <ac:spMk id="83" creationId="{00000000-0000-0000-0000-000000000000}"/>
-          </ac:spMkLst>
-        </pc:spChg>
-        <pc:spChg chg="mod">
-          <ac:chgData name="Riccardo Berta" userId="c8694f89-bba4-4576-b0a8-456619ca5a8c" providerId="ADAL" clId="{A8290FA7-622A-D149-8650-9DF3F18680D5}" dt="2022-07-27T10:48:06.788" v="2324" actId="20577"/>
-          <ac:spMkLst>
-            <pc:docMk/>
-            <pc:sldMk cId="3102138681" sldId="263"/>
-            <ac:spMk id="84" creationId="{00000000-0000-0000-0000-000000000000}"/>
-          </ac:spMkLst>
-        </pc:spChg>
-        <pc:grpChg chg="add del mod">
-          <ac:chgData name="Riccardo Berta" userId="c8694f89-bba4-4576-b0a8-456619ca5a8c" providerId="ADAL" clId="{A8290FA7-622A-D149-8650-9DF3F18680D5}" dt="2022-07-27T11:18:00.757" v="2523" actId="478"/>
-          <ac:grpSpMkLst>
-            <pc:docMk/>
-            <pc:sldMk cId="3102138681" sldId="263"/>
-            <ac:grpSpMk id="8" creationId="{197E1684-FF9E-2244-C365-B25FF288C192}"/>
-          </ac:grpSpMkLst>
-        </pc:grpChg>
-        <pc:picChg chg="del">
-          <ac:chgData name="Riccardo Berta" userId="c8694f89-bba4-4576-b0a8-456619ca5a8c" providerId="ADAL" clId="{A8290FA7-622A-D149-8650-9DF3F18680D5}" dt="2022-07-27T10:43:13.465" v="2245" actId="478"/>
-          <ac:picMkLst>
-            <pc:docMk/>
-            <pc:sldMk cId="3102138681" sldId="263"/>
-            <ac:picMk id="2" creationId="{DE7BB65F-08A4-B6D2-CED9-F0FFBD5CDBF9}"/>
-          </ac:picMkLst>
-        </pc:picChg>
-        <pc:picChg chg="del">
-          <ac:chgData name="Riccardo Berta" userId="c8694f89-bba4-4576-b0a8-456619ca5a8c" providerId="ADAL" clId="{A8290FA7-622A-D149-8650-9DF3F18680D5}" dt="2022-07-27T10:43:13.005" v="2244" actId="478"/>
-          <ac:picMkLst>
-            <pc:docMk/>
-            <pc:sldMk cId="3102138681" sldId="263"/>
-            <ac:picMk id="3" creationId="{8F10188F-1192-CC5C-9229-6680F9B1F8A4}"/>
-          </ac:picMkLst>
-        </pc:picChg>
-        <pc:picChg chg="add mod">
-          <ac:chgData name="Riccardo Berta" userId="c8694f89-bba4-4576-b0a8-456619ca5a8c" providerId="ADAL" clId="{A8290FA7-622A-D149-8650-9DF3F18680D5}" dt="2022-07-27T13:24:53.552" v="2751" actId="1076"/>
-          <ac:picMkLst>
-            <pc:docMk/>
-            <pc:sldMk cId="3102138681" sldId="263"/>
-            <ac:picMk id="10" creationId="{0E81828B-E89F-25E9-3F87-0F05B85C6E21}"/>
-          </ac:picMkLst>
-        </pc:picChg>
-        <pc:picChg chg="add mod">
-          <ac:chgData name="Riccardo Berta" userId="c8694f89-bba4-4576-b0a8-456619ca5a8c" providerId="ADAL" clId="{A8290FA7-622A-D149-8650-9DF3F18680D5}" dt="2022-07-27T11:16:53.879" v="2519" actId="1076"/>
-          <ac:picMkLst>
-            <pc:docMk/>
-            <pc:sldMk cId="3102138681" sldId="263"/>
-            <ac:picMk id="2050" creationId="{A53CAF74-1BDF-FAC7-6840-B2596884FF7F}"/>
-          </ac:picMkLst>
-        </pc:picChg>
-      </pc:sldChg>
-      <pc:sldChg chg="addSp modSp add del mod">
-        <pc:chgData name="Riccardo Berta" userId="c8694f89-bba4-4576-b0a8-456619ca5a8c" providerId="ADAL" clId="{A8290FA7-622A-D149-8650-9DF3F18680D5}" dt="2022-07-27T10:42:20.886" v="2231" actId="2696"/>
-        <pc:sldMkLst>
-          <pc:docMk/>
-          <pc:sldMk cId="3911169705" sldId="263"/>
-        </pc:sldMkLst>
-        <pc:spChg chg="mod">
-          <ac:chgData name="Riccardo Berta" userId="c8694f89-bba4-4576-b0a8-456619ca5a8c" providerId="ADAL" clId="{A8290FA7-622A-D149-8650-9DF3F18680D5}" dt="2022-07-27T10:33:15.496" v="2048" actId="20577"/>
-          <ac:spMkLst>
-            <pc:docMk/>
-            <pc:sldMk cId="3911169705" sldId="263"/>
-            <ac:spMk id="83" creationId="{00000000-0000-0000-0000-000000000000}"/>
-          </ac:spMkLst>
-        </pc:spChg>
-        <pc:spChg chg="mod">
-          <ac:chgData name="Riccardo Berta" userId="c8694f89-bba4-4576-b0a8-456619ca5a8c" providerId="ADAL" clId="{A8290FA7-622A-D149-8650-9DF3F18680D5}" dt="2022-07-27T10:34:05.441" v="2067" actId="20577"/>
-          <ac:spMkLst>
-            <pc:docMk/>
-            <pc:sldMk cId="3911169705" sldId="263"/>
-            <ac:spMk id="84" creationId="{00000000-0000-0000-0000-000000000000}"/>
-          </ac:spMkLst>
-        </pc:spChg>
-        <pc:picChg chg="add mod">
-          <ac:chgData name="Riccardo Berta" userId="c8694f89-bba4-4576-b0a8-456619ca5a8c" providerId="ADAL" clId="{A8290FA7-622A-D149-8650-9DF3F18680D5}" dt="2022-07-27T10:33:53.682" v="2062" actId="14100"/>
-          <ac:picMkLst>
-            <pc:docMk/>
-            <pc:sldMk cId="3911169705" sldId="263"/>
-            <ac:picMk id="2" creationId="{D4B2A0E7-4B4D-E6BD-CA2B-E156742EB348}"/>
-          </ac:picMkLst>
-        </pc:picChg>
-        <pc:picChg chg="add mod">
-          <ac:chgData name="Riccardo Berta" userId="c8694f89-bba4-4576-b0a8-456619ca5a8c" providerId="ADAL" clId="{A8290FA7-622A-D149-8650-9DF3F18680D5}" dt="2022-07-27T10:34:01.183" v="2064" actId="1076"/>
-          <ac:picMkLst>
-            <pc:docMk/>
-            <pc:sldMk cId="3911169705" sldId="263"/>
-            <ac:picMk id="3" creationId="{DB1314C3-2E54-D0A9-2C2E-0B14369A70D5}"/>
-          </ac:picMkLst>
-        </pc:picChg>
-      </pc:sldChg>
-      <pc:sldChg chg="del">
-        <pc:chgData name="Riccardo Berta" userId="c8694f89-bba4-4576-b0a8-456619ca5a8c" providerId="ADAL" clId="{A8290FA7-622A-D149-8650-9DF3F18680D5}" dt="2022-07-18T11:39:58.616" v="28" actId="2696"/>
-        <pc:sldMkLst>
-          <pc:docMk/>
-          <pc:sldMk cId="2113557187" sldId="264"/>
-        </pc:sldMkLst>
-        <pc:spChg chg="add del">
-          <ac:chgData name="Riccardo Berta" userId="c8694f89-bba4-4576-b0a8-456619ca5a8c" providerId="ADAL" clId="{A8290FA7-622A-D149-8650-9DF3F18680D5}" dt="2022-07-27T11:59:11.727" v="2638" actId="478"/>
-          <ac:spMkLst>
-            <pc:docMk/>
-            <pc:sldMk cId="2113557187" sldId="264"/>
-            <ac:spMk id="3" creationId="{BC1FDF23-921F-5E18-9CFF-ACCFCF450821}"/>
-          </ac:spMkLst>
-        </pc:spChg>
-        <pc:spChg chg="mod">
-          <ac:chgData name="Riccardo Berta" userId="c8694f89-bba4-4576-b0a8-456619ca5a8c" providerId="ADAL" clId="{A8290FA7-622A-D149-8650-9DF3F18680D5}" dt="2022-07-27T11:59:29.324" v="2645" actId="5793"/>
-          <ac:spMkLst>
-            <pc:docMk/>
-            <pc:sldMk cId="2113557187" sldId="264"/>
-            <ac:spMk id="4" creationId="{F4D09BBD-B357-6547-1869-C5A2382FCC8B}"/>
-          </ac:spMkLst>
-        </pc:spChg>
-        <pc:spChg chg="add del">
-          <ac:chgData name="Riccardo Berta" userId="c8694f89-bba4-4576-b0a8-456619ca5a8c" providerId="ADAL" clId="{A8290FA7-622A-D149-8650-9DF3F18680D5}" dt="2022-07-27T11:59:15.052" v="2640" actId="478"/>
-          <ac:spMkLst>
-            <pc:docMk/>
-            <pc:sldMk cId="2113557187" sldId="264"/>
-            <ac:spMk id="6" creationId="{2CCFB366-8A7D-5E7E-B99E-3A97CFF1730F}"/>
-          </ac:spMkLst>
-        </pc:spChg>
-        <pc:picChg chg="del">
-          <ac:chgData name="Riccardo Berta" userId="c8694f89-bba4-4576-b0a8-456619ca5a8c" providerId="ADAL" clId="{A8290FA7-622A-D149-8650-9DF3F18680D5}" dt="2022-07-27T11:59:09.596" v="2636" actId="478"/>
-          <ac:picMkLst>
-            <pc:docMk/>
-            <pc:sldMk cId="2113557187" sldId="264"/>
-            <ac:picMk id="10" creationId="{0E81828B-E89F-25E9-3F87-0F05B85C6E21}"/>
-          </ac:picMkLst>
-        </pc:picChg>
-        <pc:picChg chg="add mod">
-          <ac:chgData name="Riccardo Berta" userId="c8694f89-bba4-4576-b0a8-456619ca5a8c" providerId="ADAL" clId="{A8290FA7-622A-D149-8650-9DF3F18680D5}" dt="2022-07-27T13:22:18.527" v="2647" actId="14100"/>
-          <ac:picMkLst>
-            <pc:docMk/>
-            <pc:sldMk cId="2113557187" sldId="264"/>
-            <ac:picMk id="3074" creationId="{9CA02893-40B1-CBA3-7B52-7B9773D440DD}"/>
-          </ac:picMkLst>
-        </pc:picChg>
-      </pc:sldChg>
-      <pc:sldChg chg="del">
-        <pc:chgData name="Riccardo Berta" userId="c8694f89-bba4-4576-b0a8-456619ca5a8c" providerId="ADAL" clId="{A8290FA7-622A-D149-8650-9DF3F18680D5}" dt="2022-07-18T11:39:58.749" v="29" actId="2696"/>
-        <pc:sldMkLst>
-          <pc:docMk/>
-          <pc:sldMk cId="2045385232" sldId="265"/>
-        </pc:sldMkLst>
-        <pc:spChg chg="mod">
-          <ac:chgData name="Riccardo Berta" userId="c8694f89-bba4-4576-b0a8-456619ca5a8c" providerId="ADAL" clId="{A8290FA7-622A-D149-8650-9DF3F18680D5}" dt="2022-07-27T13:28:40.287" v="2835" actId="20577"/>
-          <ac:spMkLst>
-            <pc:docMk/>
-            <pc:sldMk cId="2045385232" sldId="265"/>
-            <ac:spMk id="2" creationId="{7ACF5050-2FE7-D51A-3B42-49745B74F8BD}"/>
-          </ac:spMkLst>
-        </pc:spChg>
-        <pc:spChg chg="mod">
-          <ac:chgData name="Riccardo Berta" userId="c8694f89-bba4-4576-b0a8-456619ca5a8c" providerId="ADAL" clId="{A8290FA7-622A-D149-8650-9DF3F18680D5}" dt="2022-07-27T13:34:43.252" v="2978" actId="20577"/>
-          <ac:spMkLst>
-            <pc:docMk/>
-            <pc:sldMk cId="2045385232" sldId="265"/>
-            <ac:spMk id="3" creationId="{443CA410-E246-EACE-351E-80C846A06F66}"/>
-          </ac:spMkLst>
-        </pc:spChg>
-        <pc:picChg chg="add mod">
-          <ac:chgData name="Riccardo Berta" userId="c8694f89-bba4-4576-b0a8-456619ca5a8c" providerId="ADAL" clId="{A8290FA7-622A-D149-8650-9DF3F18680D5}" dt="2022-07-27T13:29:04.301" v="2839" actId="1076"/>
-          <ac:picMkLst>
-            <pc:docMk/>
-            <pc:sldMk cId="2045385232" sldId="265"/>
-            <ac:picMk id="5" creationId="{6F2A372C-E4F3-6EB3-7011-0A41077F7959}"/>
-          </ac:picMkLst>
-        </pc:picChg>
-      </pc:sldChg>
-      <pc:sldChg chg="del">
-        <pc:chgData name="Riccardo Berta" userId="c8694f89-bba4-4576-b0a8-456619ca5a8c" providerId="ADAL" clId="{A8290FA7-622A-D149-8650-9DF3F18680D5}" dt="2022-07-18T11:39:58.869" v="30" actId="2696"/>
-        <pc:sldMkLst>
-          <pc:docMk/>
-          <pc:sldMk cId="4181844165" sldId="266"/>
-        </pc:sldMkLst>
-      </pc:sldChg>
-      <pc:sldChg chg="del">
-        <pc:chgData name="Riccardo Berta" userId="c8694f89-bba4-4576-b0a8-456619ca5a8c" providerId="ADAL" clId="{A8290FA7-622A-D149-8650-9DF3F18680D5}" dt="2022-07-18T11:39:59.035" v="31" actId="2696"/>
-        <pc:sldMkLst>
-          <pc:docMk/>
-          <pc:sldMk cId="216455838" sldId="267"/>
-        </pc:sldMkLst>
-      </pc:sldChg>
-      <pc:sldChg chg="del">
-        <pc:chgData name="Riccardo Berta" userId="c8694f89-bba4-4576-b0a8-456619ca5a8c" providerId="ADAL" clId="{A8290FA7-622A-D149-8650-9DF3F18680D5}" dt="2022-07-18T11:39:59.202" v="32" actId="2696"/>
-        <pc:sldMkLst>
-          <pc:docMk/>
-          <pc:sldMk cId="3471997037" sldId="269"/>
-        </pc:sldMkLst>
-      </pc:sldChg>
-      <pc:sldChg chg="del">
-        <pc:chgData name="Riccardo Berta" userId="c8694f89-bba4-4576-b0a8-456619ca5a8c" providerId="ADAL" clId="{A8290FA7-622A-D149-8650-9DF3F18680D5}" dt="2022-07-18T11:39:59.363" v="33" actId="2696"/>
-        <pc:sldMkLst>
-          <pc:docMk/>
-          <pc:sldMk cId="3130917410" sldId="270"/>
-        </pc:sldMkLst>
-      </pc:sldChg>
-      <pc:sldChg chg="del">
-        <pc:chgData name="Riccardo Berta" userId="c8694f89-bba4-4576-b0a8-456619ca5a8c" providerId="ADAL" clId="{A8290FA7-622A-D149-8650-9DF3F18680D5}" dt="2022-07-18T11:39:59.502" v="34" actId="2696"/>
-        <pc:sldMkLst>
-          <pc:docMk/>
-          <pc:sldMk cId="2266699268" sldId="271"/>
-        </pc:sldMkLst>
-      </pc:sldChg>
-      <pc:sldChg chg="del">
-        <pc:chgData name="Riccardo Berta" userId="c8694f89-bba4-4576-b0a8-456619ca5a8c" providerId="ADAL" clId="{A8290FA7-622A-D149-8650-9DF3F18680D5}" dt="2022-07-18T11:40:00.091" v="38" actId="2696"/>
-        <pc:sldMkLst>
-          <pc:docMk/>
-          <pc:sldMk cId="993270251" sldId="272"/>
-        </pc:sldMkLst>
-      </pc:sldChg>
-      <pc:sldChg chg="del">
-        <pc:chgData name="Riccardo Berta" userId="c8694f89-bba4-4576-b0a8-456619ca5a8c" providerId="ADAL" clId="{A8290FA7-622A-D149-8650-9DF3F18680D5}" dt="2022-07-18T11:39:59.623" v="35" actId="2696"/>
-        <pc:sldMkLst>
-          <pc:docMk/>
-          <pc:sldMk cId="3843819371" sldId="273"/>
-        </pc:sldMkLst>
-      </pc:sldChg>
-      <pc:sldChg chg="del">
-        <pc:chgData name="Riccardo Berta" userId="c8694f89-bba4-4576-b0a8-456619ca5a8c" providerId="ADAL" clId="{A8290FA7-622A-D149-8650-9DF3F18680D5}" dt="2022-07-18T11:39:59.806" v="36" actId="2696"/>
-        <pc:sldMkLst>
-          <pc:docMk/>
-          <pc:sldMk cId="3084049364" sldId="274"/>
-        </pc:sldMkLst>
-      </pc:sldChg>
-      <pc:sldChg chg="del">
-        <pc:chgData name="Riccardo Berta" userId="c8694f89-bba4-4576-b0a8-456619ca5a8c" providerId="ADAL" clId="{A8290FA7-622A-D149-8650-9DF3F18680D5}" dt="2022-07-18T11:39:59.937" v="37" actId="2696"/>
-        <pc:sldMkLst>
-          <pc:docMk/>
-          <pc:sldMk cId="284781631" sldId="275"/>
-        </pc:sldMkLst>
-      </pc:sldChg>
-      <pc:sldMasterChg chg="modSp mod delSldLayout modSldLayout">
-        <pc:chgData name="Riccardo Berta" userId="c8694f89-bba4-4576-b0a8-456619ca5a8c" providerId="ADAL" clId="{A8290FA7-622A-D149-8650-9DF3F18680D5}" dt="2022-07-27T08:45:00.853" v="1135" actId="20577"/>
-        <pc:sldMasterMkLst>
-          <pc:docMk/>
-          <pc:sldMasterMk cId="0" sldId="2147483659"/>
-        </pc:sldMasterMkLst>
-        <pc:spChg chg="mod">
-          <ac:chgData name="Riccardo Berta" userId="c8694f89-bba4-4576-b0a8-456619ca5a8c" providerId="ADAL" clId="{A8290FA7-622A-D149-8650-9DF3F18680D5}" dt="2022-07-27T08:45:00.853" v="1135" actId="20577"/>
-          <ac:spMkLst>
-            <pc:docMk/>
-            <pc:sldMasterMk cId="0" sldId="2147483659"/>
-            <ac:spMk id="7" creationId="{00000000-0000-0000-0000-000000000000}"/>
-          </ac:spMkLst>
-        </pc:spChg>
-        <pc:sldLayoutChg chg="del">
-          <pc:chgData name="Riccardo Berta" userId="c8694f89-bba4-4576-b0a8-456619ca5a8c" providerId="ADAL" clId="{A8290FA7-622A-D149-8650-9DF3F18680D5}" dt="2022-07-27T07:48:28.832" v="223" actId="2696"/>
-          <pc:sldLayoutMkLst>
-            <pc:docMk/>
-            <pc:sldMasterMk cId="0" sldId="2147483659"/>
-            <pc:sldLayoutMk cId="0" sldId="2147483649"/>
-          </pc:sldLayoutMkLst>
-        </pc:sldLayoutChg>
-        <pc:sldLayoutChg chg="delSp">
-          <pc:chgData name="Riccardo Berta" userId="c8694f89-bba4-4576-b0a8-456619ca5a8c" providerId="ADAL" clId="{A8290FA7-622A-D149-8650-9DF3F18680D5}" dt="2022-07-27T08:44:23.725" v="1124"/>
-          <pc:sldLayoutMkLst>
-            <pc:docMk/>
-            <pc:sldMasterMk cId="0" sldId="2147483659"/>
-            <pc:sldLayoutMk cId="0" sldId="2147483650"/>
-          </pc:sldLayoutMkLst>
-          <pc:spChg chg="del">
-            <ac:chgData name="Riccardo Berta" userId="c8694f89-bba4-4576-b0a8-456619ca5a8c" providerId="ADAL" clId="{A8290FA7-622A-D149-8650-9DF3F18680D5}" dt="2022-07-27T08:44:23.725" v="1124"/>
-            <ac:spMkLst>
-              <pc:docMk/>
-              <pc:sldMasterMk cId="0" sldId="2147483659"/>
-              <pc:sldLayoutMk cId="0" sldId="2147483650"/>
-              <ac:spMk id="22" creationId="{00000000-0000-0000-0000-000000000000}"/>
-            </ac:spMkLst>
-          </pc:spChg>
-        </pc:sldLayoutChg>
-      </pc:sldMasterChg>
-    </pc:docChg>
-  </pc:docChgLst>
-  <pc:docChgLst>
-    <pc:chgData name="Riccardo Berta" userId="c8694f89-bba4-4576-b0a8-456619ca5a8c" providerId="ADAL" clId="{58424B7E-67A2-E24B-9516-C248AFA19009}"/>
-    <pc:docChg chg="undo custSel addSld delSld modSld sldOrd modMainMaster">
-      <pc:chgData name="Riccardo Berta" userId="c8694f89-bba4-4576-b0a8-456619ca5a8c" providerId="ADAL" clId="{58424B7E-67A2-E24B-9516-C248AFA19009}" dt="2022-08-30T09:41:00.751" v="1457" actId="20577"/>
-      <pc:docMkLst>
-        <pc:docMk/>
-      </pc:docMkLst>
-      <pc:sldChg chg="modSp mod">
-        <pc:chgData name="Riccardo Berta" userId="c8694f89-bba4-4576-b0a8-456619ca5a8c" providerId="ADAL" clId="{58424B7E-67A2-E24B-9516-C248AFA19009}" dt="2022-08-30T09:38:38.114" v="1432" actId="790"/>
-        <pc:sldMkLst>
-          <pc:docMk/>
-          <pc:sldMk cId="0" sldId="256"/>
-        </pc:sldMkLst>
-        <pc:spChg chg="mod">
-          <ac:chgData name="Riccardo Berta" userId="c8694f89-bba4-4576-b0a8-456619ca5a8c" providerId="ADAL" clId="{58424B7E-67A2-E24B-9516-C248AFA19009}" dt="2022-08-30T09:38:38.114" v="1432" actId="790"/>
-          <ac:spMkLst>
-            <pc:docMk/>
-            <pc:sldMk cId="0" sldId="256"/>
-            <ac:spMk id="62" creationId="{00000000-0000-0000-0000-000000000000}"/>
-          </ac:spMkLst>
-        </pc:spChg>
-      </pc:sldChg>
-      <pc:sldChg chg="addSp modSp mod">
-        <pc:chgData name="Riccardo Berta" userId="c8694f89-bba4-4576-b0a8-456619ca5a8c" providerId="ADAL" clId="{58424B7E-67A2-E24B-9516-C248AFA19009}" dt="2022-08-30T09:37:52.468" v="1397" actId="20577"/>
-        <pc:sldMkLst>
-          <pc:docMk/>
-          <pc:sldMk cId="0" sldId="257"/>
-        </pc:sldMkLst>
-        <pc:spChg chg="mod">
-          <ac:chgData name="Riccardo Berta" userId="c8694f89-bba4-4576-b0a8-456619ca5a8c" providerId="ADAL" clId="{58424B7E-67A2-E24B-9516-C248AFA19009}" dt="2022-08-30T09:37:52.468" v="1397" actId="20577"/>
-          <ac:spMkLst>
-            <pc:docMk/>
-            <pc:sldMk cId="0" sldId="257"/>
-            <ac:spMk id="83" creationId="{00000000-0000-0000-0000-000000000000}"/>
-          </ac:spMkLst>
-        </pc:spChg>
-        <pc:spChg chg="mod">
-          <ac:chgData name="Riccardo Berta" userId="c8694f89-bba4-4576-b0a8-456619ca5a8c" providerId="ADAL" clId="{58424B7E-67A2-E24B-9516-C248AFA19009}" dt="2022-08-30T08:54:17.949" v="242" actId="20577"/>
-          <ac:spMkLst>
-            <pc:docMk/>
-            <pc:sldMk cId="0" sldId="257"/>
-            <ac:spMk id="84" creationId="{00000000-0000-0000-0000-000000000000}"/>
-          </ac:spMkLst>
-        </pc:spChg>
-        <pc:picChg chg="add mod">
-          <ac:chgData name="Riccardo Berta" userId="c8694f89-bba4-4576-b0a8-456619ca5a8c" providerId="ADAL" clId="{58424B7E-67A2-E24B-9516-C248AFA19009}" dt="2022-08-30T08:54:52.448" v="247" actId="1076"/>
-          <ac:picMkLst>
-            <pc:docMk/>
-            <pc:sldMk cId="0" sldId="257"/>
-            <ac:picMk id="3" creationId="{EE0D0F3E-A843-92E5-ABBC-F41E3CA3C922}"/>
-          </ac:picMkLst>
-        </pc:picChg>
-        <pc:picChg chg="add mod">
-          <ac:chgData name="Riccardo Berta" userId="c8694f89-bba4-4576-b0a8-456619ca5a8c" providerId="ADAL" clId="{58424B7E-67A2-E24B-9516-C248AFA19009}" dt="2022-08-30T08:54:40.649" v="245" actId="1076"/>
-          <ac:picMkLst>
-            <pc:docMk/>
-            <pc:sldMk cId="0" sldId="257"/>
-            <ac:picMk id="5" creationId="{692F2B73-F6B6-F2AC-BB2A-2B1020944694}"/>
-          </ac:picMkLst>
-        </pc:picChg>
-      </pc:sldChg>
-      <pc:sldChg chg="modSp mod">
-        <pc:chgData name="Riccardo Berta" userId="c8694f89-bba4-4576-b0a8-456619ca5a8c" providerId="ADAL" clId="{58424B7E-67A2-E24B-9516-C248AFA19009}" dt="2022-08-30T09:41:00.751" v="1457" actId="20577"/>
-        <pc:sldMkLst>
-          <pc:docMk/>
-          <pc:sldMk cId="3018556184" sldId="259"/>
-        </pc:sldMkLst>
-        <pc:spChg chg="mod">
-          <ac:chgData name="Riccardo Berta" userId="c8694f89-bba4-4576-b0a8-456619ca5a8c" providerId="ADAL" clId="{58424B7E-67A2-E24B-9516-C248AFA19009}" dt="2022-08-30T09:40:55.801" v="1443" actId="20577"/>
-          <ac:spMkLst>
-            <pc:docMk/>
-            <pc:sldMk cId="3018556184" sldId="259"/>
-            <ac:spMk id="2" creationId="{41268BF7-2F3B-A5C4-4F7E-1982399FCE62}"/>
-          </ac:spMkLst>
-        </pc:spChg>
-        <pc:spChg chg="mod">
-          <ac:chgData name="Riccardo Berta" userId="c8694f89-bba4-4576-b0a8-456619ca5a8c" providerId="ADAL" clId="{58424B7E-67A2-E24B-9516-C248AFA19009}" dt="2022-08-30T09:41:00.751" v="1457" actId="20577"/>
-          <ac:spMkLst>
-            <pc:docMk/>
-            <pc:sldMk cId="3018556184" sldId="259"/>
-            <ac:spMk id="3" creationId="{38BFAA1C-1163-169B-2D77-6FEF73CC8512}"/>
-          </ac:spMkLst>
-        </pc:spChg>
-      </pc:sldChg>
-      <pc:sldChg chg="del">
-        <pc:chgData name="Riccardo Berta" userId="c8694f89-bba4-4576-b0a8-456619ca5a8c" providerId="ADAL" clId="{58424B7E-67A2-E24B-9516-C248AFA19009}" dt="2022-08-30T08:44:09.932" v="12" actId="2696"/>
-        <pc:sldMkLst>
-          <pc:docMk/>
-          <pc:sldMk cId="1066709261" sldId="260"/>
-        </pc:sldMkLst>
-      </pc:sldChg>
-      <pc:sldChg chg="addSp modSp add mod">
-        <pc:chgData name="Riccardo Berta" userId="c8694f89-bba4-4576-b0a8-456619ca5a8c" providerId="ADAL" clId="{58424B7E-67A2-E24B-9516-C248AFA19009}" dt="2022-08-30T09:38:04.406" v="1411" actId="20577"/>
-        <pc:sldMkLst>
-          <pc:docMk/>
-          <pc:sldMk cId="3692252167" sldId="260"/>
-        </pc:sldMkLst>
-        <pc:spChg chg="mod">
-          <ac:chgData name="Riccardo Berta" userId="c8694f89-bba4-4576-b0a8-456619ca5a8c" providerId="ADAL" clId="{58424B7E-67A2-E24B-9516-C248AFA19009}" dt="2022-08-30T09:38:04.406" v="1411" actId="20577"/>
-          <ac:spMkLst>
-            <pc:docMk/>
-            <pc:sldMk cId="3692252167" sldId="260"/>
-            <ac:spMk id="83" creationId="{00000000-0000-0000-0000-000000000000}"/>
-          </ac:spMkLst>
-        </pc:spChg>
-        <pc:spChg chg="mod">
-          <ac:chgData name="Riccardo Berta" userId="c8694f89-bba4-4576-b0a8-456619ca5a8c" providerId="ADAL" clId="{58424B7E-67A2-E24B-9516-C248AFA19009}" dt="2022-08-30T09:04:35.320" v="520" actId="20577"/>
-          <ac:spMkLst>
-            <pc:docMk/>
-            <pc:sldMk cId="3692252167" sldId="260"/>
-            <ac:spMk id="84" creationId="{00000000-0000-0000-0000-000000000000}"/>
-          </ac:spMkLst>
-        </pc:spChg>
-        <pc:picChg chg="add mod">
-          <ac:chgData name="Riccardo Berta" userId="c8694f89-bba4-4576-b0a8-456619ca5a8c" providerId="ADAL" clId="{58424B7E-67A2-E24B-9516-C248AFA19009}" dt="2022-08-30T09:05:43.669" v="528" actId="1076"/>
-          <ac:picMkLst>
-            <pc:docMk/>
-            <pc:sldMk cId="3692252167" sldId="260"/>
-            <ac:picMk id="3" creationId="{26020D26-A3D1-87FF-6D23-30510A8347CA}"/>
-          </ac:picMkLst>
-        </pc:picChg>
-        <pc:picChg chg="add mod">
-          <ac:chgData name="Riccardo Berta" userId="c8694f89-bba4-4576-b0a8-456619ca5a8c" providerId="ADAL" clId="{58424B7E-67A2-E24B-9516-C248AFA19009}" dt="2022-08-30T09:05:45.736" v="529" actId="1076"/>
-          <ac:picMkLst>
-            <pc:docMk/>
-            <pc:sldMk cId="3692252167" sldId="260"/>
-            <ac:picMk id="5" creationId="{9FA419C2-E609-741E-D65C-C1D117A7308B}"/>
-          </ac:picMkLst>
-        </pc:picChg>
-        <pc:picChg chg="add mod">
-          <ac:chgData name="Riccardo Berta" userId="c8694f89-bba4-4576-b0a8-456619ca5a8c" providerId="ADAL" clId="{58424B7E-67A2-E24B-9516-C248AFA19009}" dt="2022-08-30T09:05:50.436" v="530" actId="1076"/>
-          <ac:picMkLst>
-            <pc:docMk/>
-            <pc:sldMk cId="3692252167" sldId="260"/>
-            <ac:picMk id="7" creationId="{3ECFDE7C-5996-8F77-AAD8-C21E11379B42}"/>
-          </ac:picMkLst>
-        </pc:picChg>
-      </pc:sldChg>
-      <pc:sldChg chg="addSp modSp add mod">
-        <pc:chgData name="Riccardo Berta" userId="c8694f89-bba4-4576-b0a8-456619ca5a8c" providerId="ADAL" clId="{58424B7E-67A2-E24B-9516-C248AFA19009}" dt="2022-08-30T09:35:29.211" v="1307" actId="21"/>
-        <pc:sldMkLst>
-          <pc:docMk/>
-          <pc:sldMk cId="846979211" sldId="261"/>
-        </pc:sldMkLst>
-        <pc:spChg chg="mod">
-          <ac:chgData name="Riccardo Berta" userId="c8694f89-bba4-4576-b0a8-456619ca5a8c" providerId="ADAL" clId="{58424B7E-67A2-E24B-9516-C248AFA19009}" dt="2022-08-30T09:06:58.258" v="533" actId="20577"/>
-          <ac:spMkLst>
-            <pc:docMk/>
-            <pc:sldMk cId="846979211" sldId="261"/>
-            <ac:spMk id="83" creationId="{00000000-0000-0000-0000-000000000000}"/>
-          </ac:spMkLst>
-        </pc:spChg>
-        <pc:spChg chg="mod">
-          <ac:chgData name="Riccardo Berta" userId="c8694f89-bba4-4576-b0a8-456619ca5a8c" providerId="ADAL" clId="{58424B7E-67A2-E24B-9516-C248AFA19009}" dt="2022-08-30T09:35:29.211" v="1307" actId="21"/>
-          <ac:spMkLst>
-            <pc:docMk/>
-            <pc:sldMk cId="846979211" sldId="261"/>
-            <ac:spMk id="84" creationId="{00000000-0000-0000-0000-000000000000}"/>
-          </ac:spMkLst>
-        </pc:spChg>
-        <pc:picChg chg="add mod">
-          <ac:chgData name="Riccardo Berta" userId="c8694f89-bba4-4576-b0a8-456619ca5a8c" providerId="ADAL" clId="{58424B7E-67A2-E24B-9516-C248AFA19009}" dt="2022-08-30T09:08:52.432" v="561" actId="1076"/>
-          <ac:picMkLst>
-            <pc:docMk/>
-            <pc:sldMk cId="846979211" sldId="261"/>
-            <ac:picMk id="3" creationId="{ABE3CA87-0B25-2C79-A596-21112343DAEC}"/>
-          </ac:picMkLst>
-        </pc:picChg>
-      </pc:sldChg>
-      <pc:sldChg chg="modSp add mod">
-        <pc:chgData name="Riccardo Berta" userId="c8694f89-bba4-4576-b0a8-456619ca5a8c" providerId="ADAL" clId="{58424B7E-67A2-E24B-9516-C248AFA19009}" dt="2022-08-30T09:19:27.119" v="830" actId="20577"/>
-        <pc:sldMkLst>
-          <pc:docMk/>
-          <pc:sldMk cId="447929702" sldId="262"/>
-        </pc:sldMkLst>
-        <pc:spChg chg="mod">
-          <ac:chgData name="Riccardo Berta" userId="c8694f89-bba4-4576-b0a8-456619ca5a8c" providerId="ADAL" clId="{58424B7E-67A2-E24B-9516-C248AFA19009}" dt="2022-08-30T09:09:40.371" v="566" actId="20577"/>
-          <ac:spMkLst>
-            <pc:docMk/>
-            <pc:sldMk cId="447929702" sldId="262"/>
-            <ac:spMk id="83" creationId="{00000000-0000-0000-0000-000000000000}"/>
-          </ac:spMkLst>
-        </pc:spChg>
-        <pc:spChg chg="mod">
-          <ac:chgData name="Riccardo Berta" userId="c8694f89-bba4-4576-b0a8-456619ca5a8c" providerId="ADAL" clId="{58424B7E-67A2-E24B-9516-C248AFA19009}" dt="2022-08-30T09:19:27.119" v="830" actId="20577"/>
-          <ac:spMkLst>
-            <pc:docMk/>
-            <pc:sldMk cId="447929702" sldId="262"/>
-            <ac:spMk id="84" creationId="{00000000-0000-0000-0000-000000000000}"/>
-          </ac:spMkLst>
-        </pc:spChg>
-      </pc:sldChg>
-      <pc:sldChg chg="addSp modSp add mod ord">
-        <pc:chgData name="Riccardo Berta" userId="c8694f89-bba4-4576-b0a8-456619ca5a8c" providerId="ADAL" clId="{58424B7E-67A2-E24B-9516-C248AFA19009}" dt="2022-08-30T09:40:40.663" v="1434" actId="20578"/>
-        <pc:sldMkLst>
-          <pc:docMk/>
-          <pc:sldMk cId="11402927" sldId="263"/>
-        </pc:sldMkLst>
-        <pc:spChg chg="mod">
-          <ac:chgData name="Riccardo Berta" userId="c8694f89-bba4-4576-b0a8-456619ca5a8c" providerId="ADAL" clId="{58424B7E-67A2-E24B-9516-C248AFA19009}" dt="2022-08-30T09:26:18.243" v="1009" actId="20577"/>
-          <ac:spMkLst>
-            <pc:docMk/>
-            <pc:sldMk cId="11402927" sldId="263"/>
-            <ac:spMk id="83" creationId="{00000000-0000-0000-0000-000000000000}"/>
-          </ac:spMkLst>
-        </pc:spChg>
-        <pc:spChg chg="mod">
-          <ac:chgData name="Riccardo Berta" userId="c8694f89-bba4-4576-b0a8-456619ca5a8c" providerId="ADAL" clId="{58424B7E-67A2-E24B-9516-C248AFA19009}" dt="2022-08-30T09:32:06.516" v="1199" actId="404"/>
-          <ac:spMkLst>
-            <pc:docMk/>
-            <pc:sldMk cId="11402927" sldId="263"/>
-            <ac:spMk id="84" creationId="{00000000-0000-0000-0000-000000000000}"/>
-          </ac:spMkLst>
-        </pc:spChg>
-        <pc:picChg chg="add mod">
-          <ac:chgData name="Riccardo Berta" userId="c8694f89-bba4-4576-b0a8-456619ca5a8c" providerId="ADAL" clId="{58424B7E-67A2-E24B-9516-C248AFA19009}" dt="2022-08-30T09:29:03.309" v="1117" actId="1076"/>
-          <ac:picMkLst>
-            <pc:docMk/>
-            <pc:sldMk cId="11402927" sldId="263"/>
-            <ac:picMk id="3" creationId="{F3D401DB-61B8-1C3E-9105-7EC9ACE0FC92}"/>
-          </ac:picMkLst>
-        </pc:picChg>
-        <pc:picChg chg="add mod">
-          <ac:chgData name="Riccardo Berta" userId="c8694f89-bba4-4576-b0a8-456619ca5a8c" providerId="ADAL" clId="{58424B7E-67A2-E24B-9516-C248AFA19009}" dt="2022-08-30T09:32:36.205" v="1204" actId="1076"/>
-          <ac:picMkLst>
-            <pc:docMk/>
-            <pc:sldMk cId="11402927" sldId="263"/>
-            <ac:picMk id="5" creationId="{5D828C5A-E211-5917-F0A3-478949F392AF}"/>
-          </ac:picMkLst>
-        </pc:picChg>
-        <pc:picChg chg="add mod">
-          <ac:chgData name="Riccardo Berta" userId="c8694f89-bba4-4576-b0a8-456619ca5a8c" providerId="ADAL" clId="{58424B7E-67A2-E24B-9516-C248AFA19009}" dt="2022-08-30T09:32:25.306" v="1202" actId="1076"/>
-          <ac:picMkLst>
-            <pc:docMk/>
-            <pc:sldMk cId="11402927" sldId="263"/>
-            <ac:picMk id="7" creationId="{0C7BE3E7-6868-19EE-3253-53A71F868074}"/>
-          </ac:picMkLst>
-        </pc:picChg>
-        <pc:picChg chg="add mod">
-          <ac:chgData name="Riccardo Berta" userId="c8694f89-bba4-4576-b0a8-456619ca5a8c" providerId="ADAL" clId="{58424B7E-67A2-E24B-9516-C248AFA19009}" dt="2022-08-30T09:32:20.372" v="1201" actId="1076"/>
-          <ac:picMkLst>
-            <pc:docMk/>
-            <pc:sldMk cId="11402927" sldId="263"/>
-            <ac:picMk id="9" creationId="{4FF45D8D-E910-4192-97BD-DEBE87AA0D7F}"/>
-          </ac:picMkLst>
-        </pc:picChg>
-        <pc:picChg chg="add mod">
-          <ac:chgData name="Riccardo Berta" userId="c8694f89-bba4-4576-b0a8-456619ca5a8c" providerId="ADAL" clId="{58424B7E-67A2-E24B-9516-C248AFA19009}" dt="2022-08-30T09:32:16.472" v="1200" actId="1076"/>
-          <ac:picMkLst>
-            <pc:docMk/>
-            <pc:sldMk cId="11402927" sldId="263"/>
-            <ac:picMk id="11" creationId="{85A08A20-9095-CFB9-3040-825FE39CFB8A}"/>
-          </ac:picMkLst>
-        </pc:picChg>
-      </pc:sldChg>
-      <pc:sldChg chg="del">
-        <pc:chgData name="Riccardo Berta" userId="c8694f89-bba4-4576-b0a8-456619ca5a8c" providerId="ADAL" clId="{58424B7E-67A2-E24B-9516-C248AFA19009}" dt="2022-08-30T08:44:10.781" v="14" actId="2696"/>
-        <pc:sldMkLst>
-          <pc:docMk/>
-          <pc:sldMk cId="2190566097" sldId="263"/>
-        </pc:sldMkLst>
-      </pc:sldChg>
-      <pc:sldChg chg="modSp add mod ord">
-        <pc:chgData name="Riccardo Berta" userId="c8694f89-bba4-4576-b0a8-456619ca5a8c" providerId="ADAL" clId="{58424B7E-67A2-E24B-9516-C248AFA19009}" dt="2022-08-30T09:40:38.066" v="1433" actId="20578"/>
-        <pc:sldMkLst>
-          <pc:docMk/>
-          <pc:sldMk cId="2794482370" sldId="264"/>
-        </pc:sldMkLst>
-        <pc:spChg chg="mod">
-          <ac:chgData name="Riccardo Berta" userId="c8694f89-bba4-4576-b0a8-456619ca5a8c" providerId="ADAL" clId="{58424B7E-67A2-E24B-9516-C248AFA19009}" dt="2022-08-30T09:35:37.505" v="1317" actId="20577"/>
-          <ac:spMkLst>
-            <pc:docMk/>
-            <pc:sldMk cId="2794482370" sldId="264"/>
-            <ac:spMk id="83" creationId="{00000000-0000-0000-0000-000000000000}"/>
-          </ac:spMkLst>
-        </pc:spChg>
-        <pc:spChg chg="mod">
-          <ac:chgData name="Riccardo Berta" userId="c8694f89-bba4-4576-b0a8-456619ca5a8c" providerId="ADAL" clId="{58424B7E-67A2-E24B-9516-C248AFA19009}" dt="2022-08-30T09:37:23.887" v="1369" actId="20577"/>
-          <ac:spMkLst>
-            <pc:docMk/>
-            <pc:sldMk cId="2794482370" sldId="264"/>
-            <ac:spMk id="84" creationId="{00000000-0000-0000-0000-000000000000}"/>
-          </ac:spMkLst>
-        </pc:spChg>
-      </pc:sldChg>
-      <pc:sldChg chg="del">
-        <pc:chgData name="Riccardo Berta" userId="c8694f89-bba4-4576-b0a8-456619ca5a8c" providerId="ADAL" clId="{58424B7E-67A2-E24B-9516-C248AFA19009}" dt="2022-08-30T08:44:11.185" v="15" actId="2696"/>
-        <pc:sldMkLst>
-          <pc:docMk/>
-          <pc:sldMk cId="3888810046" sldId="264"/>
-        </pc:sldMkLst>
-      </pc:sldChg>
-      <pc:sldChg chg="add del">
-        <pc:chgData name="Riccardo Berta" userId="c8694f89-bba4-4576-b0a8-456619ca5a8c" providerId="ADAL" clId="{58424B7E-67A2-E24B-9516-C248AFA19009}" dt="2022-08-30T09:40:43.113" v="1435" actId="2696"/>
-        <pc:sldMkLst>
-          <pc:docMk/>
-          <pc:sldMk cId="1840044115" sldId="265"/>
-        </pc:sldMkLst>
-      </pc:sldChg>
-      <pc:sldChg chg="del">
-        <pc:chgData name="Riccardo Berta" userId="c8694f89-bba4-4576-b0a8-456619ca5a8c" providerId="ADAL" clId="{58424B7E-67A2-E24B-9516-C248AFA19009}" dt="2022-08-30T08:44:10.392" v="13" actId="2696"/>
-        <pc:sldMkLst>
-          <pc:docMk/>
-          <pc:sldMk cId="2733657070" sldId="265"/>
-        </pc:sldMkLst>
-      </pc:sldChg>
-      <pc:sldChg chg="del">
-        <pc:chgData name="Riccardo Berta" userId="c8694f89-bba4-4576-b0a8-456619ca5a8c" providerId="ADAL" clId="{58424B7E-67A2-E24B-9516-C248AFA19009}" dt="2022-08-30T08:44:11.546" v="16" actId="2696"/>
-        <pc:sldMkLst>
-          <pc:docMk/>
-          <pc:sldMk cId="2836957529" sldId="266"/>
-        </pc:sldMkLst>
-      </pc:sldChg>
-      <pc:sldChg chg="add del">
-        <pc:chgData name="Riccardo Berta" userId="c8694f89-bba4-4576-b0a8-456619ca5a8c" providerId="ADAL" clId="{58424B7E-67A2-E24B-9516-C248AFA19009}" dt="2022-08-30T09:40:44.686" v="1436" actId="2696"/>
-        <pc:sldMkLst>
-          <pc:docMk/>
-          <pc:sldMk cId="3173063083" sldId="266"/>
-        </pc:sldMkLst>
-      </pc:sldChg>
-      <pc:sldChg chg="del">
-        <pc:chgData name="Riccardo Berta" userId="c8694f89-bba4-4576-b0a8-456619ca5a8c" providerId="ADAL" clId="{58424B7E-67A2-E24B-9516-C248AFA19009}" dt="2022-08-30T08:44:11.879" v="17" actId="2696"/>
-        <pc:sldMkLst>
-          <pc:docMk/>
-          <pc:sldMk cId="3519359877" sldId="267"/>
-        </pc:sldMkLst>
-      </pc:sldChg>
-      <pc:sldChg chg="add del">
-        <pc:chgData name="Riccardo Berta" userId="c8694f89-bba4-4576-b0a8-456619ca5a8c" providerId="ADAL" clId="{58424B7E-67A2-E24B-9516-C248AFA19009}" dt="2022-08-30T09:40:45.351" v="1437" actId="2696"/>
-        <pc:sldMkLst>
-          <pc:docMk/>
-          <pc:sldMk cId="4284808824" sldId="267"/>
-        </pc:sldMkLst>
-      </pc:sldChg>
-      <pc:sldChg chg="add del">
-        <pc:chgData name="Riccardo Berta" userId="c8694f89-bba4-4576-b0a8-456619ca5a8c" providerId="ADAL" clId="{58424B7E-67A2-E24B-9516-C248AFA19009}" dt="2022-08-30T09:40:46.386" v="1438" actId="2696"/>
-        <pc:sldMkLst>
-          <pc:docMk/>
-          <pc:sldMk cId="2262434218" sldId="268"/>
-        </pc:sldMkLst>
-      </pc:sldChg>
-      <pc:sldChg chg="del">
-        <pc:chgData name="Riccardo Berta" userId="c8694f89-bba4-4576-b0a8-456619ca5a8c" providerId="ADAL" clId="{58424B7E-67A2-E24B-9516-C248AFA19009}" dt="2022-08-30T08:44:12.296" v="18" actId="2696"/>
-        <pc:sldMkLst>
-          <pc:docMk/>
-          <pc:sldMk cId="3883776362" sldId="268"/>
-        </pc:sldMkLst>
-      </pc:sldChg>
-      <pc:sldChg chg="del">
-        <pc:chgData name="Riccardo Berta" userId="c8694f89-bba4-4576-b0a8-456619ca5a8c" providerId="ADAL" clId="{58424B7E-67A2-E24B-9516-C248AFA19009}" dt="2022-08-30T08:44:12.734" v="19" actId="2696"/>
-        <pc:sldMkLst>
-          <pc:docMk/>
-          <pc:sldMk cId="482081013" sldId="269"/>
-        </pc:sldMkLst>
-      </pc:sldChg>
-      <pc:sldChg chg="del">
-        <pc:chgData name="Riccardo Berta" userId="c8694f89-bba4-4576-b0a8-456619ca5a8c" providerId="ADAL" clId="{58424B7E-67A2-E24B-9516-C248AFA19009}" dt="2022-08-30T08:44:13.162" v="20" actId="2696"/>
-        <pc:sldMkLst>
-          <pc:docMk/>
-          <pc:sldMk cId="761532774" sldId="270"/>
-        </pc:sldMkLst>
-      </pc:sldChg>
-      <pc:sldChg chg="del">
-        <pc:chgData name="Riccardo Berta" userId="c8694f89-bba4-4576-b0a8-456619ca5a8c" providerId="ADAL" clId="{58424B7E-67A2-E24B-9516-C248AFA19009}" dt="2022-08-30T08:44:13.596" v="21" actId="2696"/>
-        <pc:sldMkLst>
-          <pc:docMk/>
-          <pc:sldMk cId="3967202540" sldId="271"/>
-        </pc:sldMkLst>
-      </pc:sldChg>
-      <pc:sldChg chg="del">
-        <pc:chgData name="Riccardo Berta" userId="c8694f89-bba4-4576-b0a8-456619ca5a8c" providerId="ADAL" clId="{58424B7E-67A2-E24B-9516-C248AFA19009}" dt="2022-08-30T08:44:14.037" v="22" actId="2696"/>
-        <pc:sldMkLst>
-          <pc:docMk/>
-          <pc:sldMk cId="2355894371" sldId="272"/>
-        </pc:sldMkLst>
-      </pc:sldChg>
-      <pc:sldChg chg="del">
-        <pc:chgData name="Riccardo Berta" userId="c8694f89-bba4-4576-b0a8-456619ca5a8c" providerId="ADAL" clId="{58424B7E-67A2-E24B-9516-C248AFA19009}" dt="2022-08-30T08:44:14.570" v="23" actId="2696"/>
-        <pc:sldMkLst>
-          <pc:docMk/>
-          <pc:sldMk cId="3843819371" sldId="273"/>
-        </pc:sldMkLst>
-      </pc:sldChg>
-      <pc:sldChg chg="del">
-        <pc:chgData name="Riccardo Berta" userId="c8694f89-bba4-4576-b0a8-456619ca5a8c" providerId="ADAL" clId="{58424B7E-67A2-E24B-9516-C248AFA19009}" dt="2022-08-30T08:44:15.613" v="24" actId="2696"/>
-        <pc:sldMkLst>
-          <pc:docMk/>
-          <pc:sldMk cId="806177680" sldId="274"/>
-        </pc:sldMkLst>
-      </pc:sldChg>
-      <pc:sldChg chg="del">
-        <pc:chgData name="Riccardo Berta" userId="c8694f89-bba4-4576-b0a8-456619ca5a8c" providerId="ADAL" clId="{58424B7E-67A2-E24B-9516-C248AFA19009}" dt="2022-08-30T08:44:16.250" v="25" actId="2696"/>
-        <pc:sldMkLst>
-          <pc:docMk/>
-          <pc:sldMk cId="284781631" sldId="275"/>
-        </pc:sldMkLst>
-      </pc:sldChg>
-      <pc:sldChg chg="del">
-        <pc:chgData name="Riccardo Berta" userId="c8694f89-bba4-4576-b0a8-456619ca5a8c" providerId="ADAL" clId="{58424B7E-67A2-E24B-9516-C248AFA19009}" dt="2022-08-30T08:44:17.013" v="26" actId="2696"/>
-        <pc:sldMkLst>
-          <pc:docMk/>
-          <pc:sldMk cId="4125292156" sldId="276"/>
-        </pc:sldMkLst>
-      </pc:sldChg>
-      <pc:sldChg chg="del">
-        <pc:chgData name="Riccardo Berta" userId="c8694f89-bba4-4576-b0a8-456619ca5a8c" providerId="ADAL" clId="{58424B7E-67A2-E24B-9516-C248AFA19009}" dt="2022-08-30T08:44:17.602" v="27" actId="2696"/>
-        <pc:sldMkLst>
-          <pc:docMk/>
-          <pc:sldMk cId="1388305878" sldId="277"/>
-        </pc:sldMkLst>
-      </pc:sldChg>
-      <pc:sldChg chg="del">
-        <pc:chgData name="Riccardo Berta" userId="c8694f89-bba4-4576-b0a8-456619ca5a8c" providerId="ADAL" clId="{58424B7E-67A2-E24B-9516-C248AFA19009}" dt="2022-08-30T08:44:18.091" v="28" actId="2696"/>
-        <pc:sldMkLst>
-          <pc:docMk/>
-          <pc:sldMk cId="2276488042" sldId="278"/>
-        </pc:sldMkLst>
-      </pc:sldChg>
-      <pc:sldMasterChg chg="modSldLayout">
-        <pc:chgData name="Riccardo Berta" userId="c8694f89-bba4-4576-b0a8-456619ca5a8c" providerId="ADAL" clId="{58424B7E-67A2-E24B-9516-C248AFA19009}" dt="2022-08-30T08:51:17.059" v="152" actId="948"/>
-        <pc:sldMasterMkLst>
-          <pc:docMk/>
-          <pc:sldMasterMk cId="0" sldId="2147483659"/>
-        </pc:sldMasterMkLst>
-        <pc:sldLayoutChg chg="modSp mod">
-          <pc:chgData name="Riccardo Berta" userId="c8694f89-bba4-4576-b0a8-456619ca5a8c" providerId="ADAL" clId="{58424B7E-67A2-E24B-9516-C248AFA19009}" dt="2022-08-30T08:51:17.059" v="152" actId="948"/>
-          <pc:sldLayoutMkLst>
-            <pc:docMk/>
-            <pc:sldMasterMk cId="0" sldId="2147483659"/>
-            <pc:sldLayoutMk cId="0" sldId="2147483650"/>
-          </pc:sldLayoutMkLst>
-          <pc:spChg chg="mod">
-            <ac:chgData name="Riccardo Berta" userId="c8694f89-bba4-4576-b0a8-456619ca5a8c" providerId="ADAL" clId="{58424B7E-67A2-E24B-9516-C248AFA19009}" dt="2022-08-30T08:51:17.059" v="152" actId="948"/>
-            <ac:spMkLst>
-              <pc:docMk/>
-              <pc:sldMasterMk cId="0" sldId="2147483659"/>
-              <pc:sldLayoutMk cId="0" sldId="2147483650"/>
-              <ac:spMk id="23" creationId="{00000000-0000-0000-0000-000000000000}"/>
-            </ac:spMkLst>
-          </pc:spChg>
-        </pc:sldLayoutChg>
-      </pc:sldMasterChg>
-    </pc:docChg>
-  </pc:docChgLst>
-  <pc:docChgLst>
-    <pc:chgData name="Riccardo Berta" userId="c8694f89-bba4-4576-b0a8-456619ca5a8c" providerId="ADAL" clId="{E87A421E-0AC4-4445-8C29-2DDF02E81DC7}"/>
-    <pc:docChg chg="undo custSel addSld modSld sldOrd">
-      <pc:chgData name="Riccardo Berta" userId="c8694f89-bba4-4576-b0a8-456619ca5a8c" providerId="ADAL" clId="{E87A421E-0AC4-4445-8C29-2DDF02E81DC7}" dt="2022-11-17T17:58:03.661" v="1157" actId="1038"/>
-      <pc:docMkLst>
-        <pc:docMk/>
-      </pc:docMkLst>
-      <pc:sldChg chg="modSp mod">
-        <pc:chgData name="Riccardo Berta" userId="c8694f89-bba4-4576-b0a8-456619ca5a8c" providerId="ADAL" clId="{E87A421E-0AC4-4445-8C29-2DDF02E81DC7}" dt="2022-11-17T15:51:51.289" v="1002"/>
-        <pc:sldMkLst>
-          <pc:docMk/>
-          <pc:sldMk cId="3018556184" sldId="259"/>
-        </pc:sldMkLst>
-        <pc:spChg chg="mod">
-          <ac:chgData name="Riccardo Berta" userId="c8694f89-bba4-4576-b0a8-456619ca5a8c" providerId="ADAL" clId="{E87A421E-0AC4-4445-8C29-2DDF02E81DC7}" dt="2022-11-17T15:51:51.289" v="1002"/>
-          <ac:spMkLst>
-            <pc:docMk/>
-            <pc:sldMk cId="3018556184" sldId="259"/>
-            <ac:spMk id="3" creationId="{38BFAA1C-1163-169B-2D77-6FEF73CC8512}"/>
-          </ac:spMkLst>
-        </pc:spChg>
-      </pc:sldChg>
-      <pc:sldChg chg="addSp modSp mod">
-        <pc:chgData name="Riccardo Berta" userId="c8694f89-bba4-4576-b0a8-456619ca5a8c" providerId="ADAL" clId="{E87A421E-0AC4-4445-8C29-2DDF02E81DC7}" dt="2022-11-04T16:47:17.176" v="390" actId="20577"/>
-        <pc:sldMkLst>
-          <pc:docMk/>
-          <pc:sldMk cId="3239712184" sldId="260"/>
-        </pc:sldMkLst>
-        <pc:spChg chg="mod">
-          <ac:chgData name="Riccardo Berta" userId="c8694f89-bba4-4576-b0a8-456619ca5a8c" providerId="ADAL" clId="{E87A421E-0AC4-4445-8C29-2DDF02E81DC7}" dt="2022-11-04T16:26:24.415" v="0"/>
-          <ac:spMkLst>
-            <pc:docMk/>
-            <pc:sldMk cId="3239712184" sldId="260"/>
-            <ac:spMk id="83" creationId="{00000000-0000-0000-0000-000000000000}"/>
-          </ac:spMkLst>
-        </pc:spChg>
-        <pc:spChg chg="mod">
-          <ac:chgData name="Riccardo Berta" userId="c8694f89-bba4-4576-b0a8-456619ca5a8c" providerId="ADAL" clId="{E87A421E-0AC4-4445-8C29-2DDF02E81DC7}" dt="2022-11-04T16:47:17.176" v="390" actId="20577"/>
-          <ac:spMkLst>
-            <pc:docMk/>
-            <pc:sldMk cId="3239712184" sldId="260"/>
-            <ac:spMk id="84" creationId="{00000000-0000-0000-0000-000000000000}"/>
-          </ac:spMkLst>
-        </pc:spChg>
-        <pc:picChg chg="add mod">
-          <ac:chgData name="Riccardo Berta" userId="c8694f89-bba4-4576-b0a8-456619ca5a8c" providerId="ADAL" clId="{E87A421E-0AC4-4445-8C29-2DDF02E81DC7}" dt="2022-11-04T16:42:03.118" v="252" actId="1076"/>
-          <ac:picMkLst>
-            <pc:docMk/>
-            <pc:sldMk cId="3239712184" sldId="260"/>
-            <ac:picMk id="3" creationId="{D211F3A5-D09C-C7A9-B4F1-008E6B12EEE1}"/>
-          </ac:picMkLst>
-        </pc:picChg>
-        <pc:picChg chg="add mod">
-          <ac:chgData name="Riccardo Berta" userId="c8694f89-bba4-4576-b0a8-456619ca5a8c" providerId="ADAL" clId="{E87A421E-0AC4-4445-8C29-2DDF02E81DC7}" dt="2022-11-04T16:42:14.077" v="256" actId="1076"/>
-          <ac:picMkLst>
-            <pc:docMk/>
-            <pc:sldMk cId="3239712184" sldId="260"/>
-            <ac:picMk id="5" creationId="{79CFA748-398B-90AB-43EF-9805581A2011}"/>
-          </ac:picMkLst>
-        </pc:picChg>
-      </pc:sldChg>
-      <pc:sldChg chg="modSp mod">
-        <pc:chgData name="Riccardo Berta" userId="c8694f89-bba4-4576-b0a8-456619ca5a8c" providerId="ADAL" clId="{E87A421E-0AC4-4445-8C29-2DDF02E81DC7}" dt="2022-11-04T16:50:08.801" v="435" actId="20577"/>
-        <pc:sldMkLst>
-          <pc:docMk/>
-          <pc:sldMk cId="723946338" sldId="261"/>
-        </pc:sldMkLst>
-        <pc:spChg chg="mod">
-          <ac:chgData name="Riccardo Berta" userId="c8694f89-bba4-4576-b0a8-456619ca5a8c" providerId="ADAL" clId="{E87A421E-0AC4-4445-8C29-2DDF02E81DC7}" dt="2022-11-04T16:47:25.802" v="396" actId="20577"/>
-          <ac:spMkLst>
-            <pc:docMk/>
-            <pc:sldMk cId="723946338" sldId="261"/>
-            <ac:spMk id="83" creationId="{00000000-0000-0000-0000-000000000000}"/>
-          </ac:spMkLst>
-        </pc:spChg>
-        <pc:spChg chg="mod">
-          <ac:chgData name="Riccardo Berta" userId="c8694f89-bba4-4576-b0a8-456619ca5a8c" providerId="ADAL" clId="{E87A421E-0AC4-4445-8C29-2DDF02E81DC7}" dt="2022-11-04T16:50:08.801" v="435" actId="20577"/>
-          <ac:spMkLst>
-            <pc:docMk/>
-            <pc:sldMk cId="723946338" sldId="261"/>
-            <ac:spMk id="84" creationId="{00000000-0000-0000-0000-000000000000}"/>
-          </ac:spMkLst>
-        </pc:spChg>
-      </pc:sldChg>
-      <pc:sldChg chg="addSp modSp mod">
-        <pc:chgData name="Riccardo Berta" userId="c8694f89-bba4-4576-b0a8-456619ca5a8c" providerId="ADAL" clId="{E87A421E-0AC4-4445-8C29-2DDF02E81DC7}" dt="2022-11-04T17:20:08.966" v="705" actId="20577"/>
-        <pc:sldMkLst>
-          <pc:docMk/>
-          <pc:sldMk cId="1167696200" sldId="262"/>
-        </pc:sldMkLst>
-        <pc:spChg chg="mod">
-          <ac:chgData name="Riccardo Berta" userId="c8694f89-bba4-4576-b0a8-456619ca5a8c" providerId="ADAL" clId="{E87A421E-0AC4-4445-8C29-2DDF02E81DC7}" dt="2022-11-04T17:17:57.210" v="646" actId="20577"/>
-          <ac:spMkLst>
-            <pc:docMk/>
-            <pc:sldMk cId="1167696200" sldId="262"/>
-            <ac:spMk id="83" creationId="{00000000-0000-0000-0000-000000000000}"/>
-          </ac:spMkLst>
-        </pc:spChg>
-        <pc:spChg chg="mod">
-          <ac:chgData name="Riccardo Berta" userId="c8694f89-bba4-4576-b0a8-456619ca5a8c" providerId="ADAL" clId="{E87A421E-0AC4-4445-8C29-2DDF02E81DC7}" dt="2022-11-04T17:20:08.966" v="705" actId="20577"/>
-          <ac:spMkLst>
-            <pc:docMk/>
-            <pc:sldMk cId="1167696200" sldId="262"/>
-            <ac:spMk id="84" creationId="{00000000-0000-0000-0000-000000000000}"/>
-          </ac:spMkLst>
-        </pc:spChg>
-        <pc:picChg chg="add mod">
-          <ac:chgData name="Riccardo Berta" userId="c8694f89-bba4-4576-b0a8-456619ca5a8c" providerId="ADAL" clId="{E87A421E-0AC4-4445-8C29-2DDF02E81DC7}" dt="2022-11-04T17:19:45.501" v="689" actId="1076"/>
-          <ac:picMkLst>
-            <pc:docMk/>
-            <pc:sldMk cId="1167696200" sldId="262"/>
-            <ac:picMk id="3" creationId="{E85CD448-8826-6530-5CF0-7C050A2DFF41}"/>
-          </ac:picMkLst>
-        </pc:picChg>
-      </pc:sldChg>
-      <pc:sldChg chg="modSp add mod">
-        <pc:chgData name="Riccardo Berta" userId="c8694f89-bba4-4576-b0a8-456619ca5a8c" providerId="ADAL" clId="{E87A421E-0AC4-4445-8C29-2DDF02E81DC7}" dt="2022-11-04T17:26:41.316" v="713"/>
-        <pc:sldMkLst>
-          <pc:docMk/>
-          <pc:sldMk cId="242497059" sldId="264"/>
-        </pc:sldMkLst>
-        <pc:spChg chg="mod">
-          <ac:chgData name="Riccardo Berta" userId="c8694f89-bba4-4576-b0a8-456619ca5a8c" providerId="ADAL" clId="{E87A421E-0AC4-4445-8C29-2DDF02E81DC7}" dt="2022-11-04T17:26:25.012" v="709" actId="20577"/>
-          <ac:spMkLst>
-            <pc:docMk/>
-            <pc:sldMk cId="242497059" sldId="264"/>
-            <ac:spMk id="83" creationId="{00000000-0000-0000-0000-000000000000}"/>
-          </ac:spMkLst>
-        </pc:spChg>
-        <pc:spChg chg="mod">
-          <ac:chgData name="Riccardo Berta" userId="c8694f89-bba4-4576-b0a8-456619ca5a8c" providerId="ADAL" clId="{E87A421E-0AC4-4445-8C29-2DDF02E81DC7}" dt="2022-11-04T17:26:41.316" v="713"/>
-          <ac:spMkLst>
-            <pc:docMk/>
-            <pc:sldMk cId="242497059" sldId="264"/>
-            <ac:spMk id="84" creationId="{00000000-0000-0000-0000-000000000000}"/>
-          </ac:spMkLst>
-        </pc:spChg>
-      </pc:sldChg>
-      <pc:sldChg chg="add">
-        <pc:chgData name="Riccardo Berta" userId="c8694f89-bba4-4576-b0a8-456619ca5a8c" providerId="ADAL" clId="{E87A421E-0AC4-4445-8C29-2DDF02E81DC7}" dt="2022-11-04T17:09:53.297" v="437"/>
-        <pc:sldMkLst>
-          <pc:docMk/>
-          <pc:sldMk cId="3338835471" sldId="265"/>
-        </pc:sldMkLst>
-      </pc:sldChg>
-      <pc:sldChg chg="add">
-        <pc:chgData name="Riccardo Berta" userId="c8694f89-bba4-4576-b0a8-456619ca5a8c" providerId="ADAL" clId="{E87A421E-0AC4-4445-8C29-2DDF02E81DC7}" dt="2022-11-04T17:09:53.578" v="438"/>
-        <pc:sldMkLst>
-          <pc:docMk/>
-          <pc:sldMk cId="3485793408" sldId="266"/>
-        </pc:sldMkLst>
-      </pc:sldChg>
-      <pc:sldChg chg="add">
-        <pc:chgData name="Riccardo Berta" userId="c8694f89-bba4-4576-b0a8-456619ca5a8c" providerId="ADAL" clId="{E87A421E-0AC4-4445-8C29-2DDF02E81DC7}" dt="2022-11-04T17:09:53.868" v="439"/>
-        <pc:sldMkLst>
-          <pc:docMk/>
-          <pc:sldMk cId="1744649895" sldId="267"/>
-        </pc:sldMkLst>
-      </pc:sldChg>
-      <pc:sldChg chg="add">
-        <pc:chgData name="Riccardo Berta" userId="c8694f89-bba4-4576-b0a8-456619ca5a8c" providerId="ADAL" clId="{E87A421E-0AC4-4445-8C29-2DDF02E81DC7}" dt="2022-11-04T17:09:54.152" v="440"/>
-        <pc:sldMkLst>
-          <pc:docMk/>
-          <pc:sldMk cId="3864869582" sldId="268"/>
-        </pc:sldMkLst>
-      </pc:sldChg>
-      <pc:sldChg chg="add">
-        <pc:chgData name="Riccardo Berta" userId="c8694f89-bba4-4576-b0a8-456619ca5a8c" providerId="ADAL" clId="{E87A421E-0AC4-4445-8C29-2DDF02E81DC7}" dt="2022-11-04T17:09:54.442" v="441"/>
-        <pc:sldMkLst>
-          <pc:docMk/>
-          <pc:sldMk cId="1013305728" sldId="269"/>
-        </pc:sldMkLst>
-      </pc:sldChg>
-      <pc:sldChg chg="add">
-        <pc:chgData name="Riccardo Berta" userId="c8694f89-bba4-4576-b0a8-456619ca5a8c" providerId="ADAL" clId="{E87A421E-0AC4-4445-8C29-2DDF02E81DC7}" dt="2022-11-04T17:09:54.746" v="442"/>
-        <pc:sldMkLst>
-          <pc:docMk/>
-          <pc:sldMk cId="1675725185" sldId="270"/>
-        </pc:sldMkLst>
-      </pc:sldChg>
-      <pc:sldChg chg="addSp modSp add mod ord">
-        <pc:chgData name="Riccardo Berta" userId="c8694f89-bba4-4576-b0a8-456619ca5a8c" providerId="ADAL" clId="{E87A421E-0AC4-4445-8C29-2DDF02E81DC7}" dt="2022-11-04T17:18:36.219" v="656" actId="20577"/>
-        <pc:sldMkLst>
-          <pc:docMk/>
-          <pc:sldMk cId="2145928830" sldId="271"/>
-        </pc:sldMkLst>
-        <pc:spChg chg="mod">
-          <ac:chgData name="Riccardo Berta" userId="c8694f89-bba4-4576-b0a8-456619ca5a8c" providerId="ADAL" clId="{E87A421E-0AC4-4445-8C29-2DDF02E81DC7}" dt="2022-11-04T17:17:36.498" v="642" actId="20577"/>
-          <ac:spMkLst>
-            <pc:docMk/>
-            <pc:sldMk cId="2145928830" sldId="271"/>
-            <ac:spMk id="83" creationId="{00000000-0000-0000-0000-000000000000}"/>
-          </ac:spMkLst>
-        </pc:spChg>
-        <pc:spChg chg="mod">
-          <ac:chgData name="Riccardo Berta" userId="c8694f89-bba4-4576-b0a8-456619ca5a8c" providerId="ADAL" clId="{E87A421E-0AC4-4445-8C29-2DDF02E81DC7}" dt="2022-11-04T17:18:36.219" v="656" actId="20577"/>
-          <ac:spMkLst>
-            <pc:docMk/>
-            <pc:sldMk cId="2145928830" sldId="271"/>
-            <ac:spMk id="84" creationId="{00000000-0000-0000-0000-000000000000}"/>
-          </ac:spMkLst>
-        </pc:spChg>
-        <pc:picChg chg="add mod">
-          <ac:chgData name="Riccardo Berta" userId="c8694f89-bba4-4576-b0a8-456619ca5a8c" providerId="ADAL" clId="{E87A421E-0AC4-4445-8C29-2DDF02E81DC7}" dt="2022-11-04T17:17:27.559" v="638" actId="1076"/>
-          <ac:picMkLst>
-            <pc:docMk/>
-            <pc:sldMk cId="2145928830" sldId="271"/>
-            <ac:picMk id="3" creationId="{8E16D4CA-B8AE-89D5-9954-CD93BBCD3F2E}"/>
-          </ac:picMkLst>
-        </pc:picChg>
-        <pc:picChg chg="add mod">
-          <ac:chgData name="Riccardo Berta" userId="c8694f89-bba4-4576-b0a8-456619ca5a8c" providerId="ADAL" clId="{E87A421E-0AC4-4445-8C29-2DDF02E81DC7}" dt="2022-11-04T17:17:21.948" v="635" actId="1076"/>
-          <ac:picMkLst>
-            <pc:docMk/>
-            <pc:sldMk cId="2145928830" sldId="271"/>
-            <ac:picMk id="5" creationId="{A55CCC8C-D9EA-5E44-EDE9-DBAB9B2C1D19}"/>
-          </ac:picMkLst>
-        </pc:picChg>
-      </pc:sldChg>
-      <pc:sldChg chg="addSp modSp mod">
-        <pc:chgData name="Riccardo Berta" userId="c8694f89-bba4-4576-b0a8-456619ca5a8c" providerId="ADAL" clId="{E87A421E-0AC4-4445-8C29-2DDF02E81DC7}" dt="2022-11-17T15:51:33.723" v="1000" actId="1076"/>
+      <pc:sldChg chg="ord">
+        <pc:chgData name="Riccardo Berta" userId="c8694f89-bba4-4576-b0a8-456619ca5a8c" providerId="ADAL" clId="{FDDBFC5A-5EA9-5330-BEB8-433D7E3B4C4E}" dt="2025-11-26T15:32:40.857" v="14" actId="20578"/>
         <pc:sldMkLst>
           <pc:docMk/>
           <pc:sldMk cId="3848209052" sldId="275"/>
         </pc:sldMkLst>
-        <pc:spChg chg="mod">
-          <ac:chgData name="Riccardo Berta" userId="c8694f89-bba4-4576-b0a8-456619ca5a8c" providerId="ADAL" clId="{E87A421E-0AC4-4445-8C29-2DDF02E81DC7}" dt="2022-11-17T15:51:30.146" v="999" actId="20577"/>
-          <ac:spMkLst>
-            <pc:docMk/>
-            <pc:sldMk cId="3848209052" sldId="275"/>
-            <ac:spMk id="84" creationId="{00000000-0000-0000-0000-000000000000}"/>
-          </ac:spMkLst>
-        </pc:spChg>
-        <pc:picChg chg="add mod modCrop">
-          <ac:chgData name="Riccardo Berta" userId="c8694f89-bba4-4576-b0a8-456619ca5a8c" providerId="ADAL" clId="{E87A421E-0AC4-4445-8C29-2DDF02E81DC7}" dt="2022-11-17T15:51:33.723" v="1000" actId="1076"/>
-          <ac:picMkLst>
-            <pc:docMk/>
-            <pc:sldMk cId="3848209052" sldId="275"/>
-            <ac:picMk id="3" creationId="{3A5C5A95-EEA4-B47B-BDF1-E175B8A1AEB6}"/>
-          </ac:picMkLst>
-        </pc:picChg>
       </pc:sldChg>
-      <pc:sldChg chg="addSp modSp mod">
-        <pc:chgData name="Riccardo Berta" userId="c8694f89-bba4-4576-b0a8-456619ca5a8c" providerId="ADAL" clId="{E87A421E-0AC4-4445-8C29-2DDF02E81DC7}" dt="2022-11-17T17:58:03.661" v="1157" actId="1038"/>
-        <pc:sldMkLst>
-          <pc:docMk/>
-          <pc:sldMk cId="3374863184" sldId="277"/>
-        </pc:sldMkLst>
-        <pc:spChg chg="mod">
-          <ac:chgData name="Riccardo Berta" userId="c8694f89-bba4-4576-b0a8-456619ca5a8c" providerId="ADAL" clId="{E87A421E-0AC4-4445-8C29-2DDF02E81DC7}" dt="2022-11-17T17:57:23.936" v="1119" actId="20577"/>
-          <ac:spMkLst>
-            <pc:docMk/>
-            <pc:sldMk cId="3374863184" sldId="277"/>
-            <ac:spMk id="83" creationId="{00000000-0000-0000-0000-000000000000}"/>
-          </ac:spMkLst>
-        </pc:spChg>
-        <pc:spChg chg="mod">
-          <ac:chgData name="Riccardo Berta" userId="c8694f89-bba4-4576-b0a8-456619ca5a8c" providerId="ADAL" clId="{E87A421E-0AC4-4445-8C29-2DDF02E81DC7}" dt="2022-11-17T17:57:54.515" v="1132" actId="20577"/>
-          <ac:spMkLst>
-            <pc:docMk/>
-            <pc:sldMk cId="3374863184" sldId="277"/>
-            <ac:spMk id="84" creationId="{00000000-0000-0000-0000-000000000000}"/>
-          </ac:spMkLst>
-        </pc:spChg>
-        <pc:picChg chg="add mod modCrop">
-          <ac:chgData name="Riccardo Berta" userId="c8694f89-bba4-4576-b0a8-456619ca5a8c" providerId="ADAL" clId="{E87A421E-0AC4-4445-8C29-2DDF02E81DC7}" dt="2022-11-17T17:57:59.667" v="1146" actId="1038"/>
-          <ac:picMkLst>
-            <pc:docMk/>
-            <pc:sldMk cId="3374863184" sldId="277"/>
-            <ac:picMk id="3" creationId="{88E2D47E-C294-8CBA-4915-16C21E6F4EC2}"/>
-          </ac:picMkLst>
-        </pc:picChg>
-        <pc:picChg chg="add mod">
-          <ac:chgData name="Riccardo Berta" userId="c8694f89-bba4-4576-b0a8-456619ca5a8c" providerId="ADAL" clId="{E87A421E-0AC4-4445-8C29-2DDF02E81DC7}" dt="2022-11-17T17:58:03.661" v="1157" actId="1038"/>
-          <ac:picMkLst>
-            <pc:docMk/>
-            <pc:sldMk cId="3374863184" sldId="277"/>
-            <ac:picMk id="5" creationId="{9F5A6219-AD0A-F5A7-BFE8-F143C8780D7B}"/>
-          </ac:picMkLst>
-        </pc:picChg>
-        <pc:picChg chg="add mod">
-          <ac:chgData name="Riccardo Berta" userId="c8694f89-bba4-4576-b0a8-456619ca5a8c" providerId="ADAL" clId="{E87A421E-0AC4-4445-8C29-2DDF02E81DC7}" dt="2022-11-17T17:57:51.694" v="1131" actId="1076"/>
-          <ac:picMkLst>
-            <pc:docMk/>
-            <pc:sldMk cId="3374863184" sldId="277"/>
-            <ac:picMk id="7" creationId="{1CC56025-75A9-DA72-FC5B-5920A392F5DE}"/>
-          </ac:picMkLst>
-        </pc:picChg>
-        <pc:picChg chg="add mod">
-          <ac:chgData name="Riccardo Berta" userId="c8694f89-bba4-4576-b0a8-456619ca5a8c" providerId="ADAL" clId="{E87A421E-0AC4-4445-8C29-2DDF02E81DC7}" dt="2022-11-17T17:57:49.361" v="1130" actId="1076"/>
-          <ac:picMkLst>
-            <pc:docMk/>
-            <pc:sldMk cId="3374863184" sldId="277"/>
-            <ac:picMk id="9" creationId="{FA7AA7A4-ACEC-ED70-F758-102DBF041C8E}"/>
-          </ac:picMkLst>
-        </pc:picChg>
-      </pc:sldChg>
-      <pc:sldChg chg="modSp mod">
-        <pc:chgData name="Riccardo Berta" userId="c8694f89-bba4-4576-b0a8-456619ca5a8c" providerId="ADAL" clId="{E87A421E-0AC4-4445-8C29-2DDF02E81DC7}" dt="2022-11-17T17:57:32.453" v="1122" actId="20577"/>
+      <pc:sldChg chg="delSp mod">
+        <pc:chgData name="Riccardo Berta" userId="c8694f89-bba4-4576-b0a8-456619ca5a8c" providerId="ADAL" clId="{FDDBFC5A-5EA9-5330-BEB8-433D7E3B4C4E}" dt="2025-11-26T15:45:15.054" v="50" actId="478"/>
         <pc:sldMkLst>
           <pc:docMk/>
           <pc:sldMk cId="3188076125" sldId="278"/>
         </pc:sldMkLst>
-        <pc:spChg chg="mod">
-          <ac:chgData name="Riccardo Berta" userId="c8694f89-bba4-4576-b0a8-456619ca5a8c" providerId="ADAL" clId="{E87A421E-0AC4-4445-8C29-2DDF02E81DC7}" dt="2022-11-17T17:57:32.453" v="1122" actId="20577"/>
-          <ac:spMkLst>
+        <pc:picChg chg="del">
+          <ac:chgData name="Riccardo Berta" userId="c8694f89-bba4-4576-b0a8-456619ca5a8c" providerId="ADAL" clId="{FDDBFC5A-5EA9-5330-BEB8-433D7E3B4C4E}" dt="2025-11-26T15:45:15.054" v="50" actId="478"/>
+          <ac:picMkLst>
             <pc:docMk/>
             <pc:sldMk cId="3188076125" sldId="278"/>
-            <ac:spMk id="83" creationId="{00000000-0000-0000-0000-000000000000}"/>
-          </ac:spMkLst>
-        </pc:spChg>
-      </pc:sldChg>
-    </pc:docChg>
-  </pc:docChgLst>
-  <pc:docChgLst>
-    <pc:chgData name="Riccardo Berta" userId="c8694f89-bba4-4576-b0a8-456619ca5a8c" providerId="ADAL" clId="{F4AAAA8C-1CB2-214C-996A-F15BCA6CB64E}"/>
-    <pc:docChg chg="undo custSel addSld delSld modSld">
-      <pc:chgData name="Riccardo Berta" userId="c8694f89-bba4-4576-b0a8-456619ca5a8c" providerId="ADAL" clId="{F4AAAA8C-1CB2-214C-996A-F15BCA6CB64E}" dt="2022-07-29T16:21:50.628" v="2975" actId="1076"/>
-      <pc:docMkLst>
-        <pc:docMk/>
-      </pc:docMkLst>
-      <pc:sldChg chg="modSp mod">
-        <pc:chgData name="Riccardo Berta" userId="c8694f89-bba4-4576-b0a8-456619ca5a8c" providerId="ADAL" clId="{F4AAAA8C-1CB2-214C-996A-F15BCA6CB64E}" dt="2022-07-27T13:37:29.445" v="2" actId="20577"/>
-        <pc:sldMkLst>
-          <pc:docMk/>
-          <pc:sldMk cId="0" sldId="256"/>
-        </pc:sldMkLst>
-        <pc:spChg chg="mod">
-          <ac:chgData name="Riccardo Berta" userId="c8694f89-bba4-4576-b0a8-456619ca5a8c" providerId="ADAL" clId="{F4AAAA8C-1CB2-214C-996A-F15BCA6CB64E}" dt="2022-07-27T13:37:29.445" v="2" actId="20577"/>
-          <ac:spMkLst>
-            <pc:docMk/>
-            <pc:sldMk cId="0" sldId="256"/>
-            <ac:spMk id="62" creationId="{00000000-0000-0000-0000-000000000000}"/>
-          </ac:spMkLst>
-        </pc:spChg>
-      </pc:sldChg>
-      <pc:sldChg chg="addSp modSp mod">
-        <pc:chgData name="Riccardo Berta" userId="c8694f89-bba4-4576-b0a8-456619ca5a8c" providerId="ADAL" clId="{F4AAAA8C-1CB2-214C-996A-F15BCA6CB64E}" dt="2022-07-27T13:43:23.760" v="162" actId="20577"/>
-        <pc:sldMkLst>
-          <pc:docMk/>
-          <pc:sldMk cId="0" sldId="257"/>
-        </pc:sldMkLst>
-        <pc:spChg chg="mod">
-          <ac:chgData name="Riccardo Berta" userId="c8694f89-bba4-4576-b0a8-456619ca5a8c" providerId="ADAL" clId="{F4AAAA8C-1CB2-214C-996A-F15BCA6CB64E}" dt="2022-07-27T13:38:19.538" v="24" actId="20577"/>
-          <ac:spMkLst>
-            <pc:docMk/>
-            <pc:sldMk cId="0" sldId="257"/>
-            <ac:spMk id="83" creationId="{00000000-0000-0000-0000-000000000000}"/>
-          </ac:spMkLst>
-        </pc:spChg>
-        <pc:spChg chg="mod">
-          <ac:chgData name="Riccardo Berta" userId="c8694f89-bba4-4576-b0a8-456619ca5a8c" providerId="ADAL" clId="{F4AAAA8C-1CB2-214C-996A-F15BCA6CB64E}" dt="2022-07-27T13:43:23.760" v="162" actId="20577"/>
-          <ac:spMkLst>
-            <pc:docMk/>
-            <pc:sldMk cId="0" sldId="257"/>
-            <ac:spMk id="84" creationId="{00000000-0000-0000-0000-000000000000}"/>
-          </ac:spMkLst>
-        </pc:spChg>
-        <pc:picChg chg="add mod">
-          <ac:chgData name="Riccardo Berta" userId="c8694f89-bba4-4576-b0a8-456619ca5a8c" providerId="ADAL" clId="{F4AAAA8C-1CB2-214C-996A-F15BCA6CB64E}" dt="2022-07-27T13:43:02.813" v="153" actId="1076"/>
-          <ac:picMkLst>
-            <pc:docMk/>
-            <pc:sldMk cId="0" sldId="257"/>
-            <ac:picMk id="3" creationId="{E337B85C-FAA8-CC41-92F2-13E0228E3B65}"/>
+            <ac:picMk id="10" creationId="{6615E824-DBB6-BBDB-E306-6F22CE39B903}"/>
           </ac:picMkLst>
         </pc:picChg>
       </pc:sldChg>
-      <pc:sldChg chg="modSp del">
-        <pc:chgData name="Riccardo Berta" userId="c8694f89-bba4-4576-b0a8-456619ca5a8c" providerId="ADAL" clId="{F4AAAA8C-1CB2-214C-996A-F15BCA6CB64E}" dt="2022-07-27T13:43:43.714" v="164" actId="2696"/>
+      <pc:sldChg chg="delSp modSp mod">
+        <pc:chgData name="Riccardo Berta" userId="c8694f89-bba4-4576-b0a8-456619ca5a8c" providerId="ADAL" clId="{FDDBFC5A-5EA9-5330-BEB8-433D7E3B4C4E}" dt="2025-11-26T16:55:24.651" v="115" actId="20577"/>
         <pc:sldMkLst>
           <pc:docMk/>
-          <pc:sldMk cId="1899110855" sldId="258"/>
+          <pc:sldMk cId="622749539" sldId="280"/>
         </pc:sldMkLst>
         <pc:spChg chg="mod">
-          <ac:chgData name="Riccardo Berta" userId="c8694f89-bba4-4576-b0a8-456619ca5a8c" providerId="ADAL" clId="{F4AAAA8C-1CB2-214C-996A-F15BCA6CB64E}" dt="2022-07-27T13:43:40.189" v="163"/>
+          <ac:chgData name="Riccardo Berta" userId="c8694f89-bba4-4576-b0a8-456619ca5a8c" providerId="ADAL" clId="{FDDBFC5A-5EA9-5330-BEB8-433D7E3B4C4E}" dt="2025-11-26T16:55:24.651" v="115" actId="20577"/>
           <ac:spMkLst>
             <pc:docMk/>
-            <pc:sldMk cId="1899110855" sldId="258"/>
-            <ac:spMk id="2" creationId="{9A367158-2E24-E90C-7ECC-502AB323ED05}"/>
-          </ac:spMkLst>
-        </pc:spChg>
-      </pc:sldChg>
-      <pc:sldChg chg="addSp delSp modSp mod">
-        <pc:chgData name="Riccardo Berta" userId="c8694f89-bba4-4576-b0a8-456619ca5a8c" providerId="ADAL" clId="{F4AAAA8C-1CB2-214C-996A-F15BCA6CB64E}" dt="2022-07-29T16:13:43.411" v="2890" actId="20577"/>
-        <pc:sldMkLst>
-          <pc:docMk/>
-          <pc:sldMk cId="3018556184" sldId="259"/>
-        </pc:sldMkLst>
-        <pc:spChg chg="mod">
-          <ac:chgData name="Riccardo Berta" userId="c8694f89-bba4-4576-b0a8-456619ca5a8c" providerId="ADAL" clId="{F4AAAA8C-1CB2-214C-996A-F15BCA6CB64E}" dt="2022-07-29T16:13:43.411" v="2890" actId="20577"/>
-          <ac:spMkLst>
-            <pc:docMk/>
-            <pc:sldMk cId="3018556184" sldId="259"/>
-            <ac:spMk id="3" creationId="{38BFAA1C-1163-169B-2D77-6FEF73CC8512}"/>
-          </ac:spMkLst>
-        </pc:spChg>
-        <pc:picChg chg="add del mod">
-          <ac:chgData name="Riccardo Berta" userId="c8694f89-bba4-4576-b0a8-456619ca5a8c" providerId="ADAL" clId="{F4AAAA8C-1CB2-214C-996A-F15BCA6CB64E}" dt="2022-07-29T07:13:37.040" v="2021" actId="21"/>
-          <ac:picMkLst>
-            <pc:docMk/>
-            <pc:sldMk cId="3018556184" sldId="259"/>
-            <ac:picMk id="5" creationId="{3D57D188-F23C-A5F1-8770-234AC5C0F8CD}"/>
-          </ac:picMkLst>
-        </pc:picChg>
-      </pc:sldChg>
-      <pc:sldChg chg="del">
-        <pc:chgData name="Riccardo Berta" userId="c8694f89-bba4-4576-b0a8-456619ca5a8c" providerId="ADAL" clId="{F4AAAA8C-1CB2-214C-996A-F15BCA6CB64E}" dt="2022-07-27T13:43:45.045" v="165" actId="2696"/>
-        <pc:sldMkLst>
-          <pc:docMk/>
-          <pc:sldMk cId="1104208334" sldId="260"/>
-        </pc:sldMkLst>
-      </pc:sldChg>
-      <pc:sldChg chg="addSp delSp modSp add mod">
-        <pc:chgData name="Riccardo Berta" userId="c8694f89-bba4-4576-b0a8-456619ca5a8c" providerId="ADAL" clId="{F4AAAA8C-1CB2-214C-996A-F15BCA6CB64E}" dt="2022-07-28T05:47:21.216" v="337" actId="1076"/>
-        <pc:sldMkLst>
-          <pc:docMk/>
-          <pc:sldMk cId="2119751735" sldId="260"/>
-        </pc:sldMkLst>
-        <pc:spChg chg="mod">
-          <ac:chgData name="Riccardo Berta" userId="c8694f89-bba4-4576-b0a8-456619ca5a8c" providerId="ADAL" clId="{F4AAAA8C-1CB2-214C-996A-F15BCA6CB64E}" dt="2022-07-27T13:45:31.917" v="177" actId="20577"/>
-          <ac:spMkLst>
-            <pc:docMk/>
-            <pc:sldMk cId="2119751735" sldId="260"/>
-            <ac:spMk id="83" creationId="{00000000-0000-0000-0000-000000000000}"/>
-          </ac:spMkLst>
-        </pc:spChg>
-        <pc:spChg chg="mod">
-          <ac:chgData name="Riccardo Berta" userId="c8694f89-bba4-4576-b0a8-456619ca5a8c" providerId="ADAL" clId="{F4AAAA8C-1CB2-214C-996A-F15BCA6CB64E}" dt="2022-07-28T05:46:51.692" v="332" actId="20577"/>
-          <ac:spMkLst>
-            <pc:docMk/>
-            <pc:sldMk cId="2119751735" sldId="260"/>
-            <ac:spMk id="84" creationId="{00000000-0000-0000-0000-000000000000}"/>
-          </ac:spMkLst>
-        </pc:spChg>
-        <pc:grpChg chg="add mod">
-          <ac:chgData name="Riccardo Berta" userId="c8694f89-bba4-4576-b0a8-456619ca5a8c" providerId="ADAL" clId="{F4AAAA8C-1CB2-214C-996A-F15BCA6CB64E}" dt="2022-07-28T05:47:21.216" v="337" actId="1076"/>
-          <ac:grpSpMkLst>
-            <pc:docMk/>
-            <pc:sldMk cId="2119751735" sldId="260"/>
-            <ac:grpSpMk id="7" creationId="{489CA0CE-5F21-4BF4-5B0C-E98A8FC5FDD8}"/>
-          </ac:grpSpMkLst>
-        </pc:grpChg>
-        <pc:picChg chg="del">
-          <ac:chgData name="Riccardo Berta" userId="c8694f89-bba4-4576-b0a8-456619ca5a8c" providerId="ADAL" clId="{F4AAAA8C-1CB2-214C-996A-F15BCA6CB64E}" dt="2022-07-27T13:45:46.742" v="181" actId="478"/>
-          <ac:picMkLst>
-            <pc:docMk/>
-            <pc:sldMk cId="2119751735" sldId="260"/>
-            <ac:picMk id="3" creationId="{E337B85C-FAA8-CC41-92F2-13E0228E3B65}"/>
-          </ac:picMkLst>
-        </pc:picChg>
-        <pc:picChg chg="add mod">
-          <ac:chgData name="Riccardo Berta" userId="c8694f89-bba4-4576-b0a8-456619ca5a8c" providerId="ADAL" clId="{F4AAAA8C-1CB2-214C-996A-F15BCA6CB64E}" dt="2022-07-28T05:45:35.354" v="315" actId="164"/>
-          <ac:picMkLst>
-            <pc:docMk/>
-            <pc:sldMk cId="2119751735" sldId="260"/>
-            <ac:picMk id="4" creationId="{BEB555A5-8E8F-EF63-4BD5-BDB8C5B0448C}"/>
-          </ac:picMkLst>
-        </pc:picChg>
-        <pc:picChg chg="add mod">
-          <ac:chgData name="Riccardo Berta" userId="c8694f89-bba4-4576-b0a8-456619ca5a8c" providerId="ADAL" clId="{F4AAAA8C-1CB2-214C-996A-F15BCA6CB64E}" dt="2022-07-28T05:45:35.354" v="315" actId="164"/>
-          <ac:picMkLst>
-            <pc:docMk/>
-            <pc:sldMk cId="2119751735" sldId="260"/>
-            <ac:picMk id="6" creationId="{177C8D6D-02B1-C754-62AE-4DE123A1F0A3}"/>
-          </ac:picMkLst>
-        </pc:picChg>
-        <pc:picChg chg="add mod">
-          <ac:chgData name="Riccardo Berta" userId="c8694f89-bba4-4576-b0a8-456619ca5a8c" providerId="ADAL" clId="{F4AAAA8C-1CB2-214C-996A-F15BCA6CB64E}" dt="2022-07-28T05:47:04.885" v="335" actId="167"/>
-          <ac:picMkLst>
-            <pc:docMk/>
-            <pc:sldMk cId="2119751735" sldId="260"/>
-            <ac:picMk id="9" creationId="{B47B7D50-84FB-AA7F-8A99-66D4AF7E0E9D}"/>
-          </ac:picMkLst>
-        </pc:picChg>
-      </pc:sldChg>
-      <pc:sldChg chg="del">
-        <pc:chgData name="Riccardo Berta" userId="c8694f89-bba4-4576-b0a8-456619ca5a8c" providerId="ADAL" clId="{F4AAAA8C-1CB2-214C-996A-F15BCA6CB64E}" dt="2022-07-27T13:43:46.058" v="166" actId="2696"/>
-        <pc:sldMkLst>
-          <pc:docMk/>
-          <pc:sldMk cId="1290395919" sldId="261"/>
-        </pc:sldMkLst>
-      </pc:sldChg>
-      <pc:sldChg chg="delSp modSp add mod">
-        <pc:chgData name="Riccardo Berta" userId="c8694f89-bba4-4576-b0a8-456619ca5a8c" providerId="ADAL" clId="{F4AAAA8C-1CB2-214C-996A-F15BCA6CB64E}" dt="2022-07-28T06:08:36.900" v="979" actId="20577"/>
-        <pc:sldMkLst>
-          <pc:docMk/>
-          <pc:sldMk cId="2389937581" sldId="261"/>
-        </pc:sldMkLst>
-        <pc:spChg chg="mod">
-          <ac:chgData name="Riccardo Berta" userId="c8694f89-bba4-4576-b0a8-456619ca5a8c" providerId="ADAL" clId="{F4AAAA8C-1CB2-214C-996A-F15BCA6CB64E}" dt="2022-07-28T05:48:31.210" v="384" actId="20577"/>
-          <ac:spMkLst>
-            <pc:docMk/>
-            <pc:sldMk cId="2389937581" sldId="261"/>
-            <ac:spMk id="83" creationId="{00000000-0000-0000-0000-000000000000}"/>
-          </ac:spMkLst>
-        </pc:spChg>
-        <pc:spChg chg="mod">
-          <ac:chgData name="Riccardo Berta" userId="c8694f89-bba4-4576-b0a8-456619ca5a8c" providerId="ADAL" clId="{F4AAAA8C-1CB2-214C-996A-F15BCA6CB64E}" dt="2022-07-28T06:08:36.900" v="979" actId="20577"/>
-          <ac:spMkLst>
-            <pc:docMk/>
-            <pc:sldMk cId="2389937581" sldId="261"/>
-            <ac:spMk id="84" creationId="{00000000-0000-0000-0000-000000000000}"/>
-          </ac:spMkLst>
-        </pc:spChg>
-        <pc:picChg chg="del">
-          <ac:chgData name="Riccardo Berta" userId="c8694f89-bba4-4576-b0a8-456619ca5a8c" providerId="ADAL" clId="{F4AAAA8C-1CB2-214C-996A-F15BCA6CB64E}" dt="2022-07-28T05:48:38.627" v="386" actId="478"/>
-          <ac:picMkLst>
-            <pc:docMk/>
-            <pc:sldMk cId="2389937581" sldId="261"/>
-            <ac:picMk id="3" creationId="{E337B85C-FAA8-CC41-92F2-13E0228E3B65}"/>
-          </ac:picMkLst>
-        </pc:picChg>
-      </pc:sldChg>
-      <pc:sldChg chg="addSp delSp modSp add mod">
-        <pc:chgData name="Riccardo Berta" userId="c8694f89-bba4-4576-b0a8-456619ca5a8c" providerId="ADAL" clId="{F4AAAA8C-1CB2-214C-996A-F15BCA6CB64E}" dt="2022-07-28T06:20:33.799" v="1324" actId="58"/>
-        <pc:sldMkLst>
-          <pc:docMk/>
-          <pc:sldMk cId="1270389364" sldId="262"/>
-        </pc:sldMkLst>
-        <pc:spChg chg="mod">
-          <ac:chgData name="Riccardo Berta" userId="c8694f89-bba4-4576-b0a8-456619ca5a8c" providerId="ADAL" clId="{F4AAAA8C-1CB2-214C-996A-F15BCA6CB64E}" dt="2022-07-28T06:09:05.210" v="991" actId="20577"/>
-          <ac:spMkLst>
-            <pc:docMk/>
-            <pc:sldMk cId="1270389364" sldId="262"/>
-            <ac:spMk id="83" creationId="{00000000-0000-0000-0000-000000000000}"/>
-          </ac:spMkLst>
-        </pc:spChg>
-        <pc:spChg chg="mod">
-          <ac:chgData name="Riccardo Berta" userId="c8694f89-bba4-4576-b0a8-456619ca5a8c" providerId="ADAL" clId="{F4AAAA8C-1CB2-214C-996A-F15BCA6CB64E}" dt="2022-07-28T06:20:33.799" v="1324" actId="58"/>
-          <ac:spMkLst>
-            <pc:docMk/>
-            <pc:sldMk cId="1270389364" sldId="262"/>
-            <ac:spMk id="84" creationId="{00000000-0000-0000-0000-000000000000}"/>
-          </ac:spMkLst>
-        </pc:spChg>
-        <pc:picChg chg="del">
-          <ac:chgData name="Riccardo Berta" userId="c8694f89-bba4-4576-b0a8-456619ca5a8c" providerId="ADAL" clId="{F4AAAA8C-1CB2-214C-996A-F15BCA6CB64E}" dt="2022-07-28T06:09:15.678" v="996" actId="478"/>
-          <ac:picMkLst>
-            <pc:docMk/>
-            <pc:sldMk cId="1270389364" sldId="262"/>
-            <ac:picMk id="3" creationId="{E337B85C-FAA8-CC41-92F2-13E0228E3B65}"/>
-          </ac:picMkLst>
-        </pc:picChg>
-        <pc:picChg chg="add mod">
-          <ac:chgData name="Riccardo Berta" userId="c8694f89-bba4-4576-b0a8-456619ca5a8c" providerId="ADAL" clId="{F4AAAA8C-1CB2-214C-996A-F15BCA6CB64E}" dt="2022-07-28T06:17:50.208" v="1230" actId="1036"/>
-          <ac:picMkLst>
-            <pc:docMk/>
-            <pc:sldMk cId="1270389364" sldId="262"/>
-            <ac:picMk id="4" creationId="{AB9A4B8B-5326-C7E4-06B6-378D995D5B26}"/>
-          </ac:picMkLst>
-        </pc:picChg>
-      </pc:sldChg>
-      <pc:sldChg chg="del">
-        <pc:chgData name="Riccardo Berta" userId="c8694f89-bba4-4576-b0a8-456619ca5a8c" providerId="ADAL" clId="{F4AAAA8C-1CB2-214C-996A-F15BCA6CB64E}" dt="2022-07-27T13:43:47.251" v="167" actId="2696"/>
-        <pc:sldMkLst>
-          <pc:docMk/>
-          <pc:sldMk cId="4130549615" sldId="262"/>
-        </pc:sldMkLst>
-      </pc:sldChg>
-      <pc:sldChg chg="modSp add mod">
-        <pc:chgData name="Riccardo Berta" userId="c8694f89-bba4-4576-b0a8-456619ca5a8c" providerId="ADAL" clId="{F4AAAA8C-1CB2-214C-996A-F15BCA6CB64E}" dt="2022-07-29T07:18:15.970" v="2126" actId="1076"/>
-        <pc:sldMkLst>
-          <pc:docMk/>
-          <pc:sldMk cId="2644872656" sldId="263"/>
-        </pc:sldMkLst>
-        <pc:spChg chg="mod">
-          <ac:chgData name="Riccardo Berta" userId="c8694f89-bba4-4576-b0a8-456619ca5a8c" providerId="ADAL" clId="{F4AAAA8C-1CB2-214C-996A-F15BCA6CB64E}" dt="2022-07-28T13:41:46.191" v="1354" actId="20577"/>
-          <ac:spMkLst>
-            <pc:docMk/>
-            <pc:sldMk cId="2644872656" sldId="263"/>
-            <ac:spMk id="83" creationId="{00000000-0000-0000-0000-000000000000}"/>
-          </ac:spMkLst>
-        </pc:spChg>
-        <pc:spChg chg="mod">
-          <ac:chgData name="Riccardo Berta" userId="c8694f89-bba4-4576-b0a8-456619ca5a8c" providerId="ADAL" clId="{F4AAAA8C-1CB2-214C-996A-F15BCA6CB64E}" dt="2022-07-29T07:18:15.970" v="2126" actId="1076"/>
-          <ac:spMkLst>
-            <pc:docMk/>
-            <pc:sldMk cId="2644872656" sldId="263"/>
-            <ac:spMk id="84" creationId="{00000000-0000-0000-0000-000000000000}"/>
-          </ac:spMkLst>
-        </pc:spChg>
-      </pc:sldChg>
-      <pc:sldChg chg="del">
-        <pc:chgData name="Riccardo Berta" userId="c8694f89-bba4-4576-b0a8-456619ca5a8c" providerId="ADAL" clId="{F4AAAA8C-1CB2-214C-996A-F15BCA6CB64E}" dt="2022-07-27T13:43:48.139" v="168" actId="2696"/>
-        <pc:sldMkLst>
-          <pc:docMk/>
-          <pc:sldMk cId="3102138681" sldId="263"/>
-        </pc:sldMkLst>
-      </pc:sldChg>
-      <pc:sldChg chg="modSp add mod">
-        <pc:chgData name="Riccardo Berta" userId="c8694f89-bba4-4576-b0a8-456619ca5a8c" providerId="ADAL" clId="{F4AAAA8C-1CB2-214C-996A-F15BCA6CB64E}" dt="2022-07-28T13:59:43.403" v="1794" actId="20577"/>
-        <pc:sldMkLst>
-          <pc:docMk/>
-          <pc:sldMk cId="1681389695" sldId="264"/>
-        </pc:sldMkLst>
-        <pc:spChg chg="mod">
-          <ac:chgData name="Riccardo Berta" userId="c8694f89-bba4-4576-b0a8-456619ca5a8c" providerId="ADAL" clId="{F4AAAA8C-1CB2-214C-996A-F15BCA6CB64E}" dt="2022-07-28T13:55:27.771" v="1667" actId="20577"/>
-          <ac:spMkLst>
-            <pc:docMk/>
-            <pc:sldMk cId="1681389695" sldId="264"/>
-            <ac:spMk id="83" creationId="{00000000-0000-0000-0000-000000000000}"/>
-          </ac:spMkLst>
-        </pc:spChg>
-        <pc:spChg chg="mod">
-          <ac:chgData name="Riccardo Berta" userId="c8694f89-bba4-4576-b0a8-456619ca5a8c" providerId="ADAL" clId="{F4AAAA8C-1CB2-214C-996A-F15BCA6CB64E}" dt="2022-07-28T13:59:43.403" v="1794" actId="20577"/>
-          <ac:spMkLst>
-            <pc:docMk/>
-            <pc:sldMk cId="1681389695" sldId="264"/>
-            <ac:spMk id="84" creationId="{00000000-0000-0000-0000-000000000000}"/>
-          </ac:spMkLst>
-        </pc:spChg>
-      </pc:sldChg>
-      <pc:sldChg chg="del">
-        <pc:chgData name="Riccardo Berta" userId="c8694f89-bba4-4576-b0a8-456619ca5a8c" providerId="ADAL" clId="{F4AAAA8C-1CB2-214C-996A-F15BCA6CB64E}" dt="2022-07-27T13:43:49.652" v="169" actId="2696"/>
-        <pc:sldMkLst>
-          <pc:docMk/>
-          <pc:sldMk cId="2113557187" sldId="264"/>
-        </pc:sldMkLst>
-      </pc:sldChg>
-      <pc:sldChg chg="del">
-        <pc:chgData name="Riccardo Berta" userId="c8694f89-bba4-4576-b0a8-456619ca5a8c" providerId="ADAL" clId="{F4AAAA8C-1CB2-214C-996A-F15BCA6CB64E}" dt="2022-07-27T13:43:57.658" v="170" actId="2696"/>
-        <pc:sldMkLst>
-          <pc:docMk/>
-          <pc:sldMk cId="2045385232" sldId="265"/>
-        </pc:sldMkLst>
-      </pc:sldChg>
-      <pc:sldChg chg="addSp modSp add mod">
-        <pc:chgData name="Riccardo Berta" userId="c8694f89-bba4-4576-b0a8-456619ca5a8c" providerId="ADAL" clId="{F4AAAA8C-1CB2-214C-996A-F15BCA6CB64E}" dt="2022-07-29T07:15:19.612" v="2059" actId="1037"/>
-        <pc:sldMkLst>
-          <pc:docMk/>
-          <pc:sldMk cId="2862573505" sldId="265"/>
-        </pc:sldMkLst>
-        <pc:spChg chg="mod">
-          <ac:chgData name="Riccardo Berta" userId="c8694f89-bba4-4576-b0a8-456619ca5a8c" providerId="ADAL" clId="{F4AAAA8C-1CB2-214C-996A-F15BCA6CB64E}" dt="2022-07-28T14:01:34.242" v="1824" actId="20577"/>
-          <ac:spMkLst>
-            <pc:docMk/>
-            <pc:sldMk cId="2862573505" sldId="265"/>
-            <ac:spMk id="83" creationId="{00000000-0000-0000-0000-000000000000}"/>
-          </ac:spMkLst>
-        </pc:spChg>
-        <pc:spChg chg="mod">
-          <ac:chgData name="Riccardo Berta" userId="c8694f89-bba4-4576-b0a8-456619ca5a8c" providerId="ADAL" clId="{F4AAAA8C-1CB2-214C-996A-F15BCA6CB64E}" dt="2022-07-29T07:14:51.920" v="2043" actId="1076"/>
-          <ac:spMkLst>
-            <pc:docMk/>
-            <pc:sldMk cId="2862573505" sldId="265"/>
-            <ac:spMk id="84" creationId="{00000000-0000-0000-0000-000000000000}"/>
-          </ac:spMkLst>
-        </pc:spChg>
-        <pc:picChg chg="add mod">
-          <ac:chgData name="Riccardo Berta" userId="c8694f89-bba4-4576-b0a8-456619ca5a8c" providerId="ADAL" clId="{F4AAAA8C-1CB2-214C-996A-F15BCA6CB64E}" dt="2022-07-29T07:14:07.899" v="2027" actId="1076"/>
-          <ac:picMkLst>
-            <pc:docMk/>
-            <pc:sldMk cId="2862573505" sldId="265"/>
-            <ac:picMk id="3" creationId="{E5BCAA50-F768-A24F-D65F-DC7B97A8A06C}"/>
-          </ac:picMkLst>
-        </pc:picChg>
-        <pc:picChg chg="add mod">
-          <ac:chgData name="Riccardo Berta" userId="c8694f89-bba4-4576-b0a8-456619ca5a8c" providerId="ADAL" clId="{F4AAAA8C-1CB2-214C-996A-F15BCA6CB64E}" dt="2022-07-29T07:15:19.612" v="2059" actId="1037"/>
-          <ac:picMkLst>
-            <pc:docMk/>
-            <pc:sldMk cId="2862573505" sldId="265"/>
-            <ac:picMk id="5" creationId="{743A1BA3-6E04-AB8A-9650-4CD776CB6A72}"/>
-          </ac:picMkLst>
-        </pc:picChg>
-        <pc:picChg chg="add mod">
-          <ac:chgData name="Riccardo Berta" userId="c8694f89-bba4-4576-b0a8-456619ca5a8c" providerId="ADAL" clId="{F4AAAA8C-1CB2-214C-996A-F15BCA6CB64E}" dt="2022-07-29T07:15:08.710" v="2051" actId="1037"/>
-          <ac:picMkLst>
-            <pc:docMk/>
-            <pc:sldMk cId="2862573505" sldId="265"/>
-            <ac:picMk id="6" creationId="{9C1ABB64-8085-F0EF-1388-6AF4DB3909BB}"/>
-          </ac:picMkLst>
-        </pc:picChg>
-      </pc:sldChg>
-      <pc:sldChg chg="modSp add mod">
-        <pc:chgData name="Riccardo Berta" userId="c8694f89-bba4-4576-b0a8-456619ca5a8c" providerId="ADAL" clId="{F4AAAA8C-1CB2-214C-996A-F15BCA6CB64E}" dt="2022-07-29T15:42:16.243" v="2364" actId="404"/>
-        <pc:sldMkLst>
-          <pc:docMk/>
-          <pc:sldMk cId="4181844165" sldId="266"/>
-        </pc:sldMkLst>
-        <pc:spChg chg="mod">
-          <ac:chgData name="Riccardo Berta" userId="c8694f89-bba4-4576-b0a8-456619ca5a8c" providerId="ADAL" clId="{F4AAAA8C-1CB2-214C-996A-F15BCA6CB64E}" dt="2022-07-29T07:11:57.611" v="2016"/>
-          <ac:spMkLst>
-            <pc:docMk/>
-            <pc:sldMk cId="4181844165" sldId="266"/>
-            <ac:spMk id="83" creationId="{00000000-0000-0000-0000-000000000000}"/>
-          </ac:spMkLst>
-        </pc:spChg>
-        <pc:spChg chg="mod">
-          <ac:chgData name="Riccardo Berta" userId="c8694f89-bba4-4576-b0a8-456619ca5a8c" providerId="ADAL" clId="{F4AAAA8C-1CB2-214C-996A-F15BCA6CB64E}" dt="2022-07-29T15:42:16.243" v="2364" actId="404"/>
-          <ac:spMkLst>
-            <pc:docMk/>
-            <pc:sldMk cId="4181844165" sldId="266"/>
-            <ac:spMk id="84" creationId="{00000000-0000-0000-0000-000000000000}"/>
-          </ac:spMkLst>
-        </pc:spChg>
-      </pc:sldChg>
-      <pc:sldChg chg="addSp delSp modSp add mod">
-        <pc:chgData name="Riccardo Berta" userId="c8694f89-bba4-4576-b0a8-456619ca5a8c" providerId="ADAL" clId="{F4AAAA8C-1CB2-214C-996A-F15BCA6CB64E}" dt="2022-07-29T16:21:50.628" v="2975" actId="1076"/>
-        <pc:sldMkLst>
-          <pc:docMk/>
-          <pc:sldMk cId="216455838" sldId="267"/>
-        </pc:sldMkLst>
-        <pc:spChg chg="mod">
-          <ac:chgData name="Riccardo Berta" userId="c8694f89-bba4-4576-b0a8-456619ca5a8c" providerId="ADAL" clId="{F4AAAA8C-1CB2-214C-996A-F15BCA6CB64E}" dt="2022-07-29T16:21:40.165" v="2974" actId="20577"/>
-          <ac:spMkLst>
-            <pc:docMk/>
-            <pc:sldMk cId="216455838" sldId="267"/>
-            <ac:spMk id="83" creationId="{00000000-0000-0000-0000-000000000000}"/>
-          </ac:spMkLst>
-        </pc:spChg>
-        <pc:spChg chg="mod">
-          <ac:chgData name="Riccardo Berta" userId="c8694f89-bba4-4576-b0a8-456619ca5a8c" providerId="ADAL" clId="{F4AAAA8C-1CB2-214C-996A-F15BCA6CB64E}" dt="2022-07-29T16:21:04.813" v="2957" actId="20577"/>
-          <ac:spMkLst>
-            <pc:docMk/>
-            <pc:sldMk cId="216455838" sldId="267"/>
-            <ac:spMk id="84" creationId="{00000000-0000-0000-0000-000000000000}"/>
-          </ac:spMkLst>
-        </pc:spChg>
-        <pc:picChg chg="add del">
-          <ac:chgData name="Riccardo Berta" userId="c8694f89-bba4-4576-b0a8-456619ca5a8c" providerId="ADAL" clId="{F4AAAA8C-1CB2-214C-996A-F15BCA6CB64E}" dt="2022-07-29T15:53:24.645" v="2396" actId="478"/>
-          <ac:picMkLst>
-            <pc:docMk/>
-            <pc:sldMk cId="216455838" sldId="267"/>
-            <ac:picMk id="2" creationId="{F4FCEF60-8194-3CD6-BE60-E133D5DF313E}"/>
-          </ac:picMkLst>
-        </pc:picChg>
-        <pc:picChg chg="add mod">
-          <ac:chgData name="Riccardo Berta" userId="c8694f89-bba4-4576-b0a8-456619ca5a8c" providerId="ADAL" clId="{F4AAAA8C-1CB2-214C-996A-F15BCA6CB64E}" dt="2022-07-29T16:21:09.630" v="2958" actId="1076"/>
-          <ac:picMkLst>
-            <pc:docMk/>
-            <pc:sldMk cId="216455838" sldId="267"/>
-            <ac:picMk id="4" creationId="{E6F64BDC-73CD-7216-BA09-69DDCB93F9D4}"/>
-          </ac:picMkLst>
-        </pc:picChg>
-        <pc:picChg chg="add mod">
-          <ac:chgData name="Riccardo Berta" userId="c8694f89-bba4-4576-b0a8-456619ca5a8c" providerId="ADAL" clId="{F4AAAA8C-1CB2-214C-996A-F15BCA6CB64E}" dt="2022-07-29T16:21:50.628" v="2975" actId="1076"/>
-          <ac:picMkLst>
-            <pc:docMk/>
-            <pc:sldMk cId="216455838" sldId="267"/>
-            <ac:picMk id="5" creationId="{3ACC4B13-0F8B-1CAD-68C4-DF5DFDB1BD88}"/>
-          </ac:picMkLst>
-        </pc:picChg>
-      </pc:sldChg>
-      <pc:sldChg chg="modSp add mod">
-        <pc:chgData name="Riccardo Berta" userId="c8694f89-bba4-4576-b0a8-456619ca5a8c" providerId="ADAL" clId="{F4AAAA8C-1CB2-214C-996A-F15BCA6CB64E}" dt="2022-07-29T16:13:07.544" v="2873" actId="20577"/>
-        <pc:sldMkLst>
-          <pc:docMk/>
-          <pc:sldMk cId="925286286" sldId="268"/>
-        </pc:sldMkLst>
-        <pc:spChg chg="mod">
-          <ac:chgData name="Riccardo Berta" userId="c8694f89-bba4-4576-b0a8-456619ca5a8c" providerId="ADAL" clId="{F4AAAA8C-1CB2-214C-996A-F15BCA6CB64E}" dt="2022-07-29T16:00:31.322" v="2504"/>
-          <ac:spMkLst>
-            <pc:docMk/>
-            <pc:sldMk cId="925286286" sldId="268"/>
-            <ac:spMk id="83" creationId="{00000000-0000-0000-0000-000000000000}"/>
-          </ac:spMkLst>
-        </pc:spChg>
-        <pc:spChg chg="mod">
-          <ac:chgData name="Riccardo Berta" userId="c8694f89-bba4-4576-b0a8-456619ca5a8c" providerId="ADAL" clId="{F4AAAA8C-1CB2-214C-996A-F15BCA6CB64E}" dt="2022-07-29T16:13:07.544" v="2873" actId="20577"/>
-          <ac:spMkLst>
-            <pc:docMk/>
-            <pc:sldMk cId="925286286" sldId="268"/>
-            <ac:spMk id="84" creationId="{00000000-0000-0000-0000-000000000000}"/>
-          </ac:spMkLst>
-        </pc:spChg>
-      </pc:sldChg>
-      <pc:sldChg chg="addSp modSp add mod">
-        <pc:chgData name="Riccardo Berta" userId="c8694f89-bba4-4576-b0a8-456619ca5a8c" providerId="ADAL" clId="{F4AAAA8C-1CB2-214C-996A-F15BCA6CB64E}" dt="2022-07-29T16:20:35.039" v="2951" actId="962"/>
-        <pc:sldMkLst>
-          <pc:docMk/>
-          <pc:sldMk cId="3471997037" sldId="269"/>
-        </pc:sldMkLst>
-        <pc:spChg chg="mod">
-          <ac:chgData name="Riccardo Berta" userId="c8694f89-bba4-4576-b0a8-456619ca5a8c" providerId="ADAL" clId="{F4AAAA8C-1CB2-214C-996A-F15BCA6CB64E}" dt="2022-07-29T16:17:02.750" v="2922" actId="20577"/>
-          <ac:spMkLst>
-            <pc:docMk/>
-            <pc:sldMk cId="3471997037" sldId="269"/>
-            <ac:spMk id="83" creationId="{00000000-0000-0000-0000-000000000000}"/>
-          </ac:spMkLst>
-        </pc:spChg>
-        <pc:spChg chg="mod">
-          <ac:chgData name="Riccardo Berta" userId="c8694f89-bba4-4576-b0a8-456619ca5a8c" providerId="ADAL" clId="{F4AAAA8C-1CB2-214C-996A-F15BCA6CB64E}" dt="2022-07-29T16:18:45.638" v="2948" actId="20577"/>
-          <ac:spMkLst>
-            <pc:docMk/>
-            <pc:sldMk cId="3471997037" sldId="269"/>
-            <ac:spMk id="84" creationId="{00000000-0000-0000-0000-000000000000}"/>
-          </ac:spMkLst>
-        </pc:spChg>
-        <pc:picChg chg="add mod">
-          <ac:chgData name="Riccardo Berta" userId="c8694f89-bba4-4576-b0a8-456619ca5a8c" providerId="ADAL" clId="{F4AAAA8C-1CB2-214C-996A-F15BCA6CB64E}" dt="2022-07-29T16:20:35.039" v="2951" actId="962"/>
-          <ac:picMkLst>
-            <pc:docMk/>
-            <pc:sldMk cId="3471997037" sldId="269"/>
-            <ac:picMk id="3" creationId="{471AFF0B-7713-10C4-E8A3-3EDBC8FE0FD9}"/>
-          </ac:picMkLst>
-        </pc:picChg>
-      </pc:sldChg>
-      <pc:sldChg chg="add">
-        <pc:chgData name="Riccardo Berta" userId="c8694f89-bba4-4576-b0a8-456619ca5a8c" providerId="ADAL" clId="{F4AAAA8C-1CB2-214C-996A-F15BCA6CB64E}" dt="2022-07-28T14:01:20.148" v="1808"/>
-        <pc:sldMkLst>
-          <pc:docMk/>
-          <pc:sldMk cId="3130917410" sldId="270"/>
-        </pc:sldMkLst>
-      </pc:sldChg>
-      <pc:sldChg chg="add">
-        <pc:chgData name="Riccardo Berta" userId="c8694f89-bba4-4576-b0a8-456619ca5a8c" providerId="ADAL" clId="{F4AAAA8C-1CB2-214C-996A-F15BCA6CB64E}" dt="2022-07-28T14:01:20.483" v="1809"/>
-        <pc:sldMkLst>
-          <pc:docMk/>
-          <pc:sldMk cId="2266699268" sldId="271"/>
-        </pc:sldMkLst>
-      </pc:sldChg>
-    </pc:docChg>
-  </pc:docChgLst>
-  <pc:docChgLst>
-    <pc:chgData name="Riccardo Berta" userId="c8694f89-bba4-4576-b0a8-456619ca5a8c" providerId="ADAL" clId="{285D91C1-4BF4-0841-A283-B28F698AE366}"/>
-    <pc:docChg chg="custSel addSld modSld">
-      <pc:chgData name="Riccardo Berta" userId="c8694f89-bba4-4576-b0a8-456619ca5a8c" providerId="ADAL" clId="{285D91C1-4BF4-0841-A283-B28F698AE366}" dt="2022-08-26T17:01:29.210" v="222" actId="20577"/>
-      <pc:docMkLst>
-        <pc:docMk/>
-      </pc:docMkLst>
-      <pc:sldChg chg="addSp delSp modSp add mod">
-        <pc:chgData name="Riccardo Berta" userId="c8694f89-bba4-4576-b0a8-456619ca5a8c" providerId="ADAL" clId="{285D91C1-4BF4-0841-A283-B28F698AE366}" dt="2022-08-26T17:01:29.210" v="222" actId="20577"/>
-        <pc:sldMkLst>
-          <pc:docMk/>
-          <pc:sldMk cId="1388305878" sldId="277"/>
-        </pc:sldMkLst>
-        <pc:spChg chg="mod">
-          <ac:chgData name="Riccardo Berta" userId="c8694f89-bba4-4576-b0a8-456619ca5a8c" providerId="ADAL" clId="{285D91C1-4BF4-0841-A283-B28F698AE366}" dt="2022-08-26T11:06:53.297" v="2" actId="20577"/>
-          <ac:spMkLst>
-            <pc:docMk/>
-            <pc:sldMk cId="1388305878" sldId="277"/>
-            <ac:spMk id="83" creationId="{00000000-0000-0000-0000-000000000000}"/>
-          </ac:spMkLst>
-        </pc:spChg>
-        <pc:spChg chg="mod">
-          <ac:chgData name="Riccardo Berta" userId="c8694f89-bba4-4576-b0a8-456619ca5a8c" providerId="ADAL" clId="{285D91C1-4BF4-0841-A283-B28F698AE366}" dt="2022-08-26T17:01:29.210" v="222" actId="20577"/>
-          <ac:spMkLst>
-            <pc:docMk/>
-            <pc:sldMk cId="1388305878" sldId="277"/>
-            <ac:spMk id="84" creationId="{00000000-0000-0000-0000-000000000000}"/>
-          </ac:spMkLst>
-        </pc:spChg>
-        <pc:picChg chg="add mod">
-          <ac:chgData name="Riccardo Berta" userId="c8694f89-bba4-4576-b0a8-456619ca5a8c" providerId="ADAL" clId="{285D91C1-4BF4-0841-A283-B28F698AE366}" dt="2022-08-26T11:13:04.169" v="129" actId="1035"/>
-          <ac:picMkLst>
-            <pc:docMk/>
-            <pc:sldMk cId="1388305878" sldId="277"/>
-            <ac:picMk id="3" creationId="{94F1A503-7FFE-557A-BCB0-DC1D9F0CDB3C}"/>
-          </ac:picMkLst>
-        </pc:picChg>
-        <pc:picChg chg="del">
-          <ac:chgData name="Riccardo Berta" userId="c8694f89-bba4-4576-b0a8-456619ca5a8c" providerId="ADAL" clId="{285D91C1-4BF4-0841-A283-B28F698AE366}" dt="2022-08-26T11:06:59.121" v="7" actId="478"/>
-          <ac:picMkLst>
-            <pc:docMk/>
-            <pc:sldMk cId="1388305878" sldId="277"/>
-            <ac:picMk id="4" creationId="{B37C8976-E86A-4EAB-21EA-45CA6D160B6E}"/>
-          </ac:picMkLst>
-        </pc:picChg>
-        <pc:picChg chg="add mod">
-          <ac:chgData name="Riccardo Berta" userId="c8694f89-bba4-4576-b0a8-456619ca5a8c" providerId="ADAL" clId="{285D91C1-4BF4-0841-A283-B28F698AE366}" dt="2022-08-26T11:13:15.479" v="133" actId="1035"/>
-          <ac:picMkLst>
-            <pc:docMk/>
-            <pc:sldMk cId="1388305878" sldId="277"/>
-            <ac:picMk id="6" creationId="{55622F76-3F69-85DA-DB04-2F9FA718C471}"/>
-          </ac:picMkLst>
-        </pc:picChg>
-      </pc:sldChg>
-      <pc:sldChg chg="addSp delSp modSp add mod">
-        <pc:chgData name="Riccardo Berta" userId="c8694f89-bba4-4576-b0a8-456619ca5a8c" providerId="ADAL" clId="{285D91C1-4BF4-0841-A283-B28F698AE366}" dt="2022-08-26T17:01:19.085" v="220" actId="1076"/>
-        <pc:sldMkLst>
-          <pc:docMk/>
-          <pc:sldMk cId="2276488042" sldId="278"/>
-        </pc:sldMkLst>
-        <pc:spChg chg="mod">
-          <ac:chgData name="Riccardo Berta" userId="c8694f89-bba4-4576-b0a8-456619ca5a8c" providerId="ADAL" clId="{285D91C1-4BF4-0841-A283-B28F698AE366}" dt="2022-08-26T11:13:29.102" v="137" actId="20577"/>
-          <ac:spMkLst>
-            <pc:docMk/>
-            <pc:sldMk cId="2276488042" sldId="278"/>
-            <ac:spMk id="83" creationId="{00000000-0000-0000-0000-000000000000}"/>
-          </ac:spMkLst>
-        </pc:spChg>
-        <pc:spChg chg="mod">
-          <ac:chgData name="Riccardo Berta" userId="c8694f89-bba4-4576-b0a8-456619ca5a8c" providerId="ADAL" clId="{285D91C1-4BF4-0841-A283-B28F698AE366}" dt="2022-08-26T11:21:06.057" v="217" actId="20577"/>
-          <ac:spMkLst>
-            <pc:docMk/>
-            <pc:sldMk cId="2276488042" sldId="278"/>
-            <ac:spMk id="84" creationId="{00000000-0000-0000-0000-000000000000}"/>
-          </ac:spMkLst>
-        </pc:spChg>
-        <pc:picChg chg="del">
-          <ac:chgData name="Riccardo Berta" userId="c8694f89-bba4-4576-b0a8-456619ca5a8c" providerId="ADAL" clId="{285D91C1-4BF4-0841-A283-B28F698AE366}" dt="2022-08-26T11:15:29.168" v="157" actId="478"/>
-          <ac:picMkLst>
-            <pc:docMk/>
-            <pc:sldMk cId="2276488042" sldId="278"/>
-            <ac:picMk id="3" creationId="{94F1A503-7FFE-557A-BCB0-DC1D9F0CDB3C}"/>
-          </ac:picMkLst>
-        </pc:picChg>
-        <pc:picChg chg="add del mod">
-          <ac:chgData name="Riccardo Berta" userId="c8694f89-bba4-4576-b0a8-456619ca5a8c" providerId="ADAL" clId="{285D91C1-4BF4-0841-A283-B28F698AE366}" dt="2022-08-26T11:17:51.407" v="196" actId="478"/>
-          <ac:picMkLst>
-            <pc:docMk/>
-            <pc:sldMk cId="2276488042" sldId="278"/>
-            <ac:picMk id="4" creationId="{60504E6C-6A9E-9C37-40B0-D19295DDEEC3}"/>
-          </ac:picMkLst>
-        </pc:picChg>
-        <pc:picChg chg="del">
-          <ac:chgData name="Riccardo Berta" userId="c8694f89-bba4-4576-b0a8-456619ca5a8c" providerId="ADAL" clId="{285D91C1-4BF4-0841-A283-B28F698AE366}" dt="2022-08-26T11:15:30.021" v="158" actId="478"/>
-          <ac:picMkLst>
-            <pc:docMk/>
-            <pc:sldMk cId="2276488042" sldId="278"/>
-            <ac:picMk id="6" creationId="{55622F76-3F69-85DA-DB04-2F9FA718C471}"/>
-          </ac:picMkLst>
-        </pc:picChg>
-        <pc:picChg chg="add mod">
-          <ac:chgData name="Riccardo Berta" userId="c8694f89-bba4-4576-b0a8-456619ca5a8c" providerId="ADAL" clId="{285D91C1-4BF4-0841-A283-B28F698AE366}" dt="2022-08-26T17:01:19.085" v="220" actId="1076"/>
-          <ac:picMkLst>
-            <pc:docMk/>
-            <pc:sldMk cId="2276488042" sldId="278"/>
-            <ac:picMk id="7" creationId="{12A38CB3-9C82-D386-6AEC-F799DFDA4DBA}"/>
-          </ac:picMkLst>
-        </pc:picChg>
-      </pc:sldChg>
-    </pc:docChg>
-  </pc:docChgLst>
-  <pc:docChgLst>
-    <pc:chgData name="Riccardo Berta" userId="c8694f89-bba4-4576-b0a8-456619ca5a8c" providerId="ADAL" clId="{35C5D11B-424E-5B41-A9C4-509DD0A59BFD}"/>
-    <pc:docChg chg="custSel delSld modSld sldOrd">
-      <pc:chgData name="Riccardo Berta" userId="c8694f89-bba4-4576-b0a8-456619ca5a8c" providerId="ADAL" clId="{35C5D11B-424E-5B41-A9C4-509DD0A59BFD}" dt="2022-04-01T12:12:56.906" v="135" actId="20577"/>
-      <pc:docMkLst>
-        <pc:docMk/>
-      </pc:docMkLst>
-      <pc:sldChg chg="modSp">
-        <pc:chgData name="Riccardo Berta" userId="c8694f89-bba4-4576-b0a8-456619ca5a8c" providerId="ADAL" clId="{35C5D11B-424E-5B41-A9C4-509DD0A59BFD}" dt="2022-03-22T07:34:03.014" v="5"/>
-        <pc:sldMkLst>
-          <pc:docMk/>
-          <pc:sldMk cId="0" sldId="257"/>
-        </pc:sldMkLst>
-        <pc:picChg chg="mod">
-          <ac:chgData name="Riccardo Berta" userId="c8694f89-bba4-4576-b0a8-456619ca5a8c" providerId="ADAL" clId="{35C5D11B-424E-5B41-A9C4-509DD0A59BFD}" dt="2022-03-22T07:34:03.014" v="5"/>
-          <ac:picMkLst>
-            <pc:docMk/>
-            <pc:sldMk cId="0" sldId="257"/>
-            <ac:picMk id="85" creationId="{00000000-0000-0000-0000-000000000000}"/>
-          </ac:picMkLst>
-        </pc:picChg>
-      </pc:sldChg>
-      <pc:sldChg chg="modSp">
-        <pc:chgData name="Riccardo Berta" userId="c8694f89-bba4-4576-b0a8-456619ca5a8c" providerId="ADAL" clId="{35C5D11B-424E-5B41-A9C4-509DD0A59BFD}" dt="2022-03-22T07:34:23.187" v="6"/>
-        <pc:sldMkLst>
-          <pc:docMk/>
-          <pc:sldMk cId="1899110855" sldId="258"/>
-        </pc:sldMkLst>
-        <pc:picChg chg="mod">
-          <ac:chgData name="Riccardo Berta" userId="c8694f89-bba4-4576-b0a8-456619ca5a8c" providerId="ADAL" clId="{35C5D11B-424E-5B41-A9C4-509DD0A59BFD}" dt="2022-03-22T07:34:23.187" v="6"/>
-          <ac:picMkLst>
-            <pc:docMk/>
-            <pc:sldMk cId="1899110855" sldId="258"/>
-            <ac:picMk id="92" creationId="{00000000-0000-0000-0000-000000000000}"/>
-          </ac:picMkLst>
-        </pc:picChg>
-      </pc:sldChg>
-      <pc:sldChg chg="modSp">
-        <pc:chgData name="Riccardo Berta" userId="c8694f89-bba4-4576-b0a8-456619ca5a8c" providerId="ADAL" clId="{35C5D11B-424E-5B41-A9C4-509DD0A59BFD}" dt="2022-03-22T07:39:20.191" v="16"/>
-        <pc:sldMkLst>
-          <pc:docMk/>
-          <pc:sldMk cId="3018556184" sldId="259"/>
-        </pc:sldMkLst>
-        <pc:picChg chg="mod">
-          <ac:chgData name="Riccardo Berta" userId="c8694f89-bba4-4576-b0a8-456619ca5a8c" providerId="ADAL" clId="{35C5D11B-424E-5B41-A9C4-509DD0A59BFD}" dt="2022-03-22T07:38:22.524" v="12"/>
-          <ac:picMkLst>
-            <pc:docMk/>
-            <pc:sldMk cId="3018556184" sldId="259"/>
-            <ac:picMk id="99" creationId="{00000000-0000-0000-0000-000000000000}"/>
-          </ac:picMkLst>
-        </pc:picChg>
-        <pc:picChg chg="mod">
-          <ac:chgData name="Riccardo Berta" userId="c8694f89-bba4-4576-b0a8-456619ca5a8c" providerId="ADAL" clId="{35C5D11B-424E-5B41-A9C4-509DD0A59BFD}" dt="2022-03-22T07:38:34.539" v="13"/>
-          <ac:picMkLst>
-            <pc:docMk/>
-            <pc:sldMk cId="3018556184" sldId="259"/>
-            <ac:picMk id="100" creationId="{00000000-0000-0000-0000-000000000000}"/>
-          </ac:picMkLst>
-        </pc:picChg>
-        <pc:picChg chg="mod">
-          <ac:chgData name="Riccardo Berta" userId="c8694f89-bba4-4576-b0a8-456619ca5a8c" providerId="ADAL" clId="{35C5D11B-424E-5B41-A9C4-509DD0A59BFD}" dt="2022-03-22T07:38:47.480" v="14"/>
-          <ac:picMkLst>
-            <pc:docMk/>
-            <pc:sldMk cId="3018556184" sldId="259"/>
-            <ac:picMk id="101" creationId="{00000000-0000-0000-0000-000000000000}"/>
-          </ac:picMkLst>
-        </pc:picChg>
-        <pc:picChg chg="mod">
-          <ac:chgData name="Riccardo Berta" userId="c8694f89-bba4-4576-b0a8-456619ca5a8c" providerId="ADAL" clId="{35C5D11B-424E-5B41-A9C4-509DD0A59BFD}" dt="2022-03-22T07:38:59.538" v="15"/>
-          <ac:picMkLst>
-            <pc:docMk/>
-            <pc:sldMk cId="3018556184" sldId="259"/>
-            <ac:picMk id="102" creationId="{00000000-0000-0000-0000-000000000000}"/>
-          </ac:picMkLst>
-        </pc:picChg>
-        <pc:picChg chg="mod">
-          <ac:chgData name="Riccardo Berta" userId="c8694f89-bba4-4576-b0a8-456619ca5a8c" providerId="ADAL" clId="{35C5D11B-424E-5B41-A9C4-509DD0A59BFD}" dt="2022-03-22T07:39:20.191" v="16"/>
-          <ac:picMkLst>
-            <pc:docMk/>
-            <pc:sldMk cId="3018556184" sldId="259"/>
-            <ac:picMk id="103" creationId="{00000000-0000-0000-0000-000000000000}"/>
-          </ac:picMkLst>
-        </pc:picChg>
-      </pc:sldChg>
-      <pc:sldChg chg="modSp mod">
-        <pc:chgData name="Riccardo Berta" userId="c8694f89-bba4-4576-b0a8-456619ca5a8c" providerId="ADAL" clId="{35C5D11B-424E-5B41-A9C4-509DD0A59BFD}" dt="2022-03-23T07:58:19.601" v="41" actId="20577"/>
-        <pc:sldMkLst>
-          <pc:docMk/>
-          <pc:sldMk cId="1104208334" sldId="260"/>
-        </pc:sldMkLst>
-        <pc:spChg chg="mod">
-          <ac:chgData name="Riccardo Berta" userId="c8694f89-bba4-4576-b0a8-456619ca5a8c" providerId="ADAL" clId="{35C5D11B-424E-5B41-A9C4-509DD0A59BFD}" dt="2022-03-23T07:58:19.601" v="41" actId="20577"/>
-          <ac:spMkLst>
-            <pc:docMk/>
-            <pc:sldMk cId="1104208334" sldId="260"/>
-            <ac:spMk id="109" creationId="{00000000-0000-0000-0000-000000000000}"/>
-          </ac:spMkLst>
-        </pc:spChg>
-        <pc:picChg chg="mod">
-          <ac:chgData name="Riccardo Berta" userId="c8694f89-bba4-4576-b0a8-456619ca5a8c" providerId="ADAL" clId="{35C5D11B-424E-5B41-A9C4-509DD0A59BFD}" dt="2022-03-22T07:40:02.780" v="18"/>
-          <ac:picMkLst>
-            <pc:docMk/>
-            <pc:sldMk cId="1104208334" sldId="260"/>
-            <ac:picMk id="110" creationId="{00000000-0000-0000-0000-000000000000}"/>
-          </ac:picMkLst>
-        </pc:picChg>
-        <pc:picChg chg="mod">
-          <ac:chgData name="Riccardo Berta" userId="c8694f89-bba4-4576-b0a8-456619ca5a8c" providerId="ADAL" clId="{35C5D11B-424E-5B41-A9C4-509DD0A59BFD}" dt="2022-03-22T07:39:46.143" v="17"/>
-          <ac:picMkLst>
-            <pc:docMk/>
-            <pc:sldMk cId="1104208334" sldId="260"/>
-            <ac:picMk id="111" creationId="{00000000-0000-0000-0000-000000000000}"/>
-          </ac:picMkLst>
-        </pc:picChg>
-      </pc:sldChg>
-      <pc:sldChg chg="modSp">
-        <pc:chgData name="Riccardo Berta" userId="c8694f89-bba4-4576-b0a8-456619ca5a8c" providerId="ADAL" clId="{35C5D11B-424E-5B41-A9C4-509DD0A59BFD}" dt="2022-03-22T07:42:45.729" v="19"/>
-        <pc:sldMkLst>
-          <pc:docMk/>
-          <pc:sldMk cId="1290395919" sldId="261"/>
-        </pc:sldMkLst>
-        <pc:picChg chg="mod">
-          <ac:chgData name="Riccardo Berta" userId="c8694f89-bba4-4576-b0a8-456619ca5a8c" providerId="ADAL" clId="{35C5D11B-424E-5B41-A9C4-509DD0A59BFD}" dt="2022-03-22T07:42:45.729" v="19"/>
-          <ac:picMkLst>
-            <pc:docMk/>
-            <pc:sldMk cId="1290395919" sldId="261"/>
-            <ac:picMk id="119" creationId="{00000000-0000-0000-0000-000000000000}"/>
-          </ac:picMkLst>
-        </pc:picChg>
-      </pc:sldChg>
-      <pc:sldChg chg="modSp mod modNotes">
-        <pc:chgData name="Riccardo Berta" userId="c8694f89-bba4-4576-b0a8-456619ca5a8c" providerId="ADAL" clId="{35C5D11B-424E-5B41-A9C4-509DD0A59BFD}" dt="2022-03-25T14:38:53.205" v="88" actId="20577"/>
-        <pc:sldMkLst>
-          <pc:docMk/>
-          <pc:sldMk cId="4130549615" sldId="262"/>
-        </pc:sldMkLst>
-        <pc:spChg chg="mod">
-          <ac:chgData name="Riccardo Berta" userId="c8694f89-bba4-4576-b0a8-456619ca5a8c" providerId="ADAL" clId="{35C5D11B-424E-5B41-A9C4-509DD0A59BFD}" dt="2022-03-25T14:38:53.205" v="88" actId="20577"/>
-          <ac:spMkLst>
-            <pc:docMk/>
-            <pc:sldMk cId="4130549615" sldId="262"/>
-            <ac:spMk id="125" creationId="{00000000-0000-0000-0000-000000000000}"/>
-          </ac:spMkLst>
-        </pc:spChg>
-        <pc:picChg chg="mod">
-          <ac:chgData name="Riccardo Berta" userId="c8694f89-bba4-4576-b0a8-456619ca5a8c" providerId="ADAL" clId="{35C5D11B-424E-5B41-A9C4-509DD0A59BFD}" dt="2022-03-22T07:43:02.767" v="20"/>
-          <ac:picMkLst>
-            <pc:docMk/>
-            <pc:sldMk cId="4130549615" sldId="262"/>
-            <ac:picMk id="126" creationId="{00000000-0000-0000-0000-000000000000}"/>
-          </ac:picMkLst>
-        </pc:picChg>
-      </pc:sldChg>
-      <pc:sldChg chg="modSp">
-        <pc:chgData name="Riccardo Berta" userId="c8694f89-bba4-4576-b0a8-456619ca5a8c" providerId="ADAL" clId="{35C5D11B-424E-5B41-A9C4-509DD0A59BFD}" dt="2022-03-22T07:43:16.691" v="21"/>
-        <pc:sldMkLst>
-          <pc:docMk/>
-          <pc:sldMk cId="3102138681" sldId="263"/>
-        </pc:sldMkLst>
-        <pc:picChg chg="mod">
-          <ac:chgData name="Riccardo Berta" userId="c8694f89-bba4-4576-b0a8-456619ca5a8c" providerId="ADAL" clId="{35C5D11B-424E-5B41-A9C4-509DD0A59BFD}" dt="2022-03-22T07:43:16.691" v="21"/>
-          <ac:picMkLst>
-            <pc:docMk/>
-            <pc:sldMk cId="3102138681" sldId="263"/>
-            <ac:picMk id="133" creationId="{00000000-0000-0000-0000-000000000000}"/>
-          </ac:picMkLst>
-        </pc:picChg>
-      </pc:sldChg>
-      <pc:sldChg chg="modSp mod">
-        <pc:chgData name="Riccardo Berta" userId="c8694f89-bba4-4576-b0a8-456619ca5a8c" providerId="ADAL" clId="{35C5D11B-424E-5B41-A9C4-509DD0A59BFD}" dt="2022-03-25T15:16:54.434" v="126" actId="20577"/>
-        <pc:sldMkLst>
-          <pc:docMk/>
-          <pc:sldMk cId="2113557187" sldId="264"/>
-        </pc:sldMkLst>
-        <pc:spChg chg="mod">
-          <ac:chgData name="Riccardo Berta" userId="c8694f89-bba4-4576-b0a8-456619ca5a8c" providerId="ADAL" clId="{35C5D11B-424E-5B41-A9C4-509DD0A59BFD}" dt="2022-03-25T15:16:54.434" v="126" actId="20577"/>
-          <ac:spMkLst>
-            <pc:docMk/>
-            <pc:sldMk cId="2113557187" sldId="264"/>
-            <ac:spMk id="139" creationId="{00000000-0000-0000-0000-000000000000}"/>
-          </ac:spMkLst>
-        </pc:spChg>
-        <pc:picChg chg="mod">
-          <ac:chgData name="Riccardo Berta" userId="c8694f89-bba4-4576-b0a8-456619ca5a8c" providerId="ADAL" clId="{35C5D11B-424E-5B41-A9C4-509DD0A59BFD}" dt="2022-03-22T07:43:33.267" v="22"/>
-          <ac:picMkLst>
-            <pc:docMk/>
-            <pc:sldMk cId="2113557187" sldId="264"/>
-            <ac:picMk id="141" creationId="{00000000-0000-0000-0000-000000000000}"/>
-          </ac:picMkLst>
-        </pc:picChg>
-        <pc:picChg chg="mod">
-          <ac:chgData name="Riccardo Berta" userId="c8694f89-bba4-4576-b0a8-456619ca5a8c" providerId="ADAL" clId="{35C5D11B-424E-5B41-A9C4-509DD0A59BFD}" dt="2022-03-22T07:43:50.362" v="23"/>
-          <ac:picMkLst>
-            <pc:docMk/>
-            <pc:sldMk cId="2113557187" sldId="264"/>
-            <ac:picMk id="142" creationId="{00000000-0000-0000-0000-000000000000}"/>
-          </ac:picMkLst>
-        </pc:picChg>
-      </pc:sldChg>
-      <pc:sldChg chg="modSp">
-        <pc:chgData name="Riccardo Berta" userId="c8694f89-bba4-4576-b0a8-456619ca5a8c" providerId="ADAL" clId="{35C5D11B-424E-5B41-A9C4-509DD0A59BFD}" dt="2022-03-22T07:44:03.240" v="24"/>
-        <pc:sldMkLst>
-          <pc:docMk/>
-          <pc:sldMk cId="2045385232" sldId="265"/>
-        </pc:sldMkLst>
-        <pc:picChg chg="mod">
-          <ac:chgData name="Riccardo Berta" userId="c8694f89-bba4-4576-b0a8-456619ca5a8c" providerId="ADAL" clId="{35C5D11B-424E-5B41-A9C4-509DD0A59BFD}" dt="2022-03-22T07:44:03.240" v="24"/>
-          <ac:picMkLst>
-            <pc:docMk/>
-            <pc:sldMk cId="2045385232" sldId="265"/>
-            <ac:picMk id="149" creationId="{00000000-0000-0000-0000-000000000000}"/>
-          </ac:picMkLst>
-        </pc:picChg>
-      </pc:sldChg>
-      <pc:sldChg chg="modSp">
-        <pc:chgData name="Riccardo Berta" userId="c8694f89-bba4-4576-b0a8-456619ca5a8c" providerId="ADAL" clId="{35C5D11B-424E-5B41-A9C4-509DD0A59BFD}" dt="2022-03-22T07:44:22.734" v="25"/>
-        <pc:sldMkLst>
-          <pc:docMk/>
-          <pc:sldMk cId="4181844165" sldId="266"/>
-        </pc:sldMkLst>
-        <pc:picChg chg="mod">
-          <ac:chgData name="Riccardo Berta" userId="c8694f89-bba4-4576-b0a8-456619ca5a8c" providerId="ADAL" clId="{35C5D11B-424E-5B41-A9C4-509DD0A59BFD}" dt="2022-03-22T07:44:22.734" v="25"/>
-          <ac:picMkLst>
-            <pc:docMk/>
-            <pc:sldMk cId="4181844165" sldId="266"/>
-            <ac:picMk id="156" creationId="{00000000-0000-0000-0000-000000000000}"/>
-          </ac:picMkLst>
-        </pc:picChg>
-      </pc:sldChg>
-      <pc:sldChg chg="modSp mod">
-        <pc:chgData name="Riccardo Berta" userId="c8694f89-bba4-4576-b0a8-456619ca5a8c" providerId="ADAL" clId="{35C5D11B-424E-5B41-A9C4-509DD0A59BFD}" dt="2022-04-01T12:12:56.906" v="135" actId="20577"/>
-        <pc:sldMkLst>
-          <pc:docMk/>
-          <pc:sldMk cId="216455838" sldId="267"/>
-        </pc:sldMkLst>
-        <pc:spChg chg="mod">
-          <ac:chgData name="Riccardo Berta" userId="c8694f89-bba4-4576-b0a8-456619ca5a8c" providerId="ADAL" clId="{35C5D11B-424E-5B41-A9C4-509DD0A59BFD}" dt="2022-04-01T12:12:56.906" v="135" actId="20577"/>
-          <ac:spMkLst>
-            <pc:docMk/>
-            <pc:sldMk cId="216455838" sldId="267"/>
-            <ac:spMk id="162" creationId="{00000000-0000-0000-0000-000000000000}"/>
-          </ac:spMkLst>
-        </pc:spChg>
-        <pc:picChg chg="mod">
-          <ac:chgData name="Riccardo Berta" userId="c8694f89-bba4-4576-b0a8-456619ca5a8c" providerId="ADAL" clId="{35C5D11B-424E-5B41-A9C4-509DD0A59BFD}" dt="2022-03-22T07:44:34.392" v="26"/>
-          <ac:picMkLst>
-            <pc:docMk/>
-            <pc:sldMk cId="216455838" sldId="267"/>
-            <ac:picMk id="163" creationId="{00000000-0000-0000-0000-000000000000}"/>
-          </ac:picMkLst>
-        </pc:picChg>
-      </pc:sldChg>
-      <pc:sldChg chg="del">
-        <pc:chgData name="Riccardo Berta" userId="c8694f89-bba4-4576-b0a8-456619ca5a8c" providerId="ADAL" clId="{35C5D11B-424E-5B41-A9C4-509DD0A59BFD}" dt="2022-03-22T07:29:13.529" v="3" actId="2696"/>
-        <pc:sldMkLst>
-          <pc:docMk/>
-          <pc:sldMk cId="925286286" sldId="268"/>
-        </pc:sldMkLst>
-      </pc:sldChg>
-      <pc:sldChg chg="modSp">
-        <pc:chgData name="Riccardo Berta" userId="c8694f89-bba4-4576-b0a8-456619ca5a8c" providerId="ADAL" clId="{35C5D11B-424E-5B41-A9C4-509DD0A59BFD}" dt="2022-03-22T07:44:59.403" v="28"/>
-        <pc:sldMkLst>
-          <pc:docMk/>
-          <pc:sldMk cId="3471997037" sldId="269"/>
-        </pc:sldMkLst>
-        <pc:picChg chg="mod">
-          <ac:chgData name="Riccardo Berta" userId="c8694f89-bba4-4576-b0a8-456619ca5a8c" providerId="ADAL" clId="{35C5D11B-424E-5B41-A9C4-509DD0A59BFD}" dt="2022-03-22T07:44:47.754" v="27"/>
-          <ac:picMkLst>
-            <pc:docMk/>
-            <pc:sldMk cId="3471997037" sldId="269"/>
-            <ac:picMk id="176" creationId="{00000000-0000-0000-0000-000000000000}"/>
-          </ac:picMkLst>
-        </pc:picChg>
-        <pc:picChg chg="mod">
-          <ac:chgData name="Riccardo Berta" userId="c8694f89-bba4-4576-b0a8-456619ca5a8c" providerId="ADAL" clId="{35C5D11B-424E-5B41-A9C4-509DD0A59BFD}" dt="2022-03-22T07:44:59.403" v="28"/>
-          <ac:picMkLst>
-            <pc:docMk/>
-            <pc:sldMk cId="3471997037" sldId="269"/>
-            <ac:picMk id="177" creationId="{00000000-0000-0000-0000-000000000000}"/>
-          </ac:picMkLst>
-        </pc:picChg>
-      </pc:sldChg>
-      <pc:sldChg chg="modSp mod">
-        <pc:chgData name="Riccardo Berta" userId="c8694f89-bba4-4576-b0a8-456619ca5a8c" providerId="ADAL" clId="{35C5D11B-424E-5B41-A9C4-509DD0A59BFD}" dt="2022-03-22T07:47:03.443" v="33"/>
-        <pc:sldMkLst>
-          <pc:docMk/>
-          <pc:sldMk cId="3130917410" sldId="270"/>
-        </pc:sldMkLst>
-        <pc:picChg chg="mod">
-          <ac:chgData name="Riccardo Berta" userId="c8694f89-bba4-4576-b0a8-456619ca5a8c" providerId="ADAL" clId="{35C5D11B-424E-5B41-A9C4-509DD0A59BFD}" dt="2022-03-22T07:46:52.226" v="32"/>
-          <ac:picMkLst>
-            <pc:docMk/>
-            <pc:sldMk cId="3130917410" sldId="270"/>
-            <ac:picMk id="184" creationId="{00000000-0000-0000-0000-000000000000}"/>
-          </ac:picMkLst>
-        </pc:picChg>
-        <pc:picChg chg="mod">
-          <ac:chgData name="Riccardo Berta" userId="c8694f89-bba4-4576-b0a8-456619ca5a8c" providerId="ADAL" clId="{35C5D11B-424E-5B41-A9C4-509DD0A59BFD}" dt="2022-03-22T07:47:03.443" v="33"/>
-          <ac:picMkLst>
-            <pc:docMk/>
-            <pc:sldMk cId="3130917410" sldId="270"/>
-            <ac:picMk id="185" creationId="{00000000-0000-0000-0000-000000000000}"/>
-          </ac:picMkLst>
-        </pc:picChg>
-      </pc:sldChg>
-      <pc:sldChg chg="modSp mod">
-        <pc:chgData name="Riccardo Berta" userId="c8694f89-bba4-4576-b0a8-456619ca5a8c" providerId="ADAL" clId="{35C5D11B-424E-5B41-A9C4-509DD0A59BFD}" dt="2022-03-22T07:47:51.976" v="38"/>
-        <pc:sldMkLst>
-          <pc:docMk/>
-          <pc:sldMk cId="2266699268" sldId="271"/>
-        </pc:sldMkLst>
-        <pc:picChg chg="mod">
-          <ac:chgData name="Riccardo Berta" userId="c8694f89-bba4-4576-b0a8-456619ca5a8c" providerId="ADAL" clId="{35C5D11B-424E-5B41-A9C4-509DD0A59BFD}" dt="2022-03-22T07:47:14.728" v="34"/>
-          <ac:picMkLst>
-            <pc:docMk/>
-            <pc:sldMk cId="2266699268" sldId="271"/>
-            <ac:picMk id="193" creationId="{00000000-0000-0000-0000-000000000000}"/>
-          </ac:picMkLst>
-        </pc:picChg>
-        <pc:picChg chg="mod">
-          <ac:chgData name="Riccardo Berta" userId="c8694f89-bba4-4576-b0a8-456619ca5a8c" providerId="ADAL" clId="{35C5D11B-424E-5B41-A9C4-509DD0A59BFD}" dt="2022-03-22T07:47:31.485" v="36"/>
-          <ac:picMkLst>
-            <pc:docMk/>
-            <pc:sldMk cId="2266699268" sldId="271"/>
-            <ac:picMk id="194" creationId="{00000000-0000-0000-0000-000000000000}"/>
-          </ac:picMkLst>
-        </pc:picChg>
-        <pc:picChg chg="mod">
-          <ac:chgData name="Riccardo Berta" userId="c8694f89-bba4-4576-b0a8-456619ca5a8c" providerId="ADAL" clId="{35C5D11B-424E-5B41-A9C4-509DD0A59BFD}" dt="2022-03-22T07:47:51.976" v="38"/>
-          <ac:picMkLst>
-            <pc:docMk/>
-            <pc:sldMk cId="2266699268" sldId="271"/>
-            <ac:picMk id="195" creationId="{00000000-0000-0000-0000-000000000000}"/>
-          </ac:picMkLst>
-        </pc:picChg>
-      </pc:sldChg>
-      <pc:sldChg chg="modSp mod ord">
-        <pc:chgData name="Riccardo Berta" userId="c8694f89-bba4-4576-b0a8-456619ca5a8c" providerId="ADAL" clId="{35C5D11B-424E-5B41-A9C4-509DD0A59BFD}" dt="2022-03-22T07:29:04.952" v="2"/>
-        <pc:sldMkLst>
-          <pc:docMk/>
-          <pc:sldMk cId="993270251" sldId="272"/>
-        </pc:sldMkLst>
-        <pc:spChg chg="mod">
-          <ac:chgData name="Riccardo Berta" userId="c8694f89-bba4-4576-b0a8-456619ca5a8c" providerId="ADAL" clId="{35C5D11B-424E-5B41-A9C4-509DD0A59BFD}" dt="2022-03-22T07:29:04.952" v="2"/>
-          <ac:spMkLst>
-            <pc:docMk/>
-            <pc:sldMk cId="993270251" sldId="272"/>
-            <ac:spMk id="201" creationId="{00000000-0000-0000-0000-000000000000}"/>
-          </ac:spMkLst>
-        </pc:spChg>
-      </pc:sldChg>
-      <pc:sldChg chg="modSp">
-        <pc:chgData name="Riccardo Berta" userId="c8694f89-bba4-4576-b0a8-456619ca5a8c" providerId="ADAL" clId="{35C5D11B-424E-5B41-A9C4-509DD0A59BFD}" dt="2022-03-22T07:48:04.230" v="39"/>
-        <pc:sldMkLst>
-          <pc:docMk/>
-          <pc:sldMk cId="3843819371" sldId="273"/>
-        </pc:sldMkLst>
-        <pc:picChg chg="mod">
-          <ac:chgData name="Riccardo Berta" userId="c8694f89-bba4-4576-b0a8-456619ca5a8c" providerId="ADAL" clId="{35C5D11B-424E-5B41-A9C4-509DD0A59BFD}" dt="2022-03-22T07:48:04.230" v="39"/>
-          <ac:picMkLst>
-            <pc:docMk/>
-            <pc:sldMk cId="3843819371" sldId="273"/>
-            <ac:picMk id="210" creationId="{00000000-0000-0000-0000-000000000000}"/>
-          </ac:picMkLst>
-        </pc:picChg>
-      </pc:sldChg>
-      <pc:sldChg chg="modSp">
-        <pc:chgData name="Riccardo Berta" userId="c8694f89-bba4-4576-b0a8-456619ca5a8c" providerId="ADAL" clId="{35C5D11B-424E-5B41-A9C4-509DD0A59BFD}" dt="2022-03-22T07:48:21.111" v="40"/>
-        <pc:sldMkLst>
-          <pc:docMk/>
-          <pc:sldMk cId="284781631" sldId="275"/>
-        </pc:sldMkLst>
-        <pc:picChg chg="mod">
-          <ac:chgData name="Riccardo Berta" userId="c8694f89-bba4-4576-b0a8-456619ca5a8c" providerId="ADAL" clId="{35C5D11B-424E-5B41-A9C4-509DD0A59BFD}" dt="2022-03-22T07:48:21.111" v="40"/>
-          <ac:picMkLst>
-            <pc:docMk/>
-            <pc:sldMk cId="284781631" sldId="275"/>
-            <ac:picMk id="224" creationId="{00000000-0000-0000-0000-000000000000}"/>
-          </ac:picMkLst>
-        </pc:picChg>
-      </pc:sldChg>
-    </pc:docChg>
-  </pc:docChgLst>
-  <pc:docChgLst>
-    <pc:chgData name="Riccardo Berta" userId="c8694f89-bba4-4576-b0a8-456619ca5a8c" providerId="ADAL" clId="{89457721-8AF9-BB44-BAF2-46F7B0D7D7E8}"/>
-    <pc:docChg chg="custSel addSld delSld modSld">
-      <pc:chgData name="Riccardo Berta" userId="c8694f89-bba4-4576-b0a8-456619ca5a8c" providerId="ADAL" clId="{89457721-8AF9-BB44-BAF2-46F7B0D7D7E8}" dt="2022-08-30T09:55:24.863" v="44" actId="20577"/>
-      <pc:docMkLst>
-        <pc:docMk/>
-      </pc:docMkLst>
-      <pc:sldChg chg="modSp mod">
-        <pc:chgData name="Riccardo Berta" userId="c8694f89-bba4-4576-b0a8-456619ca5a8c" providerId="ADAL" clId="{89457721-8AF9-BB44-BAF2-46F7B0D7D7E8}" dt="2022-08-30T09:54:06.379" v="7" actId="20577"/>
-        <pc:sldMkLst>
-          <pc:docMk/>
-          <pc:sldMk cId="0" sldId="256"/>
-        </pc:sldMkLst>
-        <pc:spChg chg="mod">
-          <ac:chgData name="Riccardo Berta" userId="c8694f89-bba4-4576-b0a8-456619ca5a8c" providerId="ADAL" clId="{89457721-8AF9-BB44-BAF2-46F7B0D7D7E8}" dt="2022-08-30T09:54:06.379" v="7" actId="20577"/>
-          <ac:spMkLst>
-            <pc:docMk/>
-            <pc:sldMk cId="0" sldId="256"/>
-            <ac:spMk id="62" creationId="{00000000-0000-0000-0000-000000000000}"/>
-          </ac:spMkLst>
-        </pc:spChg>
-      </pc:sldChg>
-      <pc:sldChg chg="delSp modSp mod">
-        <pc:chgData name="Riccardo Berta" userId="c8694f89-bba4-4576-b0a8-456619ca5a8c" providerId="ADAL" clId="{89457721-8AF9-BB44-BAF2-46F7B0D7D7E8}" dt="2022-08-30T09:54:23.221" v="18" actId="478"/>
-        <pc:sldMkLst>
-          <pc:docMk/>
-          <pc:sldMk cId="0" sldId="257"/>
-        </pc:sldMkLst>
-        <pc:spChg chg="mod">
-          <ac:chgData name="Riccardo Berta" userId="c8694f89-bba4-4576-b0a8-456619ca5a8c" providerId="ADAL" clId="{89457721-8AF9-BB44-BAF2-46F7B0D7D7E8}" dt="2022-08-30T09:54:14.367" v="13" actId="20577"/>
-          <ac:spMkLst>
-            <pc:docMk/>
-            <pc:sldMk cId="0" sldId="257"/>
-            <ac:spMk id="83" creationId="{00000000-0000-0000-0000-000000000000}"/>
-          </ac:spMkLst>
-        </pc:spChg>
-        <pc:spChg chg="mod">
-          <ac:chgData name="Riccardo Berta" userId="c8694f89-bba4-4576-b0a8-456619ca5a8c" providerId="ADAL" clId="{89457721-8AF9-BB44-BAF2-46F7B0D7D7E8}" dt="2022-08-30T09:54:19.217" v="17" actId="20577"/>
-          <ac:spMkLst>
-            <pc:docMk/>
-            <pc:sldMk cId="0" sldId="257"/>
-            <ac:spMk id="84" creationId="{00000000-0000-0000-0000-000000000000}"/>
-          </ac:spMkLst>
-        </pc:spChg>
-        <pc:picChg chg="del">
-          <ac:chgData name="Riccardo Berta" userId="c8694f89-bba4-4576-b0a8-456619ca5a8c" providerId="ADAL" clId="{89457721-8AF9-BB44-BAF2-46F7B0D7D7E8}" dt="2022-08-30T09:54:23.221" v="18" actId="478"/>
-          <ac:picMkLst>
-            <pc:docMk/>
-            <pc:sldMk cId="0" sldId="257"/>
-            <ac:picMk id="3" creationId="{EE0D0F3E-A843-92E5-ABBC-F41E3CA3C922}"/>
-          </ac:picMkLst>
-        </pc:picChg>
-        <pc:picChg chg="del">
-          <ac:chgData name="Riccardo Berta" userId="c8694f89-bba4-4576-b0a8-456619ca5a8c" providerId="ADAL" clId="{89457721-8AF9-BB44-BAF2-46F7B0D7D7E8}" dt="2022-08-30T09:54:16.325" v="14" actId="478"/>
-          <ac:picMkLst>
-            <pc:docMk/>
-            <pc:sldMk cId="0" sldId="257"/>
-            <ac:picMk id="5" creationId="{692F2B73-F6B6-F2AC-BB2A-2B1020944694}"/>
-          </ac:picMkLst>
-        </pc:picChg>
-      </pc:sldChg>
-      <pc:sldChg chg="modSp mod">
-        <pc:chgData name="Riccardo Berta" userId="c8694f89-bba4-4576-b0a8-456619ca5a8c" providerId="ADAL" clId="{89457721-8AF9-BB44-BAF2-46F7B0D7D7E8}" dt="2022-08-30T09:54:11.362" v="10" actId="20577"/>
-        <pc:sldMkLst>
-          <pc:docMk/>
-          <pc:sldMk cId="3018556184" sldId="259"/>
-        </pc:sldMkLst>
-        <pc:spChg chg="mod">
-          <ac:chgData name="Riccardo Berta" userId="c8694f89-bba4-4576-b0a8-456619ca5a8c" providerId="ADAL" clId="{89457721-8AF9-BB44-BAF2-46F7B0D7D7E8}" dt="2022-08-30T09:54:11.362" v="10" actId="20577"/>
-          <ac:spMkLst>
-            <pc:docMk/>
-            <pc:sldMk cId="3018556184" sldId="259"/>
-            <ac:spMk id="3" creationId="{38BFAA1C-1163-169B-2D77-6FEF73CC8512}"/>
-          </ac:spMkLst>
-        </pc:spChg>
-      </pc:sldChg>
-      <pc:sldChg chg="add">
-        <pc:chgData name="Riccardo Berta" userId="c8694f89-bba4-4576-b0a8-456619ca5a8c" providerId="ADAL" clId="{89457721-8AF9-BB44-BAF2-46F7B0D7D7E8}" dt="2022-08-30T09:54:31.238" v="24"/>
-        <pc:sldMkLst>
-          <pc:docMk/>
-          <pc:sldMk cId="3239712184" sldId="260"/>
-        </pc:sldMkLst>
-      </pc:sldChg>
-      <pc:sldChg chg="del">
-        <pc:chgData name="Riccardo Berta" userId="c8694f89-bba4-4576-b0a8-456619ca5a8c" providerId="ADAL" clId="{89457721-8AF9-BB44-BAF2-46F7B0D7D7E8}" dt="2022-08-30T09:54:26.068" v="19" actId="2696"/>
-        <pc:sldMkLst>
-          <pc:docMk/>
-          <pc:sldMk cId="3692252167" sldId="260"/>
-        </pc:sldMkLst>
-      </pc:sldChg>
-      <pc:sldChg chg="add">
-        <pc:chgData name="Riccardo Berta" userId="c8694f89-bba4-4576-b0a8-456619ca5a8c" providerId="ADAL" clId="{89457721-8AF9-BB44-BAF2-46F7B0D7D7E8}" dt="2022-08-30T09:54:32.176" v="25"/>
-        <pc:sldMkLst>
-          <pc:docMk/>
-          <pc:sldMk cId="723946338" sldId="261"/>
-        </pc:sldMkLst>
-      </pc:sldChg>
-      <pc:sldChg chg="del">
-        <pc:chgData name="Riccardo Berta" userId="c8694f89-bba4-4576-b0a8-456619ca5a8c" providerId="ADAL" clId="{89457721-8AF9-BB44-BAF2-46F7B0D7D7E8}" dt="2022-08-30T09:54:26.532" v="20" actId="2696"/>
-        <pc:sldMkLst>
-          <pc:docMk/>
-          <pc:sldMk cId="846979211" sldId="261"/>
-        </pc:sldMkLst>
-      </pc:sldChg>
-      <pc:sldChg chg="del">
-        <pc:chgData name="Riccardo Berta" userId="c8694f89-bba4-4576-b0a8-456619ca5a8c" providerId="ADAL" clId="{89457721-8AF9-BB44-BAF2-46F7B0D7D7E8}" dt="2022-08-30T09:54:26.938" v="21" actId="2696"/>
-        <pc:sldMkLst>
-          <pc:docMk/>
-          <pc:sldMk cId="447929702" sldId="262"/>
-        </pc:sldMkLst>
-      </pc:sldChg>
-      <pc:sldChg chg="add">
-        <pc:chgData name="Riccardo Berta" userId="c8694f89-bba4-4576-b0a8-456619ca5a8c" providerId="ADAL" clId="{89457721-8AF9-BB44-BAF2-46F7B0D7D7E8}" dt="2022-08-30T09:54:33.167" v="26"/>
-        <pc:sldMkLst>
-          <pc:docMk/>
-          <pc:sldMk cId="1167696200" sldId="262"/>
-        </pc:sldMkLst>
-      </pc:sldChg>
-      <pc:sldChg chg="del">
-        <pc:chgData name="Riccardo Berta" userId="c8694f89-bba4-4576-b0a8-456619ca5a8c" providerId="ADAL" clId="{89457721-8AF9-BB44-BAF2-46F7B0D7D7E8}" dt="2022-08-30T09:54:27.400" v="22" actId="2696"/>
-        <pc:sldMkLst>
-          <pc:docMk/>
-          <pc:sldMk cId="11402927" sldId="263"/>
-        </pc:sldMkLst>
-      </pc:sldChg>
-      <pc:sldChg chg="modSp add mod">
-        <pc:chgData name="Riccardo Berta" userId="c8694f89-bba4-4576-b0a8-456619ca5a8c" providerId="ADAL" clId="{89457721-8AF9-BB44-BAF2-46F7B0D7D7E8}" dt="2022-08-30T09:55:24.863" v="44" actId="20577"/>
-        <pc:sldMkLst>
-          <pc:docMk/>
-          <pc:sldMk cId="1817587258" sldId="263"/>
-        </pc:sldMkLst>
-        <pc:spChg chg="mod">
-          <ac:chgData name="Riccardo Berta" userId="c8694f89-bba4-4576-b0a8-456619ca5a8c" providerId="ADAL" clId="{89457721-8AF9-BB44-BAF2-46F7B0D7D7E8}" dt="2022-08-30T09:54:51.021" v="28"/>
-          <ac:spMkLst>
-            <pc:docMk/>
-            <pc:sldMk cId="1817587258" sldId="263"/>
-            <ac:spMk id="83" creationId="{00000000-0000-0000-0000-000000000000}"/>
-          </ac:spMkLst>
-        </pc:spChg>
-        <pc:spChg chg="mod">
-          <ac:chgData name="Riccardo Berta" userId="c8694f89-bba4-4576-b0a8-456619ca5a8c" providerId="ADAL" clId="{89457721-8AF9-BB44-BAF2-46F7B0D7D7E8}" dt="2022-08-30T09:55:24.863" v="44" actId="20577"/>
-          <ac:spMkLst>
-            <pc:docMk/>
-            <pc:sldMk cId="1817587258" sldId="263"/>
-            <ac:spMk id="84" creationId="{00000000-0000-0000-0000-000000000000}"/>
-          </ac:spMkLst>
-        </pc:spChg>
-      </pc:sldChg>
-      <pc:sldChg chg="del">
-        <pc:chgData name="Riccardo Berta" userId="c8694f89-bba4-4576-b0a8-456619ca5a8c" providerId="ADAL" clId="{89457721-8AF9-BB44-BAF2-46F7B0D7D7E8}" dt="2022-08-30T09:54:27.959" v="23" actId="2696"/>
-        <pc:sldMkLst>
-          <pc:docMk/>
-          <pc:sldMk cId="2794482370" sldId="264"/>
-        </pc:sldMkLst>
-      </pc:sldChg>
-    </pc:docChg>
-  </pc:docChgLst>
-  <pc:docChgLst>
-    <pc:chgData name="Riccardo Berta" userId="c8694f89-bba4-4576-b0a8-456619ca5a8c" providerId="ADAL" clId="{94B61ABA-6FC4-8B4A-BF77-D9D519E7FBC8}"/>
-    <pc:docChg chg="undo custSel addSld delSld modSld">
-      <pc:chgData name="Riccardo Berta" userId="c8694f89-bba4-4576-b0a8-456619ca5a8c" providerId="ADAL" clId="{94B61ABA-6FC4-8B4A-BF77-D9D519E7FBC8}" dt="2022-12-07T07:14:24.545" v="409" actId="1038"/>
-      <pc:docMkLst>
-        <pc:docMk/>
-      </pc:docMkLst>
-      <pc:sldChg chg="modSp mod">
-        <pc:chgData name="Riccardo Berta" userId="c8694f89-bba4-4576-b0a8-456619ca5a8c" providerId="ADAL" clId="{94B61ABA-6FC4-8B4A-BF77-D9D519E7FBC8}" dt="2022-12-01T15:13:55.477" v="165" actId="20577"/>
-        <pc:sldMkLst>
-          <pc:docMk/>
-          <pc:sldMk cId="0" sldId="257"/>
-        </pc:sldMkLst>
-        <pc:spChg chg="mod">
-          <ac:chgData name="Riccardo Berta" userId="c8694f89-bba4-4576-b0a8-456619ca5a8c" providerId="ADAL" clId="{94B61ABA-6FC4-8B4A-BF77-D9D519E7FBC8}" dt="2022-12-01T15:11:47.665" v="1"/>
-          <ac:spMkLst>
-            <pc:docMk/>
-            <pc:sldMk cId="0" sldId="257"/>
-            <ac:spMk id="83" creationId="{00000000-0000-0000-0000-000000000000}"/>
-          </ac:spMkLst>
-        </pc:spChg>
-        <pc:spChg chg="mod">
-          <ac:chgData name="Riccardo Berta" userId="c8694f89-bba4-4576-b0a8-456619ca5a8c" providerId="ADAL" clId="{94B61ABA-6FC4-8B4A-BF77-D9D519E7FBC8}" dt="2022-12-01T15:13:55.477" v="165" actId="20577"/>
-          <ac:spMkLst>
-            <pc:docMk/>
-            <pc:sldMk cId="0" sldId="257"/>
-            <ac:spMk id="84" creationId="{00000000-0000-0000-0000-000000000000}"/>
-          </ac:spMkLst>
-        </pc:spChg>
-      </pc:sldChg>
-      <pc:sldChg chg="modSp mod">
-        <pc:chgData name="Riccardo Berta" userId="c8694f89-bba4-4576-b0a8-456619ca5a8c" providerId="ADAL" clId="{94B61ABA-6FC4-8B4A-BF77-D9D519E7FBC8}" dt="2022-12-01T15:12:30.976" v="59"/>
-        <pc:sldMkLst>
-          <pc:docMk/>
-          <pc:sldMk cId="3018556184" sldId="259"/>
-        </pc:sldMkLst>
-        <pc:spChg chg="mod">
-          <ac:chgData name="Riccardo Berta" userId="c8694f89-bba4-4576-b0a8-456619ca5a8c" providerId="ADAL" clId="{94B61ABA-6FC4-8B4A-BF77-D9D519E7FBC8}" dt="2022-12-01T15:12:30.976" v="59"/>
-          <ac:spMkLst>
-            <pc:docMk/>
-            <pc:sldMk cId="3018556184" sldId="259"/>
-            <ac:spMk id="3" creationId="{38BFAA1C-1163-169B-2D77-6FEF73CC8512}"/>
-          </ac:spMkLst>
-        </pc:spChg>
-      </pc:sldChg>
-      <pc:sldChg chg="modSp mod">
-        <pc:chgData name="Riccardo Berta" userId="c8694f89-bba4-4576-b0a8-456619ca5a8c" providerId="ADAL" clId="{94B61ABA-6FC4-8B4A-BF77-D9D519E7FBC8}" dt="2022-12-02T06:34:51.577" v="194" actId="20577"/>
-        <pc:sldMkLst>
-          <pc:docMk/>
-          <pc:sldMk cId="723946338" sldId="261"/>
-        </pc:sldMkLst>
-        <pc:spChg chg="mod">
-          <ac:chgData name="Riccardo Berta" userId="c8694f89-bba4-4576-b0a8-456619ca5a8c" providerId="ADAL" clId="{94B61ABA-6FC4-8B4A-BF77-D9D519E7FBC8}" dt="2022-12-02T06:34:51.577" v="194" actId="20577"/>
-          <ac:spMkLst>
-            <pc:docMk/>
-            <pc:sldMk cId="723946338" sldId="261"/>
-            <ac:spMk id="84" creationId="{00000000-0000-0000-0000-000000000000}"/>
-          </ac:spMkLst>
-        </pc:spChg>
-      </pc:sldChg>
-      <pc:sldChg chg="del">
-        <pc:chgData name="Riccardo Berta" userId="c8694f89-bba4-4576-b0a8-456619ca5a8c" providerId="ADAL" clId="{94B61ABA-6FC4-8B4A-BF77-D9D519E7FBC8}" dt="2022-12-01T15:15:29.943" v="192" actId="2696"/>
-        <pc:sldMkLst>
-          <pc:docMk/>
-          <pc:sldMk cId="1817587258" sldId="263"/>
-        </pc:sldMkLst>
-      </pc:sldChg>
-      <pc:sldChg chg="addSp delSp modSp mod">
-        <pc:chgData name="Riccardo Berta" userId="c8694f89-bba4-4576-b0a8-456619ca5a8c" providerId="ADAL" clId="{94B61ABA-6FC4-8B4A-BF77-D9D519E7FBC8}" dt="2022-12-07T06:40:42.522" v="235" actId="20577"/>
-        <pc:sldMkLst>
-          <pc:docMk/>
-          <pc:sldMk cId="3338835471" sldId="265"/>
-        </pc:sldMkLst>
-        <pc:spChg chg="mod">
-          <ac:chgData name="Riccardo Berta" userId="c8694f89-bba4-4576-b0a8-456619ca5a8c" providerId="ADAL" clId="{94B61ABA-6FC4-8B4A-BF77-D9D519E7FBC8}" dt="2022-12-07T06:40:42.522" v="235" actId="20577"/>
-          <ac:spMkLst>
-            <pc:docMk/>
-            <pc:sldMk cId="3338835471" sldId="265"/>
-            <ac:spMk id="83" creationId="{00000000-0000-0000-0000-000000000000}"/>
-          </ac:spMkLst>
-        </pc:spChg>
-        <pc:spChg chg="mod">
-          <ac:chgData name="Riccardo Berta" userId="c8694f89-bba4-4576-b0a8-456619ca5a8c" providerId="ADAL" clId="{94B61ABA-6FC4-8B4A-BF77-D9D519E7FBC8}" dt="2022-12-02T06:42:19.225" v="201" actId="20577"/>
-          <ac:spMkLst>
-            <pc:docMk/>
-            <pc:sldMk cId="3338835471" sldId="265"/>
-            <ac:spMk id="84" creationId="{00000000-0000-0000-0000-000000000000}"/>
-          </ac:spMkLst>
-        </pc:spChg>
-        <pc:picChg chg="add del mod modCrop">
-          <ac:chgData name="Riccardo Berta" userId="c8694f89-bba4-4576-b0a8-456619ca5a8c" providerId="ADAL" clId="{94B61ABA-6FC4-8B4A-BF77-D9D519E7FBC8}" dt="2022-12-07T06:39:48.660" v="230" actId="478"/>
-          <ac:picMkLst>
-            <pc:docMk/>
-            <pc:sldMk cId="3338835471" sldId="265"/>
-            <ac:picMk id="2" creationId="{175E243B-6164-8CF3-663A-3288E757689F}"/>
-          </ac:picMkLst>
-        </pc:picChg>
-      </pc:sldChg>
-      <pc:sldChg chg="modSp mod">
-        <pc:chgData name="Riccardo Berta" userId="c8694f89-bba4-4576-b0a8-456619ca5a8c" providerId="ADAL" clId="{94B61ABA-6FC4-8B4A-BF77-D9D519E7FBC8}" dt="2022-12-02T06:36:44.800" v="199" actId="20577"/>
-        <pc:sldMkLst>
-          <pc:docMk/>
-          <pc:sldMk cId="2145928830" sldId="271"/>
-        </pc:sldMkLst>
-        <pc:spChg chg="mod">
-          <ac:chgData name="Riccardo Berta" userId="c8694f89-bba4-4576-b0a8-456619ca5a8c" providerId="ADAL" clId="{94B61ABA-6FC4-8B4A-BF77-D9D519E7FBC8}" dt="2022-12-02T06:36:44.800" v="199" actId="20577"/>
-          <ac:spMkLst>
-            <pc:docMk/>
-            <pc:sldMk cId="2145928830" sldId="271"/>
-            <ac:spMk id="84" creationId="{00000000-0000-0000-0000-000000000000}"/>
-          </ac:spMkLst>
-        </pc:spChg>
-      </pc:sldChg>
-      <pc:sldChg chg="addSp delSp modSp mod">
-        <pc:chgData name="Riccardo Berta" userId="c8694f89-bba4-4576-b0a8-456619ca5a8c" providerId="ADAL" clId="{94B61ABA-6FC4-8B4A-BF77-D9D519E7FBC8}" dt="2022-12-07T06:38:48.199" v="222" actId="21"/>
-        <pc:sldMkLst>
-          <pc:docMk/>
-          <pc:sldMk cId="1520137878" sldId="272"/>
-        </pc:sldMkLst>
-        <pc:picChg chg="add del mod">
-          <ac:chgData name="Riccardo Berta" userId="c8694f89-bba4-4576-b0a8-456619ca5a8c" providerId="ADAL" clId="{94B61ABA-6FC4-8B4A-BF77-D9D519E7FBC8}" dt="2022-12-07T06:38:48.199" v="222" actId="21"/>
-          <ac:picMkLst>
-            <pc:docMk/>
-            <pc:sldMk cId="1520137878" sldId="272"/>
-            <ac:picMk id="8" creationId="{05DAEC35-44E0-FB16-C08D-370899A23210}"/>
-          </ac:picMkLst>
-        </pc:picChg>
-      </pc:sldChg>
-      <pc:sldChg chg="modSp mod">
-        <pc:chgData name="Riccardo Berta" userId="c8694f89-bba4-4576-b0a8-456619ca5a8c" providerId="ADAL" clId="{94B61ABA-6FC4-8B4A-BF77-D9D519E7FBC8}" dt="2022-12-07T06:48:25.073" v="242" actId="20577"/>
-        <pc:sldMkLst>
-          <pc:docMk/>
-          <pc:sldMk cId="3164666663" sldId="274"/>
-        </pc:sldMkLst>
-        <pc:spChg chg="mod">
-          <ac:chgData name="Riccardo Berta" userId="c8694f89-bba4-4576-b0a8-456619ca5a8c" providerId="ADAL" clId="{94B61ABA-6FC4-8B4A-BF77-D9D519E7FBC8}" dt="2022-12-07T06:48:25.073" v="242" actId="20577"/>
-          <ac:spMkLst>
-            <pc:docMk/>
-            <pc:sldMk cId="3164666663" sldId="274"/>
-            <ac:spMk id="84" creationId="{00000000-0000-0000-0000-000000000000}"/>
-          </ac:spMkLst>
-        </pc:spChg>
-      </pc:sldChg>
-      <pc:sldChg chg="modSp mod">
-        <pc:chgData name="Riccardo Berta" userId="c8694f89-bba4-4576-b0a8-456619ca5a8c" providerId="ADAL" clId="{94B61ABA-6FC4-8B4A-BF77-D9D519E7FBC8}" dt="2022-12-07T06:48:59.100" v="247" actId="20577"/>
-        <pc:sldMkLst>
-          <pc:docMk/>
-          <pc:sldMk cId="3848209052" sldId="275"/>
-        </pc:sldMkLst>
-        <pc:spChg chg="mod">
-          <ac:chgData name="Riccardo Berta" userId="c8694f89-bba4-4576-b0a8-456619ca5a8c" providerId="ADAL" clId="{94B61ABA-6FC4-8B4A-BF77-D9D519E7FBC8}" dt="2022-12-07T06:48:59.100" v="247" actId="20577"/>
-          <ac:spMkLst>
-            <pc:docMk/>
-            <pc:sldMk cId="3848209052" sldId="275"/>
-            <ac:spMk id="84" creationId="{00000000-0000-0000-0000-000000000000}"/>
-          </ac:spMkLst>
-        </pc:spChg>
-      </pc:sldChg>
-      <pc:sldChg chg="delSp modSp mod">
-        <pc:chgData name="Riccardo Berta" userId="c8694f89-bba4-4576-b0a8-456619ca5a8c" providerId="ADAL" clId="{94B61ABA-6FC4-8B4A-BF77-D9D519E7FBC8}" dt="2022-12-07T06:57:08.623" v="280" actId="1076"/>
-        <pc:sldMkLst>
-          <pc:docMk/>
-          <pc:sldMk cId="3374863184" sldId="277"/>
-        </pc:sldMkLst>
-        <pc:spChg chg="mod">
-          <ac:chgData name="Riccardo Berta" userId="c8694f89-bba4-4576-b0a8-456619ca5a8c" providerId="ADAL" clId="{94B61ABA-6FC4-8B4A-BF77-D9D519E7FBC8}" dt="2022-12-07T06:57:03.347" v="278" actId="20577"/>
-          <ac:spMkLst>
-            <pc:docMk/>
-            <pc:sldMk cId="3374863184" sldId="277"/>
+            <pc:sldMk cId="622749539" sldId="280"/>
             <ac:spMk id="84" creationId="{00000000-0000-0000-0000-000000000000}"/>
           </ac:spMkLst>
         </pc:spChg>
         <pc:picChg chg="mod">
-          <ac:chgData name="Riccardo Berta" userId="c8694f89-bba4-4576-b0a8-456619ca5a8c" providerId="ADAL" clId="{94B61ABA-6FC4-8B4A-BF77-D9D519E7FBC8}" dt="2022-12-07T06:57:08.623" v="280" actId="1076"/>
+          <ac:chgData name="Riccardo Berta" userId="c8694f89-bba4-4576-b0a8-456619ca5a8c" providerId="ADAL" clId="{FDDBFC5A-5EA9-5330-BEB8-433D7E3B4C4E}" dt="2025-11-26T16:55:19.124" v="114" actId="1076"/>
           <ac:picMkLst>
             <pc:docMk/>
-            <pc:sldMk cId="3374863184" sldId="277"/>
-            <ac:picMk id="7" creationId="{1CC56025-75A9-DA72-FC5B-5920A392F5DE}"/>
+            <pc:sldMk cId="622749539" sldId="280"/>
+            <ac:picMk id="9" creationId="{F5D3C964-5CE0-9642-955F-E281A5B7FD55}"/>
           </ac:picMkLst>
         </pc:picChg>
         <pc:picChg chg="del">
-          <ac:chgData name="Riccardo Berta" userId="c8694f89-bba4-4576-b0a8-456619ca5a8c" providerId="ADAL" clId="{94B61ABA-6FC4-8B4A-BF77-D9D519E7FBC8}" dt="2022-12-07T06:56:48.196" v="274" actId="478"/>
+          <ac:chgData name="Riccardo Berta" userId="c8694f89-bba4-4576-b0a8-456619ca5a8c" providerId="ADAL" clId="{FDDBFC5A-5EA9-5330-BEB8-433D7E3B4C4E}" dt="2025-11-26T16:55:16.040" v="113" actId="478"/>
           <ac:picMkLst>
             <pc:docMk/>
-            <pc:sldMk cId="3374863184" sldId="277"/>
-            <ac:picMk id="8" creationId="{C4474924-246A-3960-3027-7B58026EDA7B}"/>
-          </ac:picMkLst>
-        </pc:picChg>
-        <pc:picChg chg="mod">
-          <ac:chgData name="Riccardo Berta" userId="c8694f89-bba4-4576-b0a8-456619ca5a8c" providerId="ADAL" clId="{94B61ABA-6FC4-8B4A-BF77-D9D519E7FBC8}" dt="2022-12-07T06:57:05.756" v="279" actId="1076"/>
-          <ac:picMkLst>
-            <pc:docMk/>
-            <pc:sldMk cId="3374863184" sldId="277"/>
-            <ac:picMk id="9" creationId="{FA7AA7A4-ACEC-ED70-F758-102DBF041C8E}"/>
+            <pc:sldMk cId="622749539" sldId="280"/>
+            <ac:picMk id="11" creationId="{F9BB2082-3483-0A2F-6D9A-D441E679ABD8}"/>
           </ac:picMkLst>
         </pc:picChg>
       </pc:sldChg>
-      <pc:sldChg chg="modSp mod">
-        <pc:chgData name="Riccardo Berta" userId="c8694f89-bba4-4576-b0a8-456619ca5a8c" providerId="ADAL" clId="{94B61ABA-6FC4-8B4A-BF77-D9D519E7FBC8}" dt="2022-12-07T06:54:13.491" v="272" actId="1036"/>
-        <pc:sldMkLst>
-          <pc:docMk/>
-          <pc:sldMk cId="3188076125" sldId="278"/>
-        </pc:sldMkLst>
-        <pc:spChg chg="mod">
-          <ac:chgData name="Riccardo Berta" userId="c8694f89-bba4-4576-b0a8-456619ca5a8c" providerId="ADAL" clId="{94B61ABA-6FC4-8B4A-BF77-D9D519E7FBC8}" dt="2022-12-07T06:53:18.432" v="259" actId="1035"/>
-          <ac:spMkLst>
-            <pc:docMk/>
-            <pc:sldMk cId="3188076125" sldId="278"/>
-            <ac:spMk id="84" creationId="{00000000-0000-0000-0000-000000000000}"/>
-          </ac:spMkLst>
-        </pc:spChg>
-        <pc:picChg chg="mod">
-          <ac:chgData name="Riccardo Berta" userId="c8694f89-bba4-4576-b0a8-456619ca5a8c" providerId="ADAL" clId="{94B61ABA-6FC4-8B4A-BF77-D9D519E7FBC8}" dt="2022-12-07T06:53:21.788" v="268" actId="1035"/>
-          <ac:picMkLst>
-            <pc:docMk/>
-            <pc:sldMk cId="3188076125" sldId="278"/>
-            <ac:picMk id="3" creationId="{5D791EAF-67A2-8D75-FB6E-3BBE24D75633}"/>
-          </ac:picMkLst>
-        </pc:picChg>
-        <pc:picChg chg="mod">
-          <ac:chgData name="Riccardo Berta" userId="c8694f89-bba4-4576-b0a8-456619ca5a8c" providerId="ADAL" clId="{94B61ABA-6FC4-8B4A-BF77-D9D519E7FBC8}" dt="2022-12-07T06:54:13.491" v="272" actId="1036"/>
-          <ac:picMkLst>
-            <pc:docMk/>
-            <pc:sldMk cId="3188076125" sldId="278"/>
-            <ac:picMk id="5" creationId="{36FC7BEF-9F15-908F-3468-301B75272A6B}"/>
-          </ac:picMkLst>
-        </pc:picChg>
-      </pc:sldChg>
-      <pc:sldChg chg="modSp mod">
-        <pc:chgData name="Riccardo Berta" userId="c8694f89-bba4-4576-b0a8-456619ca5a8c" providerId="ADAL" clId="{94B61ABA-6FC4-8B4A-BF77-D9D519E7FBC8}" dt="2022-12-07T06:55:06.762" v="273" actId="20577"/>
-        <pc:sldMkLst>
-          <pc:docMk/>
-          <pc:sldMk cId="2973194964" sldId="279"/>
-        </pc:sldMkLst>
-        <pc:spChg chg="mod">
-          <ac:chgData name="Riccardo Berta" userId="c8694f89-bba4-4576-b0a8-456619ca5a8c" providerId="ADAL" clId="{94B61ABA-6FC4-8B4A-BF77-D9D519E7FBC8}" dt="2022-12-07T06:55:06.762" v="273" actId="20577"/>
-          <ac:spMkLst>
-            <pc:docMk/>
-            <pc:sldMk cId="2973194964" sldId="279"/>
-            <ac:spMk id="84" creationId="{00000000-0000-0000-0000-000000000000}"/>
-          </ac:spMkLst>
-        </pc:spChg>
-      </pc:sldChg>
-      <pc:sldChg chg="modSp mod">
-        <pc:chgData name="Riccardo Berta" userId="c8694f89-bba4-4576-b0a8-456619ca5a8c" providerId="ADAL" clId="{94B61ABA-6FC4-8B4A-BF77-D9D519E7FBC8}" dt="2022-12-07T06:59:49.721" v="281" actId="20577"/>
+      <pc:sldChg chg="addSp delSp modSp mod">
+        <pc:chgData name="Riccardo Berta" userId="c8694f89-bba4-4576-b0a8-456619ca5a8c" providerId="ADAL" clId="{FDDBFC5A-5EA9-5330-BEB8-433D7E3B4C4E}" dt="2025-11-27T11:43:30.589" v="158" actId="1076"/>
         <pc:sldMkLst>
           <pc:docMk/>
           <pc:sldMk cId="567034916" sldId="281"/>
         </pc:sldMkLst>
         <pc:spChg chg="mod">
-          <ac:chgData name="Riccardo Berta" userId="c8694f89-bba4-4576-b0a8-456619ca5a8c" providerId="ADAL" clId="{94B61ABA-6FC4-8B4A-BF77-D9D519E7FBC8}" dt="2022-12-07T06:59:49.721" v="281" actId="20577"/>
+          <ac:chgData name="Riccardo Berta" userId="c8694f89-bba4-4576-b0a8-456619ca5a8c" providerId="ADAL" clId="{FDDBFC5A-5EA9-5330-BEB8-433D7E3B4C4E}" dt="2025-11-27T11:43:27.261" v="157" actId="20577"/>
           <ac:spMkLst>
             <pc:docMk/>
             <pc:sldMk cId="567034916" sldId="281"/>
             <ac:spMk id="84" creationId="{00000000-0000-0000-0000-000000000000}"/>
           </ac:spMkLst>
         </pc:spChg>
-      </pc:sldChg>
-      <pc:sldChg chg="modSp mod">
-        <pc:chgData name="Riccardo Berta" userId="c8694f89-bba4-4576-b0a8-456619ca5a8c" providerId="ADAL" clId="{94B61ABA-6FC4-8B4A-BF77-D9D519E7FBC8}" dt="2022-12-02T06:46:14.714" v="214" actId="1035"/>
-        <pc:sldMkLst>
-          <pc:docMk/>
-          <pc:sldMk cId="953998658" sldId="282"/>
-        </pc:sldMkLst>
-        <pc:picChg chg="mod">
-          <ac:chgData name="Riccardo Berta" userId="c8694f89-bba4-4576-b0a8-456619ca5a8c" providerId="ADAL" clId="{94B61ABA-6FC4-8B4A-BF77-D9D519E7FBC8}" dt="2022-12-02T06:46:14.714" v="214" actId="1035"/>
+        <pc:picChg chg="add mod">
+          <ac:chgData name="Riccardo Berta" userId="c8694f89-bba4-4576-b0a8-456619ca5a8c" providerId="ADAL" clId="{FDDBFC5A-5EA9-5330-BEB8-433D7E3B4C4E}" dt="2025-11-27T11:43:30.589" v="158" actId="1076"/>
           <ac:picMkLst>
             <pc:docMk/>
-            <pc:sldMk cId="953998658" sldId="282"/>
-            <ac:picMk id="4" creationId="{0FD8E0B7-788B-44F1-5320-AD56236E173D}"/>
+            <pc:sldMk cId="567034916" sldId="281"/>
+            <ac:picMk id="2" creationId="{273F2440-1516-65F2-1D12-71E0C872BC53}"/>
+          </ac:picMkLst>
+        </pc:picChg>
+        <pc:picChg chg="del">
+          <ac:chgData name="Riccardo Berta" userId="c8694f89-bba4-4576-b0a8-456619ca5a8c" providerId="ADAL" clId="{FDDBFC5A-5EA9-5330-BEB8-433D7E3B4C4E}" dt="2025-11-27T11:42:26.331" v="128" actId="478"/>
+          <ac:picMkLst>
+            <pc:docMk/>
+            <pc:sldMk cId="567034916" sldId="281"/>
+            <ac:picMk id="3" creationId="{DB10C530-1089-EDE3-18A8-B31E89AD4E6F}"/>
           </ac:picMkLst>
         </pc:picChg>
       </pc:sldChg>
       <pc:sldChg chg="modSp mod">
-        <pc:chgData name="Riccardo Berta" userId="c8694f89-bba4-4576-b0a8-456619ca5a8c" providerId="ADAL" clId="{94B61ABA-6FC4-8B4A-BF77-D9D519E7FBC8}" dt="2022-12-07T07:04:27.810" v="291" actId="404"/>
+        <pc:chgData name="Riccardo Berta" userId="c8694f89-bba4-4576-b0a8-456619ca5a8c" providerId="ADAL" clId="{FDDBFC5A-5EA9-5330-BEB8-433D7E3B4C4E}" dt="2025-11-27T11:50:37.394" v="258" actId="14100"/>
         <pc:sldMkLst>
           <pc:docMk/>
           <pc:sldMk cId="3672496764" sldId="283"/>
         </pc:sldMkLst>
         <pc:spChg chg="mod">
-          <ac:chgData name="Riccardo Berta" userId="c8694f89-bba4-4576-b0a8-456619ca5a8c" providerId="ADAL" clId="{94B61ABA-6FC4-8B4A-BF77-D9D519E7FBC8}" dt="2022-12-07T07:04:27.810" v="291" actId="404"/>
+          <ac:chgData name="Riccardo Berta" userId="c8694f89-bba4-4576-b0a8-456619ca5a8c" providerId="ADAL" clId="{FDDBFC5A-5EA9-5330-BEB8-433D7E3B4C4E}" dt="2025-11-27T11:48:46.947" v="242" actId="20577"/>
+          <ac:spMkLst>
+            <pc:docMk/>
+            <pc:sldMk cId="3672496764" sldId="283"/>
+            <ac:spMk id="83" creationId="{00000000-0000-0000-0000-000000000000}"/>
+          </ac:spMkLst>
+        </pc:spChg>
+        <pc:spChg chg="mod">
+          <ac:chgData name="Riccardo Berta" userId="c8694f89-bba4-4576-b0a8-456619ca5a8c" providerId="ADAL" clId="{FDDBFC5A-5EA9-5330-BEB8-433D7E3B4C4E}" dt="2025-11-27T11:50:37.394" v="258" actId="14100"/>
           <ac:spMkLst>
             <pc:docMk/>
             <pc:sldMk cId="3672496764" sldId="283"/>
@@ -3097,130 +431,59 @@
           </ac:spMkLst>
         </pc:spChg>
       </pc:sldChg>
-      <pc:sldChg chg="modSp mod">
-        <pc:chgData name="Riccardo Berta" userId="c8694f89-bba4-4576-b0a8-456619ca5a8c" providerId="ADAL" clId="{94B61ABA-6FC4-8B4A-BF77-D9D519E7FBC8}" dt="2022-12-07T07:06:10.179" v="298" actId="20577"/>
+      <pc:sldChg chg="addSp modSp add mod">
+        <pc:chgData name="Riccardo Berta" userId="c8694f89-bba4-4576-b0a8-456619ca5a8c" providerId="ADAL" clId="{FDDBFC5A-5EA9-5330-BEB8-433D7E3B4C4E}" dt="2025-11-27T11:47:09.814" v="220" actId="14100"/>
         <pc:sldMkLst>
           <pc:docMk/>
-          <pc:sldMk cId="1621338847" sldId="284"/>
+          <pc:sldMk cId="3260907651" sldId="286"/>
         </pc:sldMkLst>
         <pc:spChg chg="mod">
-          <ac:chgData name="Riccardo Berta" userId="c8694f89-bba4-4576-b0a8-456619ca5a8c" providerId="ADAL" clId="{94B61ABA-6FC4-8B4A-BF77-D9D519E7FBC8}" dt="2022-12-07T07:06:10.179" v="298" actId="20577"/>
+          <ac:chgData name="Riccardo Berta" userId="c8694f89-bba4-4576-b0a8-456619ca5a8c" providerId="ADAL" clId="{FDDBFC5A-5EA9-5330-BEB8-433D7E3B4C4E}" dt="2025-11-27T11:47:02.985" v="218" actId="20577"/>
           <ac:spMkLst>
             <pc:docMk/>
-            <pc:sldMk cId="1621338847" sldId="284"/>
-            <ac:spMk id="83" creationId="{00000000-0000-0000-0000-000000000000}"/>
+            <pc:sldMk cId="3260907651" sldId="286"/>
+            <ac:spMk id="84" creationId="{F96AE378-1655-DED7-60E6-ACCD1F8F2D9A}"/>
+          </ac:spMkLst>
+        </pc:spChg>
+        <pc:picChg chg="add mod">
+          <ac:chgData name="Riccardo Berta" userId="c8694f89-bba4-4576-b0a8-456619ca5a8c" providerId="ADAL" clId="{FDDBFC5A-5EA9-5330-BEB8-433D7E3B4C4E}" dt="2025-11-27T11:47:09.814" v="220" actId="14100"/>
+          <ac:picMkLst>
+            <pc:docMk/>
+            <pc:sldMk cId="3260907651" sldId="286"/>
+            <ac:picMk id="2" creationId="{AA1D746F-8357-ABC4-B011-856C16552F13}"/>
+          </ac:picMkLst>
+        </pc:picChg>
+      </pc:sldChg>
+      <pc:sldChg chg="addSp modSp add mod">
+        <pc:chgData name="Riccardo Berta" userId="c8694f89-bba4-4576-b0a8-456619ca5a8c" providerId="ADAL" clId="{FDDBFC5A-5EA9-5330-BEB8-433D7E3B4C4E}" dt="2025-11-27T11:48:41.568" v="238" actId="1076"/>
+        <pc:sldMkLst>
+          <pc:docMk/>
+          <pc:sldMk cId="4156977364" sldId="287"/>
+        </pc:sldMkLst>
+        <pc:spChg chg="mod">
+          <ac:chgData name="Riccardo Berta" userId="c8694f89-bba4-4576-b0a8-456619ca5a8c" providerId="ADAL" clId="{FDDBFC5A-5EA9-5330-BEB8-433D7E3B4C4E}" dt="2025-11-27T11:47:35.146" v="223" actId="20577"/>
+          <ac:spMkLst>
+            <pc:docMk/>
+            <pc:sldMk cId="4156977364" sldId="287"/>
+            <ac:spMk id="83" creationId="{13EF303C-2F1B-1FE3-EBB9-C92C29EF9E2E}"/>
           </ac:spMkLst>
         </pc:spChg>
         <pc:spChg chg="mod">
-          <ac:chgData name="Riccardo Berta" userId="c8694f89-bba4-4576-b0a8-456619ca5a8c" providerId="ADAL" clId="{94B61ABA-6FC4-8B4A-BF77-D9D519E7FBC8}" dt="2022-12-07T07:05:32.365" v="294" actId="948"/>
+          <ac:chgData name="Riccardo Berta" userId="c8694f89-bba4-4576-b0a8-456619ca5a8c" providerId="ADAL" clId="{FDDBFC5A-5EA9-5330-BEB8-433D7E3B4C4E}" dt="2025-11-27T11:48:19.641" v="234"/>
           <ac:spMkLst>
             <pc:docMk/>
-            <pc:sldMk cId="1621338847" sldId="284"/>
-            <ac:spMk id="84" creationId="{00000000-0000-0000-0000-000000000000}"/>
+            <pc:sldMk cId="4156977364" sldId="287"/>
+            <ac:spMk id="84" creationId="{392038AF-C5C7-9189-38C9-438B22184642}"/>
           </ac:spMkLst>
         </pc:spChg>
-        <pc:picChg chg="mod">
-          <ac:chgData name="Riccardo Berta" userId="c8694f89-bba4-4576-b0a8-456619ca5a8c" providerId="ADAL" clId="{94B61ABA-6FC4-8B4A-BF77-D9D519E7FBC8}" dt="2022-12-01T15:15:22.824" v="188" actId="1076"/>
+        <pc:picChg chg="add mod modCrop">
+          <ac:chgData name="Riccardo Berta" userId="c8694f89-bba4-4576-b0a8-456619ca5a8c" providerId="ADAL" clId="{FDDBFC5A-5EA9-5330-BEB8-433D7E3B4C4E}" dt="2025-11-27T11:48:41.568" v="238" actId="1076"/>
           <ac:picMkLst>
             <pc:docMk/>
-            <pc:sldMk cId="1621338847" sldId="284"/>
-            <ac:picMk id="3" creationId="{A3ECDA60-9F01-2DDE-2EEA-865FD2FB5C10}"/>
+            <pc:sldMk cId="4156977364" sldId="287"/>
+            <ac:picMk id="2" creationId="{8961FEC5-79AC-99CE-87D9-C7D041498F32}"/>
           </ac:picMkLst>
         </pc:picChg>
-        <pc:picChg chg="mod">
-          <ac:chgData name="Riccardo Berta" userId="c8694f89-bba4-4576-b0a8-456619ca5a8c" providerId="ADAL" clId="{94B61ABA-6FC4-8B4A-BF77-D9D519E7FBC8}" dt="2022-12-01T15:15:24.723" v="189" actId="1076"/>
-          <ac:picMkLst>
-            <pc:docMk/>
-            <pc:sldMk cId="1621338847" sldId="284"/>
-            <ac:picMk id="5" creationId="{4368ED42-985A-A41A-0047-D76E832658D2}"/>
-          </ac:picMkLst>
-        </pc:picChg>
-        <pc:picChg chg="mod">
-          <ac:chgData name="Riccardo Berta" userId="c8694f89-bba4-4576-b0a8-456619ca5a8c" providerId="ADAL" clId="{94B61ABA-6FC4-8B4A-BF77-D9D519E7FBC8}" dt="2022-12-01T15:15:26.055" v="190" actId="1076"/>
-          <ac:picMkLst>
-            <pc:docMk/>
-            <pc:sldMk cId="1621338847" sldId="284"/>
-            <ac:picMk id="7" creationId="{BBD3E66E-C91C-A3E9-4265-A23DE4237BA7}"/>
-          </ac:picMkLst>
-        </pc:picChg>
-        <pc:picChg chg="mod">
-          <ac:chgData name="Riccardo Berta" userId="c8694f89-bba4-4576-b0a8-456619ca5a8c" providerId="ADAL" clId="{94B61ABA-6FC4-8B4A-BF77-D9D519E7FBC8}" dt="2022-12-01T15:15:27.255" v="191" actId="1076"/>
-          <ac:picMkLst>
-            <pc:docMk/>
-            <pc:sldMk cId="1621338847" sldId="284"/>
-            <ac:picMk id="9" creationId="{4382862D-A777-D6AD-2627-573C4D819E65}"/>
-          </ac:picMkLst>
-        </pc:picChg>
-      </pc:sldChg>
-      <pc:sldChg chg="addSp delSp modSp add mod">
-        <pc:chgData name="Riccardo Berta" userId="c8694f89-bba4-4576-b0a8-456619ca5a8c" providerId="ADAL" clId="{94B61ABA-6FC4-8B4A-BF77-D9D519E7FBC8}" dt="2022-12-07T07:14:24.545" v="409" actId="1038"/>
-        <pc:sldMkLst>
-          <pc:docMk/>
-          <pc:sldMk cId="45888795" sldId="285"/>
-        </pc:sldMkLst>
-        <pc:spChg chg="add del mod">
-          <ac:chgData name="Riccardo Berta" userId="c8694f89-bba4-4576-b0a8-456619ca5a8c" providerId="ADAL" clId="{94B61ABA-6FC4-8B4A-BF77-D9D519E7FBC8}" dt="2022-12-07T06:40:57.230" v="241" actId="478"/>
-          <ac:spMkLst>
-            <pc:docMk/>
-            <pc:sldMk cId="45888795" sldId="285"/>
-            <ac:spMk id="3" creationId="{D148CE73-F7F1-26CC-6280-4F885CBA6BB4}"/>
-          </ac:spMkLst>
-        </pc:spChg>
-        <pc:spChg chg="add mod">
-          <ac:chgData name="Riccardo Berta" userId="c8694f89-bba4-4576-b0a8-456619ca5a8c" providerId="ADAL" clId="{94B61ABA-6FC4-8B4A-BF77-D9D519E7FBC8}" dt="2022-12-07T07:14:17.823" v="385" actId="1036"/>
-          <ac:spMkLst>
-            <pc:docMk/>
-            <pc:sldMk cId="45888795" sldId="285"/>
-            <ac:spMk id="5" creationId="{32F3024B-9187-9A17-DB3C-7346240E73B2}"/>
-          </ac:spMkLst>
-        </pc:spChg>
-        <pc:spChg chg="mod">
-          <ac:chgData name="Riccardo Berta" userId="c8694f89-bba4-4576-b0a8-456619ca5a8c" providerId="ADAL" clId="{94B61ABA-6FC4-8B4A-BF77-D9D519E7FBC8}" dt="2022-12-07T06:40:52.844" v="239" actId="20577"/>
-          <ac:spMkLst>
-            <pc:docMk/>
-            <pc:sldMk cId="45888795" sldId="285"/>
-            <ac:spMk id="83" creationId="{00000000-0000-0000-0000-000000000000}"/>
-          </ac:spMkLst>
-        </pc:spChg>
-        <pc:spChg chg="del">
-          <ac:chgData name="Riccardo Berta" userId="c8694f89-bba4-4576-b0a8-456619ca5a8c" providerId="ADAL" clId="{94B61ABA-6FC4-8B4A-BF77-D9D519E7FBC8}" dt="2022-12-07T06:40:55.178" v="240" actId="478"/>
-          <ac:spMkLst>
-            <pc:docMk/>
-            <pc:sldMk cId="45888795" sldId="285"/>
-            <ac:spMk id="84" creationId="{00000000-0000-0000-0000-000000000000}"/>
-          </ac:spMkLst>
-        </pc:spChg>
-        <pc:picChg chg="add mod">
-          <ac:chgData name="Riccardo Berta" userId="c8694f89-bba4-4576-b0a8-456619ca5a8c" providerId="ADAL" clId="{94B61ABA-6FC4-8B4A-BF77-D9D519E7FBC8}" dt="2022-12-07T07:14:24.545" v="409" actId="1038"/>
-          <ac:picMkLst>
-            <pc:docMk/>
-            <pc:sldMk cId="45888795" sldId="285"/>
-            <ac:picMk id="4" creationId="{6D6E5821-1D95-F9E8-801D-4F93DA8E8549}"/>
-          </ac:picMkLst>
-        </pc:picChg>
-        <pc:picChg chg="add del mod">
-          <ac:chgData name="Riccardo Berta" userId="c8694f89-bba4-4576-b0a8-456619ca5a8c" providerId="ADAL" clId="{94B61ABA-6FC4-8B4A-BF77-D9D519E7FBC8}" dt="2022-12-07T07:08:56.124" v="308" actId="478"/>
-          <ac:picMkLst>
-            <pc:docMk/>
-            <pc:sldMk cId="45888795" sldId="285"/>
-            <ac:picMk id="1026" creationId="{4F9DD4EE-FD1B-7A4A-AB49-9ED2508BC962}"/>
-          </ac:picMkLst>
-        </pc:picChg>
-        <pc:picChg chg="add mod">
-          <ac:chgData name="Riccardo Berta" userId="c8694f89-bba4-4576-b0a8-456619ca5a8c" providerId="ADAL" clId="{94B61ABA-6FC4-8B4A-BF77-D9D519E7FBC8}" dt="2022-12-07T07:14:09.177" v="380" actId="1076"/>
-          <ac:picMkLst>
-            <pc:docMk/>
-            <pc:sldMk cId="45888795" sldId="285"/>
-            <ac:picMk id="1028" creationId="{AD3E4DBD-B3DA-4BA7-ADDA-5DE906B747F5}"/>
-          </ac:picMkLst>
-        </pc:picChg>
-      </pc:sldChg>
-      <pc:sldChg chg="new del">
-        <pc:chgData name="Riccardo Berta" userId="c8694f89-bba4-4576-b0a8-456619ca5a8c" providerId="ADAL" clId="{94B61ABA-6FC4-8B4A-BF77-D9D519E7FBC8}" dt="2022-12-07T06:40:46.739" v="236" actId="2696"/>
-        <pc:sldMkLst>
-          <pc:docMk/>
-          <pc:sldMk cId="969304092" sldId="285"/>
-        </pc:sldMkLst>
       </pc:sldChg>
     </pc:docChg>
   </pc:docChgLst>
@@ -4416,7 +1679,7 @@
     </p:spTree>
     <p:extLst>
       <p:ext uri="{BB962C8B-B14F-4D97-AF65-F5344CB8AC3E}">
-        <p14:creationId xmlns:p14="http://schemas.microsoft.com/office/powerpoint/2010/main" val="3777512126"/>
+        <p14:creationId xmlns:p14="http://schemas.microsoft.com/office/powerpoint/2010/main" val="812228145"/>
       </p:ext>
     </p:extLst>
   </p:cSld>
@@ -4525,7 +1788,7 @@
     </p:spTree>
     <p:extLst>
       <p:ext uri="{BB962C8B-B14F-4D97-AF65-F5344CB8AC3E}">
-        <p14:creationId xmlns:p14="http://schemas.microsoft.com/office/powerpoint/2010/main" val="812228145"/>
+        <p14:creationId xmlns:p14="http://schemas.microsoft.com/office/powerpoint/2010/main" val="3777512126"/>
       </p:ext>
     </p:extLst>
   </p:cSld>
@@ -5516,6 +2779,260 @@
   <p:cSld>
     <p:spTree>
       <p:nvGrpSpPr>
+        <p:cNvPr id="1" name="Shape 79">
+          <a:extLst>
+            <a:ext uri="{FF2B5EF4-FFF2-40B4-BE49-F238E27FC236}">
+              <a16:creationId xmlns:a16="http://schemas.microsoft.com/office/drawing/2014/main" id="{57ED559D-DBF4-D5C3-02E5-DDCD0E3B6D14}"/>
+            </a:ext>
+          </a:extLst>
+        </p:cNvPr>
+        <p:cNvGrpSpPr/>
+        <p:nvPr/>
+      </p:nvGrpSpPr>
+      <p:grpSpPr>
+        <a:xfrm>
+          <a:off x="0" y="0"/>
+          <a:ext cx="0" cy="0"/>
+          <a:chOff x="0" y="0"/>
+          <a:chExt cx="0" cy="0"/>
+        </a:xfrm>
+      </p:grpSpPr>
+      <p:sp>
+        <p:nvSpPr>
+          <p:cNvPr id="80" name="Google Shape;80;geed6aedbf_0_0:notes">
+            <a:extLst>
+              <a:ext uri="{FF2B5EF4-FFF2-40B4-BE49-F238E27FC236}">
+                <a16:creationId xmlns:a16="http://schemas.microsoft.com/office/drawing/2014/main" id="{1B27B119-6DE4-F32F-6E2A-838300B05CC5}"/>
+              </a:ext>
+            </a:extLst>
+          </p:cNvPr>
+          <p:cNvSpPr>
+            <a:spLocks noGrp="1" noRot="1" noChangeAspect="1"/>
+          </p:cNvSpPr>
+          <p:nvPr>
+            <p:ph type="sldImg" idx="2"/>
+          </p:nvPr>
+        </p:nvSpPr>
+        <p:spPr>
+          <a:xfrm>
+            <a:off x="1143000" y="685800"/>
+            <a:ext cx="4572000" cy="3429000"/>
+          </a:xfrm>
+          <a:custGeom>
+            <a:avLst/>
+            <a:gdLst/>
+            <a:ahLst/>
+            <a:cxnLst/>
+            <a:rect l="l" t="t" r="r" b="b"/>
+            <a:pathLst>
+              <a:path w="120000" h="120000" extrusionOk="0">
+                <a:moveTo>
+                  <a:pt x="0" y="0"/>
+                </a:moveTo>
+                <a:lnTo>
+                  <a:pt x="120000" y="0"/>
+                </a:lnTo>
+                <a:lnTo>
+                  <a:pt x="120000" y="120000"/>
+                </a:lnTo>
+                <a:lnTo>
+                  <a:pt x="0" y="120000"/>
+                </a:lnTo>
+                <a:close/>
+              </a:path>
+            </a:pathLst>
+          </a:custGeom>
+        </p:spPr>
+      </p:sp>
+      <p:sp>
+        <p:nvSpPr>
+          <p:cNvPr id="81" name="Google Shape;81;geed6aedbf_0_0:notes">
+            <a:extLst>
+              <a:ext uri="{FF2B5EF4-FFF2-40B4-BE49-F238E27FC236}">
+                <a16:creationId xmlns:a16="http://schemas.microsoft.com/office/drawing/2014/main" id="{0F738C1C-3334-8CC5-2EC2-84C07DC29785}"/>
+              </a:ext>
+            </a:extLst>
+          </p:cNvPr>
+          <p:cNvSpPr txBox="1">
+            <a:spLocks noGrp="1"/>
+          </p:cNvSpPr>
+          <p:nvPr>
+            <p:ph type="body" idx="1"/>
+          </p:nvPr>
+        </p:nvSpPr>
+        <p:spPr>
+          <a:xfrm>
+            <a:off x="685800" y="4343400"/>
+            <a:ext cx="5486400" cy="4114800"/>
+          </a:xfrm>
+          <a:prstGeom prst="rect">
+            <a:avLst/>
+          </a:prstGeom>
+        </p:spPr>
+        <p:txBody>
+          <a:bodyPr spcFirstLastPara="1" wrap="square" lIns="91425" tIns="91425" rIns="91425" bIns="91425" anchor="t" anchorCtr="0">
+            <a:noAutofit/>
+          </a:bodyPr>
+          <a:lstStyle/>
+          <a:p>
+            <a:pPr marL="0" lvl="0" indent="0" algn="l" rtl="0">
+              <a:spcBef>
+                <a:spcPts val="0"/>
+              </a:spcBef>
+              <a:spcAft>
+                <a:spcPts val="0"/>
+              </a:spcAft>
+              <a:buNone/>
+            </a:pPr>
+            <a:endParaRPr/>
+          </a:p>
+        </p:txBody>
+      </p:sp>
+    </p:spTree>
+    <p:extLst>
+      <p:ext uri="{BB962C8B-B14F-4D97-AF65-F5344CB8AC3E}">
+        <p14:creationId xmlns:p14="http://schemas.microsoft.com/office/powerpoint/2010/main" val="2363723088"/>
+      </p:ext>
+    </p:extLst>
+  </p:cSld>
+  <p:clrMapOvr>
+    <a:masterClrMapping/>
+  </p:clrMapOvr>
+</p:notes>
+</file>
+
+<file path=ppt/notesSlides/notesSlide26.xml><?xml version="1.0" encoding="utf-8"?>
+<p:notes xmlns:a="http://schemas.openxmlformats.org/drawingml/2006/main" xmlns:r="http://schemas.openxmlformats.org/officeDocument/2006/relationships" xmlns:p="http://schemas.openxmlformats.org/presentationml/2006/main" showMasterSp="0" showMasterPhAnim="0">
+  <p:cSld>
+    <p:spTree>
+      <p:nvGrpSpPr>
+        <p:cNvPr id="1" name="Shape 79">
+          <a:extLst>
+            <a:ext uri="{FF2B5EF4-FFF2-40B4-BE49-F238E27FC236}">
+              <a16:creationId xmlns:a16="http://schemas.microsoft.com/office/drawing/2014/main" id="{36CC9BEB-610E-3514-A865-9341473538A0}"/>
+            </a:ext>
+          </a:extLst>
+        </p:cNvPr>
+        <p:cNvGrpSpPr/>
+        <p:nvPr/>
+      </p:nvGrpSpPr>
+      <p:grpSpPr>
+        <a:xfrm>
+          <a:off x="0" y="0"/>
+          <a:ext cx="0" cy="0"/>
+          <a:chOff x="0" y="0"/>
+          <a:chExt cx="0" cy="0"/>
+        </a:xfrm>
+      </p:grpSpPr>
+      <p:sp>
+        <p:nvSpPr>
+          <p:cNvPr id="80" name="Google Shape;80;geed6aedbf_0_0:notes">
+            <a:extLst>
+              <a:ext uri="{FF2B5EF4-FFF2-40B4-BE49-F238E27FC236}">
+                <a16:creationId xmlns:a16="http://schemas.microsoft.com/office/drawing/2014/main" id="{EC1A00FE-42B9-BB38-6AFC-A9738C82D74F}"/>
+              </a:ext>
+            </a:extLst>
+          </p:cNvPr>
+          <p:cNvSpPr>
+            <a:spLocks noGrp="1" noRot="1" noChangeAspect="1"/>
+          </p:cNvSpPr>
+          <p:nvPr>
+            <p:ph type="sldImg" idx="2"/>
+          </p:nvPr>
+        </p:nvSpPr>
+        <p:spPr>
+          <a:xfrm>
+            <a:off x="1143000" y="685800"/>
+            <a:ext cx="4572000" cy="3429000"/>
+          </a:xfrm>
+          <a:custGeom>
+            <a:avLst/>
+            <a:gdLst/>
+            <a:ahLst/>
+            <a:cxnLst/>
+            <a:rect l="l" t="t" r="r" b="b"/>
+            <a:pathLst>
+              <a:path w="120000" h="120000" extrusionOk="0">
+                <a:moveTo>
+                  <a:pt x="0" y="0"/>
+                </a:moveTo>
+                <a:lnTo>
+                  <a:pt x="120000" y="0"/>
+                </a:lnTo>
+                <a:lnTo>
+                  <a:pt x="120000" y="120000"/>
+                </a:lnTo>
+                <a:lnTo>
+                  <a:pt x="0" y="120000"/>
+                </a:lnTo>
+                <a:close/>
+              </a:path>
+            </a:pathLst>
+          </a:custGeom>
+        </p:spPr>
+      </p:sp>
+      <p:sp>
+        <p:nvSpPr>
+          <p:cNvPr id="81" name="Google Shape;81;geed6aedbf_0_0:notes">
+            <a:extLst>
+              <a:ext uri="{FF2B5EF4-FFF2-40B4-BE49-F238E27FC236}">
+                <a16:creationId xmlns:a16="http://schemas.microsoft.com/office/drawing/2014/main" id="{2B00468F-7F0C-18F3-F32C-153EDE2B581A}"/>
+              </a:ext>
+            </a:extLst>
+          </p:cNvPr>
+          <p:cNvSpPr txBox="1">
+            <a:spLocks noGrp="1"/>
+          </p:cNvSpPr>
+          <p:nvPr>
+            <p:ph type="body" idx="1"/>
+          </p:nvPr>
+        </p:nvSpPr>
+        <p:spPr>
+          <a:xfrm>
+            <a:off x="685800" y="4343400"/>
+            <a:ext cx="5486400" cy="4114800"/>
+          </a:xfrm>
+          <a:prstGeom prst="rect">
+            <a:avLst/>
+          </a:prstGeom>
+        </p:spPr>
+        <p:txBody>
+          <a:bodyPr spcFirstLastPara="1" wrap="square" lIns="91425" tIns="91425" rIns="91425" bIns="91425" anchor="t" anchorCtr="0">
+            <a:noAutofit/>
+          </a:bodyPr>
+          <a:lstStyle/>
+          <a:p>
+            <a:pPr marL="0" lvl="0" indent="0" algn="l" rtl="0">
+              <a:spcBef>
+                <a:spcPts val="0"/>
+              </a:spcBef>
+              <a:spcAft>
+                <a:spcPts val="0"/>
+              </a:spcAft>
+              <a:buNone/>
+            </a:pPr>
+            <a:endParaRPr/>
+          </a:p>
+        </p:txBody>
+      </p:sp>
+    </p:spTree>
+    <p:extLst>
+      <p:ext uri="{BB962C8B-B14F-4D97-AF65-F5344CB8AC3E}">
+        <p14:creationId xmlns:p14="http://schemas.microsoft.com/office/powerpoint/2010/main" val="3497487771"/>
+      </p:ext>
+    </p:extLst>
+  </p:cSld>
+  <p:clrMapOvr>
+    <a:masterClrMapping/>
+  </p:clrMapOvr>
+</p:notes>
+</file>
+
+<file path=ppt/notesSlides/notesSlide27.xml><?xml version="1.0" encoding="utf-8"?>
+<p:notes xmlns:a="http://schemas.openxmlformats.org/drawingml/2006/main" xmlns:r="http://schemas.openxmlformats.org/officeDocument/2006/relationships" xmlns:p="http://schemas.openxmlformats.org/presentationml/2006/main" showMasterSp="0" showMasterPhAnim="0">
+  <p:cSld>
+    <p:spTree>
+      <p:nvGrpSpPr>
         <p:cNvPr id="1" name="Shape 79"/>
         <p:cNvGrpSpPr/>
         <p:nvPr/>
@@ -6442,6 +3959,13 @@
             <a:tailEnd type="none" w="sm" len="sm"/>
           </a:ln>
         </p:spPr>
+        <p:txBody>
+          <a:bodyPr/>
+          <a:lstStyle/>
+          <a:p>
+            <a:endParaRPr lang="en-GB"/>
+          </a:p>
+        </p:txBody>
       </p:sp>
       <p:sp>
         <p:nvSpPr>
@@ -6485,6 +4009,13 @@
             <a:tailEnd type="none" w="sm" len="sm"/>
           </a:ln>
         </p:spPr>
+        <p:txBody>
+          <a:bodyPr/>
+          <a:lstStyle/>
+          <a:p>
+            <a:endParaRPr lang="en-GB"/>
+          </a:p>
+        </p:txBody>
       </p:sp>
       <p:sp>
         <p:nvSpPr>
@@ -13096,9 +10627,8 @@
             </a:pPr>
             <a:r>
               <a:rPr lang="en-GB" dirty="0"/>
-              <a:t>Memory comparison</a:t>
-            </a:r>
-            <a:endParaRPr dirty="0"/>
+              <a:t>Register Files</a:t>
+            </a:r>
           </a:p>
         </p:txBody>
       </p:sp>
@@ -13114,8 +10644,8 @@
         </p:nvSpPr>
         <p:spPr>
           <a:xfrm>
-            <a:off x="162750" y="1043732"/>
-            <a:ext cx="8818500" cy="5520353"/>
+            <a:off x="162750" y="1293219"/>
+            <a:ext cx="8818500" cy="5100000"/>
           </a:xfrm>
           <a:prstGeom prst="rect">
             <a:avLst/>
@@ -13130,126 +10660,124 @@
             <a:pPr lvl="0"/>
             <a:r>
               <a:rPr lang="en-GB" dirty="0"/>
-              <a:t>Flip-flops, SRAM, and DRAM are all volatile memories, but each has different </a:t>
+              <a:t>A set of registers used to store </a:t>
             </a:r>
             <a:r>
               <a:rPr lang="en-GB" b="1" dirty="0"/>
-              <a:t>area</a:t>
-            </a:r>
-            <a:r>
-              <a:rPr lang="en-GB" dirty="0"/>
-              <a:t> and </a:t>
+              <a:t>temporary variables</a:t>
+            </a:r>
+          </a:p>
+          <a:p>
+            <a:pPr lvl="0"/>
+            <a:r>
+              <a:rPr lang="en-GB" dirty="0"/>
+              <a:t>Usually built as a small, multi-ported SRAM array </a:t>
+            </a:r>
+          </a:p>
+          <a:p>
+            <a:pPr lvl="1"/>
+            <a:r>
+              <a:rPr lang="en-GB" dirty="0"/>
+              <a:t>more compact than an array of flip-flops</a:t>
+            </a:r>
+          </a:p>
+          <a:p>
+            <a:pPr lvl="1"/>
+            <a:r>
+              <a:rPr lang="en-GB" dirty="0"/>
+              <a:t>multi-ported means that can access several addresses </a:t>
+            </a:r>
+            <a:br>
+              <a:rPr lang="en-GB" dirty="0"/>
+            </a:br>
+            <a:r>
+              <a:rPr lang="en-GB" dirty="0"/>
+              <a:t>simultaneously</a:t>
+            </a:r>
+          </a:p>
+          <a:p>
+            <a:pPr lvl="1"/>
+            <a:endParaRPr lang="en-GB" dirty="0"/>
+          </a:p>
+          <a:p>
+            <a:r>
+              <a:rPr lang="en-GB" dirty="0"/>
+              <a:t>For example, a 32-register (N=5) with 32-bit (M=32) three-ported register file</a:t>
+            </a:r>
+          </a:p>
+          <a:p>
+            <a:pPr lvl="1"/>
+            <a:r>
+              <a:rPr lang="en-GB" dirty="0"/>
+              <a:t>two read ports (A1-&gt;RD1 and A2-&gt;RD2) </a:t>
+            </a:r>
+          </a:p>
+          <a:p>
+            <a:pPr lvl="1"/>
+            <a:r>
+              <a:rPr lang="en-GB" dirty="0"/>
+              <a:t>one write port (A3-&gt;WD3)</a:t>
+            </a:r>
+          </a:p>
+          <a:p>
+            <a:pPr lvl="1"/>
+            <a:r>
+              <a:rPr lang="en-GB" dirty="0"/>
+              <a:t>the 5-bit addresses (A1, A2, A3) can access all 2</a:t>
+            </a:r>
+            <a:r>
+              <a:rPr lang="en-GB" baseline="30000" dirty="0"/>
+              <a:t>5</a:t>
+            </a:r>
+            <a:r>
+              <a:rPr lang="en-GB" dirty="0"/>
+              <a:t> = 32 registers</a:t>
+            </a:r>
+          </a:p>
+          <a:p>
+            <a:pPr lvl="1"/>
+            <a:r>
+              <a:rPr lang="en-GB" dirty="0"/>
+              <a:t>two registers can be read and one register written simultaneously</a:t>
+            </a:r>
+          </a:p>
+          <a:p>
+            <a:pPr lvl="1"/>
+            <a:endParaRPr lang="en-GB" dirty="0"/>
+          </a:p>
+          <a:p>
+            <a:r>
+              <a:rPr lang="en-GB" dirty="0"/>
+              <a:t>Sometimes, a particular register is </a:t>
             </a:r>
             <a:r>
               <a:rPr lang="en-GB" b="1" dirty="0"/>
-              <a:t>delay</a:t>
-            </a:r>
-            <a:r>
-              <a:rPr lang="en-GB" dirty="0"/>
-              <a:t> characteristics</a:t>
-            </a:r>
-          </a:p>
-          <a:p>
-            <a:pPr lvl="0"/>
-            <a:endParaRPr lang="en-GB" dirty="0"/>
-          </a:p>
-          <a:p>
-            <a:pPr lvl="0"/>
-            <a:endParaRPr lang="en-GB" dirty="0"/>
-          </a:p>
-          <a:p>
-            <a:pPr lvl="0"/>
-            <a:endParaRPr lang="en-GB" dirty="0"/>
-          </a:p>
-          <a:p>
-            <a:pPr lvl="0"/>
-            <a:endParaRPr lang="en-GB" dirty="0"/>
-          </a:p>
-          <a:p>
-            <a:pPr marL="120650" lvl="0" indent="0">
-              <a:buNone/>
-            </a:pPr>
-            <a:endParaRPr lang="en-GB" sz="1000" dirty="0"/>
-          </a:p>
-          <a:p>
-            <a:pPr lvl="0"/>
-            <a:r>
-              <a:rPr lang="en-GB" dirty="0"/>
-              <a:t>Flip-flop data is available immediately in output, but it takes at least 20 transistors</a:t>
-            </a:r>
-          </a:p>
-          <a:p>
-            <a:r>
-              <a:rPr lang="en-GB" dirty="0"/>
-              <a:t>DRAM is slower</a:t>
+              <a:t>hardwired</a:t>
+            </a:r>
+            <a:r>
+              <a:rPr lang="en-GB" dirty="0"/>
+              <a:t> to always read the value 0 </a:t>
             </a:r>
           </a:p>
           <a:p>
             <a:pPr lvl="1"/>
             <a:r>
               <a:rPr lang="en-GB" dirty="0"/>
-              <a:t>must wait for charge to move (relatively) slowly from the capacitor</a:t>
+              <a:t>because 0 is a commonly used constant</a:t>
             </a:r>
           </a:p>
           <a:p>
             <a:pPr lvl="1"/>
-            <a:r>
-              <a:rPr lang="en-GB" dirty="0"/>
-              <a:t>must refresh data periodically and after a read</a:t>
-            </a:r>
-          </a:p>
-          <a:p>
-            <a:r>
-              <a:rPr lang="en-GB" dirty="0"/>
-              <a:t>Today, modern DRAM technologies (synchronous and double data rate, DDR)</a:t>
-            </a:r>
-          </a:p>
-          <a:p>
-            <a:pPr lvl="1"/>
-            <a:r>
-              <a:rPr lang="en-GB" dirty="0"/>
-              <a:t>uses both rising and falling edges of the clock to access data</a:t>
-            </a:r>
-          </a:p>
-          <a:p>
-            <a:pPr lvl="1"/>
-            <a:r>
-              <a:rPr lang="en-GB" dirty="0"/>
-              <a:t>first standardized in 2000 (100 MHz), today (2024) speeds over 5 GHz (DDR5)</a:t>
-            </a:r>
-          </a:p>
-          <a:p>
-            <a:r>
-              <a:rPr lang="en-GB" dirty="0"/>
-              <a:t>The </a:t>
-            </a:r>
-            <a:r>
-              <a:rPr lang="en-GB" b="1" dirty="0"/>
-              <a:t>best memory type </a:t>
-            </a:r>
-            <a:r>
-              <a:rPr lang="en-GB" dirty="0"/>
-              <a:t>for a particular design </a:t>
-            </a:r>
-            <a:r>
-              <a:rPr lang="en-GB" b="1" dirty="0"/>
-              <a:t>depends on the speed, cost, and power constraints</a:t>
-            </a:r>
-          </a:p>
-          <a:p>
-            <a:pPr marL="120650" indent="0">
-              <a:buNone/>
-            </a:pPr>
             <a:endParaRPr lang="en-GB" dirty="0"/>
           </a:p>
         </p:txBody>
       </p:sp>
       <p:pic>
         <p:nvPicPr>
-          <p:cNvPr id="4" name="Immagine 3" descr="Immagine che contiene testo, Carattere, calligrafia, linea&#10;&#10;Descrizione generata automaticamente">
+          <p:cNvPr id="4" name="Immagine 3" descr="Immagine che contiene diagramma, testo, calligrafia, linea&#10;&#10;Descrizione generata automaticamente">
             <a:extLst>
               <a:ext uri="{FF2B5EF4-FFF2-40B4-BE49-F238E27FC236}">
-                <a16:creationId xmlns:a16="http://schemas.microsoft.com/office/drawing/2014/main" id="{058B0FFD-03A7-115D-9AB4-2F647DD6835E}"/>
+                <a16:creationId xmlns:a16="http://schemas.microsoft.com/office/drawing/2014/main" id="{692E3EDC-5E90-23B6-979C-F35A8277A87A}"/>
               </a:ext>
             </a:extLst>
           </p:cNvPr>
@@ -13266,8 +10794,8 @@
         </p:blipFill>
         <p:spPr>
           <a:xfrm>
-            <a:off x="537509" y="1769035"/>
-            <a:ext cx="4330700" cy="1168400"/>
+            <a:off x="6413500" y="421233"/>
+            <a:ext cx="2730500" cy="2616200"/>
           </a:xfrm>
           <a:prstGeom prst="rect">
             <a:avLst/>
@@ -13277,7 +10805,7 @@
     </p:spTree>
     <p:extLst>
       <p:ext uri="{BB962C8B-B14F-4D97-AF65-F5344CB8AC3E}">
-        <p14:creationId xmlns:p14="http://schemas.microsoft.com/office/powerpoint/2010/main" val="3164666663"/>
+        <p14:creationId xmlns:p14="http://schemas.microsoft.com/office/powerpoint/2010/main" val="3848209052"/>
       </p:ext>
     </p:extLst>
   </p:cSld>
@@ -13340,8 +10868,9 @@
             </a:pPr>
             <a:r>
               <a:rPr lang="en-GB" dirty="0"/>
-              <a:t>Register Files</a:t>
-            </a:r>
+              <a:t>Memory comparison</a:t>
+            </a:r>
+            <a:endParaRPr dirty="0"/>
           </a:p>
         </p:txBody>
       </p:sp>
@@ -13357,8 +10886,8 @@
         </p:nvSpPr>
         <p:spPr>
           <a:xfrm>
-            <a:off x="162750" y="1293219"/>
-            <a:ext cx="8818500" cy="5100000"/>
+            <a:off x="162750" y="1043732"/>
+            <a:ext cx="8818500" cy="5520353"/>
           </a:xfrm>
           <a:prstGeom prst="rect">
             <a:avLst/>
@@ -13373,124 +10902,126 @@
             <a:pPr lvl="0"/>
             <a:r>
               <a:rPr lang="en-GB" dirty="0"/>
-              <a:t>A set of registers used to store </a:t>
+              <a:t>Flip-flops, SRAM, and DRAM are all volatile memories, but each has different </a:t>
             </a:r>
             <a:r>
               <a:rPr lang="en-GB" b="1" dirty="0"/>
-              <a:t>temporary variables</a:t>
+              <a:t>area</a:t>
+            </a:r>
+            <a:r>
+              <a:rPr lang="en-GB" dirty="0"/>
+              <a:t> and </a:t>
+            </a:r>
+            <a:r>
+              <a:rPr lang="en-GB" b="1" dirty="0"/>
+              <a:t>delay</a:t>
+            </a:r>
+            <a:r>
+              <a:rPr lang="en-GB" dirty="0"/>
+              <a:t> characteristics</a:t>
             </a:r>
           </a:p>
           <a:p>
             <a:pPr lvl="0"/>
-            <a:r>
-              <a:rPr lang="en-GB" dirty="0"/>
-              <a:t>Usually built as a small, multi-ported SRAM array </a:t>
+            <a:endParaRPr lang="en-GB" dirty="0"/>
+          </a:p>
+          <a:p>
+            <a:pPr lvl="0"/>
+            <a:endParaRPr lang="en-GB" dirty="0"/>
+          </a:p>
+          <a:p>
+            <a:pPr lvl="0"/>
+            <a:endParaRPr lang="en-GB" dirty="0"/>
+          </a:p>
+          <a:p>
+            <a:pPr lvl="0"/>
+            <a:endParaRPr lang="en-GB" dirty="0"/>
+          </a:p>
+          <a:p>
+            <a:pPr marL="120650" lvl="0" indent="0">
+              <a:buNone/>
+            </a:pPr>
+            <a:endParaRPr lang="en-GB" sz="1000" dirty="0"/>
+          </a:p>
+          <a:p>
+            <a:pPr lvl="0"/>
+            <a:r>
+              <a:rPr lang="en-GB" dirty="0"/>
+              <a:t>Flip-flop data is available immediately in output, but it takes at least 20 transistors</a:t>
+            </a:r>
+          </a:p>
+          <a:p>
+            <a:r>
+              <a:rPr lang="en-GB" dirty="0"/>
+              <a:t>DRAM is slower</a:t>
             </a:r>
           </a:p>
           <a:p>
             <a:pPr lvl="1"/>
             <a:r>
               <a:rPr lang="en-GB" dirty="0"/>
-              <a:t>more compact than an array of flip-flops</a:t>
+              <a:t>must wait for charge to move (relatively) slowly from the capacitor</a:t>
             </a:r>
           </a:p>
           <a:p>
             <a:pPr lvl="1"/>
             <a:r>
               <a:rPr lang="en-GB" dirty="0"/>
-              <a:t>multi-ported means that can access several addresses </a:t>
-            </a:r>
-            <a:br>
-              <a:rPr lang="en-GB" dirty="0"/>
-            </a:br>
-            <a:r>
-              <a:rPr lang="en-GB" dirty="0"/>
-              <a:t>simultaneously</a:t>
+              <a:t>must refresh data periodically and after a read</a:t>
+            </a:r>
+          </a:p>
+          <a:p>
+            <a:r>
+              <a:rPr lang="en-GB" dirty="0"/>
+              <a:t>Today, modern DRAM technologies (synchronous and double data rate, DDR)</a:t>
             </a:r>
           </a:p>
           <a:p>
             <a:pPr lvl="1"/>
-            <a:endParaRPr lang="en-GB" dirty="0"/>
-          </a:p>
-          <a:p>
-            <a:r>
-              <a:rPr lang="en-GB" dirty="0"/>
-              <a:t>For example, a 32-register (N=5) with 32-bit (M=32) three-ported register file</a:t>
+            <a:r>
+              <a:rPr lang="en-GB" dirty="0"/>
+              <a:t>uses both rising and falling edges of the clock to access data</a:t>
             </a:r>
           </a:p>
           <a:p>
             <a:pPr lvl="1"/>
             <a:r>
               <a:rPr lang="en-GB" dirty="0"/>
-              <a:t>two read ports (A1-&gt;RD1 and A2-&gt;RD2) </a:t>
-            </a:r>
-          </a:p>
-          <a:p>
-            <a:pPr lvl="1"/>
-            <a:r>
-              <a:rPr lang="en-GB" dirty="0"/>
-              <a:t>one write port (A3-&gt;WD3)</a:t>
-            </a:r>
-          </a:p>
-          <a:p>
-            <a:pPr lvl="1"/>
-            <a:r>
-              <a:rPr lang="en-GB" dirty="0"/>
-              <a:t>the 5-bit addresses (A1, A2, A3) can access all 2</a:t>
-            </a:r>
-            <a:r>
-              <a:rPr lang="en-GB" baseline="30000" dirty="0"/>
-              <a:t>5</a:t>
-            </a:r>
-            <a:r>
-              <a:rPr lang="en-GB" dirty="0"/>
-              <a:t> = 32 registers</a:t>
-            </a:r>
-          </a:p>
-          <a:p>
-            <a:pPr lvl="1"/>
-            <a:r>
-              <a:rPr lang="en-GB" dirty="0"/>
-              <a:t>two registers can be read and one register written simultaneously</a:t>
-            </a:r>
-          </a:p>
-          <a:p>
-            <a:pPr lvl="1"/>
-            <a:endParaRPr lang="en-GB" dirty="0"/>
-          </a:p>
-          <a:p>
-            <a:r>
-              <a:rPr lang="en-GB" dirty="0"/>
-              <a:t>Sometimes, a particular register is </a:t>
+              <a:t>first standardized in 2000 (100 MHz), today (2024) speeds over 5 GHz (DDR5)</a:t>
+            </a:r>
+          </a:p>
+          <a:p>
+            <a:r>
+              <a:rPr lang="en-GB" dirty="0"/>
+              <a:t>The </a:t>
             </a:r>
             <a:r>
               <a:rPr lang="en-GB" b="1" dirty="0"/>
-              <a:t>hardwired</a:t>
-            </a:r>
-            <a:r>
-              <a:rPr lang="en-GB" dirty="0"/>
-              <a:t> to always read the value 0 </a:t>
-            </a:r>
-          </a:p>
-          <a:p>
-            <a:pPr lvl="1"/>
-            <a:r>
-              <a:rPr lang="en-GB" dirty="0"/>
-              <a:t>because 0 is a commonly used constant</a:t>
-            </a:r>
-          </a:p>
-          <a:p>
-            <a:pPr lvl="1"/>
+              <a:t>best memory type </a:t>
+            </a:r>
+            <a:r>
+              <a:rPr lang="en-GB" dirty="0"/>
+              <a:t>for a particular design </a:t>
+            </a:r>
+            <a:r>
+              <a:rPr lang="en-GB" b="1" dirty="0"/>
+              <a:t>depends on the speed, cost, and power constraints</a:t>
+            </a:r>
+          </a:p>
+          <a:p>
+            <a:pPr marL="120650" indent="0">
+              <a:buNone/>
+            </a:pPr>
             <a:endParaRPr lang="en-GB" dirty="0"/>
           </a:p>
         </p:txBody>
       </p:sp>
       <p:pic>
         <p:nvPicPr>
-          <p:cNvPr id="4" name="Immagine 3" descr="Immagine che contiene diagramma, testo, calligrafia, linea&#10;&#10;Descrizione generata automaticamente">
+          <p:cNvPr id="4" name="Immagine 3" descr="Immagine che contiene testo, Carattere, calligrafia, linea&#10;&#10;Descrizione generata automaticamente">
             <a:extLst>
               <a:ext uri="{FF2B5EF4-FFF2-40B4-BE49-F238E27FC236}">
-                <a16:creationId xmlns:a16="http://schemas.microsoft.com/office/drawing/2014/main" id="{692E3EDC-5E90-23B6-979C-F35A8277A87A}"/>
+                <a16:creationId xmlns:a16="http://schemas.microsoft.com/office/drawing/2014/main" id="{058B0FFD-03A7-115D-9AB4-2F647DD6835E}"/>
               </a:ext>
             </a:extLst>
           </p:cNvPr>
@@ -13507,8 +11038,8 @@
         </p:blipFill>
         <p:spPr>
           <a:xfrm>
-            <a:off x="6413500" y="421233"/>
-            <a:ext cx="2730500" cy="2616200"/>
+            <a:off x="537509" y="1769035"/>
+            <a:ext cx="4330700" cy="1168400"/>
           </a:xfrm>
           <a:prstGeom prst="rect">
             <a:avLst/>
@@ -13518,7 +11049,7 @@
     </p:spTree>
     <p:extLst>
       <p:ext uri="{BB962C8B-B14F-4D97-AF65-F5344CB8AC3E}">
-        <p14:creationId xmlns:p14="http://schemas.microsoft.com/office/powerpoint/2010/main" val="3848209052"/>
+        <p14:creationId xmlns:p14="http://schemas.microsoft.com/office/powerpoint/2010/main" val="3164666663"/>
       </p:ext>
     </p:extLst>
   </p:cSld>
@@ -14084,36 +11615,6 @@
           <a:xfrm>
             <a:off x="5982788" y="1453653"/>
             <a:ext cx="3161211" cy="3184627"/>
-          </a:xfrm>
-          <a:prstGeom prst="rect">
-            <a:avLst/>
-          </a:prstGeom>
-        </p:spPr>
-      </p:pic>
-      <p:pic>
-        <p:nvPicPr>
-          <p:cNvPr id="10" name="Immagine 9" descr="Immagine che contiene testo, libro, bianco e nero, monocromatico&#10;&#10;Descrizione generata automaticamente">
-            <a:extLst>
-              <a:ext uri="{FF2B5EF4-FFF2-40B4-BE49-F238E27FC236}">
-                <a16:creationId xmlns:a16="http://schemas.microsoft.com/office/drawing/2014/main" id="{6615E824-DBB6-BBDB-E306-6F22CE39B903}"/>
-              </a:ext>
-            </a:extLst>
-          </p:cNvPr>
-          <p:cNvPicPr>
-            <a:picLocks noChangeAspect="1"/>
-          </p:cNvPicPr>
-          <p:nvPr/>
-        </p:nvPicPr>
-        <p:blipFill>
-          <a:blip r:embed="rId4"/>
-          <a:stretch>
-            <a:fillRect/>
-          </a:stretch>
-        </p:blipFill>
-        <p:spPr>
-          <a:xfrm>
-            <a:off x="7785121" y="4795516"/>
-            <a:ext cx="1047179" cy="1641251"/>
           </a:xfrm>
           <a:prstGeom prst="rect">
             <a:avLst/>
@@ -14201,8 +11702,8 @@
         </p:nvSpPr>
         <p:spPr>
           <a:xfrm>
-            <a:off x="311700" y="1379909"/>
-            <a:ext cx="8520600" cy="4469561"/>
+            <a:off x="311700" y="1163777"/>
+            <a:ext cx="8520600" cy="5272989"/>
           </a:xfrm>
         </p:spPr>
         <p:txBody>
@@ -14211,88 +11712,238 @@
           <a:p>
             <a:r>
               <a:rPr lang="en-GB" dirty="0"/>
-              <a:t>Building Blocks</a:t>
-            </a:r>
-          </a:p>
-          <a:p>
-            <a:r>
-              <a:rPr lang="en-GB" dirty="0"/>
               <a:t>Counters</a:t>
             </a:r>
           </a:p>
           <a:p>
+            <a:pPr lvl="1">
+              <a:spcBef>
+                <a:spcPts val="0"/>
+              </a:spcBef>
+              <a:spcAft>
+                <a:spcPts val="0"/>
+              </a:spcAft>
+            </a:pPr>
+            <a:r>
+              <a:rPr lang="en-GB" dirty="0"/>
+              <a:t>Counter by Addition</a:t>
+            </a:r>
+          </a:p>
+          <a:p>
+            <a:pPr lvl="1">
+              <a:spcBef>
+                <a:spcPts val="0"/>
+              </a:spcBef>
+              <a:spcAft>
+                <a:spcPts val="0"/>
+              </a:spcAft>
+            </a:pPr>
+            <a:r>
+              <a:rPr lang="en-GB" dirty="0"/>
+              <a:t>Frequency Divider</a:t>
+            </a:r>
+          </a:p>
+          <a:p>
+            <a:pPr lvl="1">
+              <a:spcBef>
+                <a:spcPts val="0"/>
+              </a:spcBef>
+              <a:spcAft>
+                <a:spcPts val="0"/>
+              </a:spcAft>
+            </a:pPr>
             <a:r>
               <a:rPr lang="en-GB" dirty="0"/>
               <a:t>Digitally Controlled Oscillator (DCO)</a:t>
             </a:r>
           </a:p>
           <a:p>
+            <a:pPr lvl="1">
+              <a:spcBef>
+                <a:spcPts val="0"/>
+              </a:spcBef>
+              <a:spcAft>
+                <a:spcPts val="0"/>
+              </a:spcAft>
+            </a:pPr>
+            <a:endParaRPr lang="en-GB" dirty="0"/>
+          </a:p>
+          <a:p>
             <a:r>
               <a:rPr lang="en-GB" dirty="0"/>
               <a:t>Shift Registers</a:t>
             </a:r>
           </a:p>
           <a:p>
+            <a:pPr lvl="1">
+              <a:spcBef>
+                <a:spcPts val="0"/>
+              </a:spcBef>
+              <a:spcAft>
+                <a:spcPts val="0"/>
+              </a:spcAft>
+            </a:pPr>
+            <a:r>
+              <a:rPr lang="en-GB" dirty="0"/>
+              <a:t>Serial-to-Parallel Conversion</a:t>
+            </a:r>
+          </a:p>
+          <a:p>
+            <a:pPr lvl="1">
+              <a:spcBef>
+                <a:spcPts val="0"/>
+              </a:spcBef>
+              <a:spcAft>
+                <a:spcPts val="0"/>
+              </a:spcAft>
+            </a:pPr>
+            <a:r>
+              <a:rPr lang="en-GB" dirty="0"/>
+              <a:t>Parallel-to-Serial Conversion</a:t>
+            </a:r>
+          </a:p>
+          <a:p>
+            <a:pPr lvl="1">
+              <a:spcBef>
+                <a:spcPts val="0"/>
+              </a:spcBef>
+              <a:spcAft>
+                <a:spcPts val="0"/>
+              </a:spcAft>
+            </a:pPr>
             <a:r>
               <a:rPr lang="en-GB" dirty="0"/>
               <a:t>Scan Chains</a:t>
             </a:r>
           </a:p>
           <a:p>
+            <a:pPr lvl="1">
+              <a:spcBef>
+                <a:spcPts val="0"/>
+              </a:spcBef>
+              <a:spcAft>
+                <a:spcPts val="0"/>
+              </a:spcAft>
+            </a:pPr>
+            <a:endParaRPr lang="en-GB" dirty="0"/>
+          </a:p>
+          <a:p>
+            <a:r>
+              <a:rPr lang="en-GB" dirty="0"/>
+              <a:t>Memory</a:t>
+            </a:r>
+          </a:p>
+          <a:p>
+            <a:pPr lvl="1">
+              <a:spcBef>
+                <a:spcPts val="0"/>
+              </a:spcBef>
+              <a:spcAft>
+                <a:spcPts val="0"/>
+              </a:spcAft>
+            </a:pPr>
             <a:r>
               <a:rPr lang="en-GB" dirty="0"/>
               <a:t>Memory Arrays</a:t>
             </a:r>
           </a:p>
           <a:p>
+            <a:pPr lvl="1">
+              <a:spcBef>
+                <a:spcPts val="0"/>
+              </a:spcBef>
+              <a:spcAft>
+                <a:spcPts val="0"/>
+              </a:spcAft>
+            </a:pPr>
             <a:r>
               <a:rPr lang="en-GB" dirty="0"/>
               <a:t>Bit Cell</a:t>
             </a:r>
           </a:p>
           <a:p>
-            <a:r>
-              <a:rPr lang="en-GB" dirty="0"/>
-              <a:t>Dynamic Random Access Memory (DRAM)</a:t>
-            </a:r>
-          </a:p>
-          <a:p>
-            <a:r>
-              <a:rPr lang="en-GB" dirty="0"/>
-              <a:t>Static Random Access Memory (SRAM)</a:t>
-            </a:r>
-          </a:p>
-          <a:p>
-            <a:r>
-              <a:rPr lang="en-GB" dirty="0"/>
-              <a:t>Register Files</a:t>
-            </a:r>
-          </a:p>
-          <a:p>
+            <a:pPr lvl="1">
+              <a:spcBef>
+                <a:spcPts val="0"/>
+              </a:spcBef>
+              <a:spcAft>
+                <a:spcPts val="0"/>
+              </a:spcAft>
+            </a:pPr>
+            <a:r>
+              <a:rPr lang="en-GB" dirty="0"/>
+              <a:t>Random Access Memory (RAM)</a:t>
+            </a:r>
+          </a:p>
+          <a:p>
+            <a:pPr lvl="1">
+              <a:spcBef>
+                <a:spcPts val="0"/>
+              </a:spcBef>
+              <a:spcAft>
+                <a:spcPts val="0"/>
+              </a:spcAft>
+            </a:pPr>
             <a:r>
               <a:rPr lang="en-GB" dirty="0"/>
               <a:t>Read Only Memory (ROM)</a:t>
             </a:r>
           </a:p>
           <a:p>
-            <a:r>
-              <a:rPr lang="en-GB" dirty="0"/>
-              <a:t>Programmable ROM (PROM)</a:t>
-            </a:r>
-          </a:p>
-          <a:p>
+            <a:pPr marL="1054100" lvl="2" indent="0">
+              <a:spcBef>
+                <a:spcPts val="0"/>
+              </a:spcBef>
+              <a:spcAft>
+                <a:spcPts val="0"/>
+              </a:spcAft>
+              <a:buNone/>
+            </a:pPr>
+            <a:endParaRPr lang="en-GB" dirty="0"/>
+          </a:p>
+          <a:p>
+            <a:r>
+              <a:rPr lang="en-GB" dirty="0"/>
+              <a:t>Programmable Hardware</a:t>
+            </a:r>
+          </a:p>
+          <a:p>
+            <a:pPr lvl="1">
+              <a:spcBef>
+                <a:spcPts val="0"/>
+              </a:spcBef>
+              <a:spcAft>
+                <a:spcPts val="0"/>
+              </a:spcAft>
+            </a:pPr>
             <a:r>
               <a:rPr lang="en-GB" dirty="0"/>
               <a:t>Lookup tables (LUT)</a:t>
             </a:r>
           </a:p>
           <a:p>
+            <a:pPr lvl="1">
+              <a:spcBef>
+                <a:spcPts val="0"/>
+              </a:spcBef>
+              <a:spcAft>
+                <a:spcPts val="0"/>
+              </a:spcAft>
+            </a:pPr>
             <a:r>
               <a:rPr lang="en-GB" dirty="0"/>
               <a:t>Programmable Logic Array (PLA)</a:t>
             </a:r>
           </a:p>
           <a:p>
+            <a:pPr lvl="1">
+              <a:spcBef>
+                <a:spcPts val="0"/>
+              </a:spcBef>
+              <a:spcAft>
+                <a:spcPts val="0"/>
+              </a:spcAft>
+            </a:pPr>
             <a:r>
               <a:rPr lang="en-GB" dirty="0"/>
               <a:t>Field Programmable Gate Array (FPGA)</a:t>
@@ -15158,79 +12809,6 @@
             <a:pPr lvl="0"/>
             <a:endParaRPr lang="en-GB" dirty="0"/>
           </a:p>
-          <a:p>
-            <a:pPr marL="120650" lvl="0" indent="0">
-              <a:buNone/>
-            </a:pPr>
-            <a:endParaRPr lang="en-GB" sz="1800" dirty="0"/>
-          </a:p>
-          <a:p>
-            <a:pPr lvl="0"/>
-            <a:r>
-              <a:rPr lang="en-GB" dirty="0"/>
-              <a:t>ROMs can be viewed as a special case of PLAs</a:t>
-            </a:r>
-          </a:p>
-          <a:p>
-            <a:pPr lvl="1"/>
-            <a:r>
-              <a:rPr lang="en-GB" dirty="0"/>
-              <a:t>A 2</a:t>
-            </a:r>
-            <a:r>
-              <a:rPr lang="en-GB" baseline="30000" dirty="0"/>
-              <a:t>M</a:t>
-            </a:r>
-            <a:r>
-              <a:rPr lang="en-GB" dirty="0"/>
-              <a:t>-word×N-bit ROM is simply an M×2</a:t>
-            </a:r>
-            <a:r>
-              <a:rPr lang="en-GB" baseline="30000" dirty="0"/>
-              <a:t>M</a:t>
-            </a:r>
-            <a:r>
-              <a:rPr lang="en-GB" dirty="0"/>
-              <a:t>×N-bit PLA</a:t>
-            </a:r>
-          </a:p>
-          <a:p>
-            <a:pPr lvl="1"/>
-            <a:r>
-              <a:rPr lang="en-GB" dirty="0"/>
-              <a:t>the decoder behaves as an AND plane that produces all 2</a:t>
-            </a:r>
-            <a:r>
-              <a:rPr lang="en-GB" baseline="30000" dirty="0"/>
-              <a:t>M</a:t>
-            </a:r>
-            <a:r>
-              <a:rPr lang="en-GB" dirty="0"/>
-              <a:t> minterms</a:t>
-            </a:r>
-          </a:p>
-          <a:p>
-            <a:pPr lvl="1"/>
-            <a:r>
-              <a:rPr lang="en-GB" dirty="0"/>
-              <a:t>the ROM array behaves as the OR plane that produces the outputs</a:t>
-            </a:r>
-          </a:p>
-          <a:p>
-            <a:r>
-              <a:rPr lang="en-GB" dirty="0"/>
-              <a:t>If function does not depend on all minterms, PLA is smaller than a ROM</a:t>
-            </a:r>
-          </a:p>
-          <a:p>
-            <a:endParaRPr lang="en-GB" sz="300" dirty="0"/>
-          </a:p>
-          <a:p>
-            <a:r>
-              <a:rPr lang="en-GB" dirty="0"/>
-              <a:t>PLAs have largely been displaced by FPGAs, which are more flexible and efficient</a:t>
-            </a:r>
-          </a:p>
         </p:txBody>
       </p:sp>
       <p:pic>
@@ -15285,38 +12863,8 @@
         </p:blipFill>
         <p:spPr>
           <a:xfrm>
-            <a:off x="2334262" y="1060171"/>
+            <a:off x="3032531" y="1043733"/>
             <a:ext cx="3331779" cy="2888993"/>
-          </a:xfrm>
-          <a:prstGeom prst="rect">
-            <a:avLst/>
-          </a:prstGeom>
-        </p:spPr>
-      </p:pic>
-      <p:pic>
-        <p:nvPicPr>
-          <p:cNvPr id="11" name="Immagine 10" descr="Immagine che contiene diagramma, testo, linea, Parallelo&#10;&#10;Descrizione generata automaticamente">
-            <a:extLst>
-              <a:ext uri="{FF2B5EF4-FFF2-40B4-BE49-F238E27FC236}">
-                <a16:creationId xmlns:a16="http://schemas.microsoft.com/office/drawing/2014/main" id="{F9BB2082-3483-0A2F-6D9A-D441E679ABD8}"/>
-              </a:ext>
-            </a:extLst>
-          </p:cNvPr>
-          <p:cNvPicPr>
-            <a:picLocks noChangeAspect="1"/>
-          </p:cNvPicPr>
-          <p:nvPr/>
-        </p:nvPicPr>
-        <p:blipFill>
-          <a:blip r:embed="rId5"/>
-          <a:stretch>
-            <a:fillRect/>
-          </a:stretch>
-        </p:blipFill>
-        <p:spPr>
-          <a:xfrm>
-            <a:off x="5967935" y="996267"/>
-            <a:ext cx="3013315" cy="2952897"/>
           </a:xfrm>
           <a:prstGeom prst="rect">
             <a:avLst/>
@@ -15431,137 +12979,79 @@
             </a:r>
           </a:p>
           <a:p>
-            <a:pPr lvl="1"/>
-            <a:r>
-              <a:rPr lang="en-GB" dirty="0"/>
-              <a:t>user can implement designs employing either an </a:t>
-            </a:r>
-            <a:br>
-              <a:rPr lang="en-GB" dirty="0"/>
-            </a:br>
-            <a:r>
-              <a:rPr lang="en-GB" b="1" dirty="0"/>
-              <a:t>Hardware Description Language</a:t>
-            </a:r>
-            <a:r>
-              <a:rPr lang="en-GB" dirty="0"/>
-              <a:t> (HDL) or a schematic </a:t>
-            </a:r>
-          </a:p>
-          <a:p>
-            <a:pPr lvl="1"/>
-            <a:r>
-              <a:rPr lang="en-GB" dirty="0"/>
-              <a:t>each LE can be configured to perform combinational or </a:t>
-            </a:r>
-            <a:br>
-              <a:rPr lang="en-GB" dirty="0"/>
-            </a:br>
-            <a:r>
-              <a:rPr lang="en-GB" dirty="0"/>
-              <a:t>sequential functions</a:t>
-            </a:r>
-          </a:p>
-          <a:p>
-            <a:pPr lvl="1"/>
-            <a:r>
-              <a:rPr lang="en-GB" dirty="0"/>
-              <a:t>LEs are surrounded by </a:t>
-            </a:r>
-            <a:r>
-              <a:rPr lang="en-GB" b="1" dirty="0"/>
-              <a:t>input/output elements</a:t>
-            </a:r>
-            <a:r>
-              <a:rPr lang="en-GB" dirty="0"/>
-              <a:t> (</a:t>
-            </a:r>
-            <a:r>
-              <a:rPr lang="en-GB" b="1" dirty="0"/>
-              <a:t>IOE</a:t>
-            </a:r>
-            <a:r>
-              <a:rPr lang="en-GB" dirty="0"/>
-              <a:t>) for </a:t>
-            </a:r>
-            <a:br>
-              <a:rPr lang="en-GB" dirty="0"/>
-            </a:br>
-            <a:r>
-              <a:rPr lang="en-GB" dirty="0"/>
-              <a:t>interfacing with the outside world</a:t>
-            </a:r>
-          </a:p>
-          <a:p>
-            <a:pPr lvl="2"/>
-            <a:r>
-              <a:rPr lang="en-GB" dirty="0"/>
-              <a:t>IOEs inputs and outputs to pins on the chip package</a:t>
-            </a:r>
-          </a:p>
-          <a:p>
-            <a:pPr lvl="1"/>
-            <a:r>
-              <a:rPr lang="en-GB" dirty="0"/>
-              <a:t>LEs can connect to other LEs and IOEs through </a:t>
-            </a:r>
-            <a:br>
-              <a:rPr lang="en-GB" dirty="0"/>
-            </a:br>
-            <a:r>
-              <a:rPr lang="en-GB" dirty="0"/>
-              <a:t>programmable routing channels</a:t>
-            </a:r>
-            <a:endParaRPr lang="en-GB" sz="1000" dirty="0"/>
-          </a:p>
-          <a:p>
-            <a:r>
-              <a:rPr lang="en-GB" dirty="0"/>
-              <a:t>FPGAs are more powerful and more flexible than PLAs </a:t>
-            </a:r>
-          </a:p>
-          <a:p>
-            <a:pPr lvl="1"/>
-            <a:r>
-              <a:rPr lang="en-GB" dirty="0"/>
-              <a:t>can implement both combinational and sequential logic</a:t>
-            </a:r>
-          </a:p>
-          <a:p>
-            <a:pPr lvl="1"/>
-            <a:r>
-              <a:rPr lang="en-GB" dirty="0"/>
-              <a:t>can implement multilevel logic functions (not just two-level logic)</a:t>
-            </a:r>
-          </a:p>
-          <a:p>
-            <a:r>
-              <a:rPr lang="en-GB" dirty="0"/>
-              <a:t>FPGAs are used on several consumer products</a:t>
-            </a:r>
-          </a:p>
-          <a:p>
-            <a:pPr lvl="1"/>
-            <a:r>
-              <a:rPr lang="en-GB" dirty="0"/>
-              <a:t>Mercedes Benz S-Class has over a dozed on Xilinx FPGAs</a:t>
-            </a:r>
-          </a:p>
-          <a:p>
-            <a:pPr lvl="1"/>
-            <a:r>
-              <a:rPr lang="en-GB" dirty="0"/>
-              <a:t>quick time-to-market</a:t>
+            <a:pPr lvl="0"/>
+            <a:endParaRPr lang="en-GB" b="1" dirty="0"/>
+          </a:p>
+          <a:p>
+            <a:pPr lvl="0"/>
+            <a:endParaRPr lang="en-GB" b="1" dirty="0"/>
+          </a:p>
+          <a:p>
+            <a:pPr lvl="0"/>
+            <a:endParaRPr lang="en-GB" b="1" dirty="0"/>
+          </a:p>
+          <a:p>
+            <a:pPr lvl="0"/>
+            <a:endParaRPr lang="en-GB" b="1" dirty="0"/>
+          </a:p>
+          <a:p>
+            <a:pPr lvl="0"/>
+            <a:endParaRPr lang="en-GB" b="1" dirty="0"/>
+          </a:p>
+          <a:p>
+            <a:pPr lvl="0"/>
+            <a:endParaRPr lang="en-GB" b="1" dirty="0"/>
+          </a:p>
+          <a:p>
+            <a:pPr lvl="0"/>
+            <a:endParaRPr lang="en-GB" b="1" dirty="0"/>
+          </a:p>
+          <a:p>
+            <a:pPr lvl="0"/>
+            <a:endParaRPr lang="en-GB" b="1" dirty="0"/>
+          </a:p>
+          <a:p>
+            <a:pPr lvl="0"/>
+            <a:endParaRPr lang="en-GB" b="1" dirty="0"/>
+          </a:p>
+          <a:p>
+            <a:pPr lvl="0"/>
+            <a:endParaRPr lang="en-GB" b="1" dirty="0"/>
+          </a:p>
+          <a:p>
+            <a:pPr lvl="0"/>
+            <a:endParaRPr lang="en-GB" b="1" dirty="0"/>
+          </a:p>
+          <a:p>
+            <a:pPr lvl="0"/>
+            <a:endParaRPr lang="en-GB" b="1" dirty="0"/>
+          </a:p>
+          <a:p>
+            <a:pPr lvl="0"/>
+            <a:endParaRPr lang="en-GB" b="1" dirty="0"/>
+          </a:p>
+          <a:p>
+            <a:pPr lvl="0"/>
+            <a:endParaRPr lang="en-GB" b="1" dirty="0"/>
+          </a:p>
+          <a:p>
+            <a:pPr lvl="0"/>
+            <a:endParaRPr lang="en-GB" b="1" dirty="0"/>
+          </a:p>
+          <a:p>
+            <a:r>
+              <a:rPr lang="en-GB" dirty="0"/>
+              <a:t>LE can be configured to perform combinational or sequential functions</a:t>
             </a:r>
           </a:p>
         </p:txBody>
       </p:sp>
       <p:pic>
         <p:nvPicPr>
-          <p:cNvPr id="3" name="Immagine 2" descr="Immagine che contiene testo, schermata, Rettangolo, quadrato&#10;&#10;Descrizione generata automaticamente">
+          <p:cNvPr id="2" name="Immagine 1">
             <a:extLst>
               <a:ext uri="{FF2B5EF4-FFF2-40B4-BE49-F238E27FC236}">
-                <a16:creationId xmlns:a16="http://schemas.microsoft.com/office/drawing/2014/main" id="{DB10C530-1089-EDE3-18A8-B31E89AD4E6F}"/>
+                <a16:creationId xmlns:a16="http://schemas.microsoft.com/office/drawing/2014/main" id="{273F2440-1516-65F2-1D12-71E0C872BC53}"/>
               </a:ext>
             </a:extLst>
           </p:cNvPr>
@@ -15578,8 +13068,8 @@
         </p:blipFill>
         <p:spPr>
           <a:xfrm>
-            <a:off x="6438505" y="1212536"/>
-            <a:ext cx="2542745" cy="2216464"/>
+            <a:off x="718458" y="1562171"/>
+            <a:ext cx="7410942" cy="4043972"/>
           </a:xfrm>
           <a:prstGeom prst="rect">
             <a:avLst/>
@@ -15774,6 +13264,409 @@
   <p:cSld>
     <p:spTree>
       <p:nvGrpSpPr>
+        <p:cNvPr id="1" name="Shape 82">
+          <a:extLst>
+            <a:ext uri="{FF2B5EF4-FFF2-40B4-BE49-F238E27FC236}">
+              <a16:creationId xmlns:a16="http://schemas.microsoft.com/office/drawing/2014/main" id="{257240B0-E591-F51A-DA99-FA1AEE918EE6}"/>
+            </a:ext>
+          </a:extLst>
+        </p:cNvPr>
+        <p:cNvGrpSpPr/>
+        <p:nvPr/>
+      </p:nvGrpSpPr>
+      <p:grpSpPr>
+        <a:xfrm>
+          <a:off x="0" y="0"/>
+          <a:ext cx="0" cy="0"/>
+          <a:chOff x="0" y="0"/>
+          <a:chExt cx="0" cy="0"/>
+        </a:xfrm>
+      </p:grpSpPr>
+      <p:sp>
+        <p:nvSpPr>
+          <p:cNvPr id="83" name="Google Shape;83;p14">
+            <a:extLst>
+              <a:ext uri="{FF2B5EF4-FFF2-40B4-BE49-F238E27FC236}">
+                <a16:creationId xmlns:a16="http://schemas.microsoft.com/office/drawing/2014/main" id="{040326EC-91A2-E2AB-7A81-CFA53E8EC113}"/>
+              </a:ext>
+            </a:extLst>
+          </p:cNvPr>
+          <p:cNvSpPr txBox="1">
+            <a:spLocks noGrp="1"/>
+          </p:cNvSpPr>
+          <p:nvPr>
+            <p:ph type="title" idx="4294967295"/>
+          </p:nvPr>
+        </p:nvSpPr>
+        <p:spPr>
+          <a:xfrm>
+            <a:off x="311700" y="421233"/>
+            <a:ext cx="8520600" cy="622500"/>
+          </a:xfrm>
+          <a:prstGeom prst="rect">
+            <a:avLst/>
+          </a:prstGeom>
+        </p:spPr>
+        <p:txBody>
+          <a:bodyPr spcFirstLastPara="1" wrap="square" lIns="91425" tIns="91425" rIns="91425" bIns="91425" anchor="b" anchorCtr="0">
+            <a:noAutofit/>
+          </a:bodyPr>
+          <a:lstStyle/>
+          <a:p>
+            <a:pPr marL="0" lvl="0" indent="0" algn="l" rtl="0">
+              <a:spcBef>
+                <a:spcPts val="0"/>
+              </a:spcBef>
+              <a:spcAft>
+                <a:spcPts val="0"/>
+              </a:spcAft>
+              <a:buNone/>
+            </a:pPr>
+            <a:r>
+              <a:rPr lang="en-GB" dirty="0"/>
+              <a:t>Field Programmable Gate Array (FPGA) (3)</a:t>
+            </a:r>
+            <a:endParaRPr dirty="0"/>
+          </a:p>
+        </p:txBody>
+      </p:sp>
+      <p:sp>
+        <p:nvSpPr>
+          <p:cNvPr id="84" name="Google Shape;84;p14">
+            <a:extLst>
+              <a:ext uri="{FF2B5EF4-FFF2-40B4-BE49-F238E27FC236}">
+                <a16:creationId xmlns:a16="http://schemas.microsoft.com/office/drawing/2014/main" id="{F96AE378-1655-DED7-60E6-ACCD1F8F2D9A}"/>
+              </a:ext>
+            </a:extLst>
+          </p:cNvPr>
+          <p:cNvSpPr txBox="1">
+            <a:spLocks noGrp="1"/>
+          </p:cNvSpPr>
+          <p:nvPr>
+            <p:ph type="body" idx="1"/>
+          </p:nvPr>
+        </p:nvSpPr>
+        <p:spPr>
+          <a:xfrm>
+            <a:off x="171450" y="963051"/>
+            <a:ext cx="8818500" cy="5679796"/>
+          </a:xfrm>
+          <a:prstGeom prst="rect">
+            <a:avLst/>
+          </a:prstGeom>
+        </p:spPr>
+        <p:txBody>
+          <a:bodyPr spcFirstLastPara="1" wrap="square" lIns="91425" tIns="91425" rIns="91425" bIns="91425" anchor="t" anchorCtr="0">
+            <a:noAutofit/>
+          </a:bodyPr>
+          <a:lstStyle/>
+          <a:p>
+            <a:r>
+              <a:rPr lang="en-GB" dirty="0"/>
+              <a:t>The power of an FPGA emerges from </a:t>
+            </a:r>
+            <a:r>
+              <a:rPr lang="en-GB" b="1" dirty="0"/>
+              <a:t>scale</a:t>
+            </a:r>
+          </a:p>
+          <a:p>
+            <a:pPr lvl="1"/>
+            <a:r>
+              <a:rPr lang="en-GB" dirty="0"/>
+              <a:t>each LE can be connected (flexibly and dynamically) to many others</a:t>
+            </a:r>
+          </a:p>
+          <a:p>
+            <a:pPr lvl="1"/>
+            <a:r>
+              <a:rPr lang="en-GB" dirty="0"/>
+              <a:t>allowing thousands of simple elements to cooperate in complex digital systems</a:t>
+            </a:r>
+          </a:p>
+          <a:p>
+            <a:pPr lvl="1"/>
+            <a:endParaRPr lang="en-GB" dirty="0"/>
+          </a:p>
+          <a:p>
+            <a:pPr lvl="1"/>
+            <a:endParaRPr lang="en-GB" dirty="0"/>
+          </a:p>
+          <a:p>
+            <a:pPr lvl="1"/>
+            <a:endParaRPr lang="en-GB" dirty="0"/>
+          </a:p>
+          <a:p>
+            <a:pPr lvl="1"/>
+            <a:endParaRPr lang="en-GB" dirty="0"/>
+          </a:p>
+          <a:p>
+            <a:pPr lvl="1"/>
+            <a:endParaRPr lang="en-GB" dirty="0"/>
+          </a:p>
+          <a:p>
+            <a:pPr lvl="1"/>
+            <a:endParaRPr lang="en-GB" dirty="0"/>
+          </a:p>
+          <a:p>
+            <a:pPr lvl="1"/>
+            <a:endParaRPr lang="en-GB" dirty="0"/>
+          </a:p>
+          <a:p>
+            <a:pPr lvl="1"/>
+            <a:endParaRPr lang="en-GB" dirty="0"/>
+          </a:p>
+          <a:p>
+            <a:pPr lvl="1"/>
+            <a:endParaRPr lang="en-GB" dirty="0"/>
+          </a:p>
+          <a:p>
+            <a:pPr lvl="1"/>
+            <a:endParaRPr lang="en-GB" dirty="0"/>
+          </a:p>
+          <a:p>
+            <a:r>
+              <a:rPr lang="en-GB" dirty="0"/>
+              <a:t>Circles represent </a:t>
+            </a:r>
+            <a:r>
+              <a:rPr lang="en-GB" b="1" dirty="0"/>
+              <a:t>programmable routing switches</a:t>
+            </a:r>
+            <a:r>
+              <a:rPr lang="en-GB" dirty="0"/>
+              <a:t> that allow the output of a logic cell to be directed almost anywhere on the chip</a:t>
+            </a:r>
+          </a:p>
+          <a:p>
+            <a:endParaRPr lang="en-GB" dirty="0"/>
+          </a:p>
+        </p:txBody>
+      </p:sp>
+      <p:pic>
+        <p:nvPicPr>
+          <p:cNvPr id="2" name="Immagine 1">
+            <a:extLst>
+              <a:ext uri="{FF2B5EF4-FFF2-40B4-BE49-F238E27FC236}">
+                <a16:creationId xmlns:a16="http://schemas.microsoft.com/office/drawing/2014/main" id="{AA1D746F-8357-ABC4-B011-856C16552F13}"/>
+              </a:ext>
+            </a:extLst>
+          </p:cNvPr>
+          <p:cNvPicPr>
+            <a:picLocks noChangeAspect="1"/>
+          </p:cNvPicPr>
+          <p:nvPr/>
+        </p:nvPicPr>
+        <p:blipFill>
+          <a:blip r:embed="rId3"/>
+          <a:stretch>
+            <a:fillRect/>
+          </a:stretch>
+        </p:blipFill>
+        <p:spPr>
+          <a:xfrm>
+            <a:off x="827314" y="2023728"/>
+            <a:ext cx="5372988" cy="3871221"/>
+          </a:xfrm>
+          <a:prstGeom prst="rect">
+            <a:avLst/>
+          </a:prstGeom>
+        </p:spPr>
+      </p:pic>
+    </p:spTree>
+    <p:extLst>
+      <p:ext uri="{BB962C8B-B14F-4D97-AF65-F5344CB8AC3E}">
+        <p14:creationId xmlns:p14="http://schemas.microsoft.com/office/powerpoint/2010/main" val="3260907651"/>
+      </p:ext>
+    </p:extLst>
+  </p:cSld>
+  <p:clrMapOvr>
+    <a:masterClrMapping/>
+  </p:clrMapOvr>
+</p:sld>
+</file>
+
+<file path=ppt/slides/slide27.xml><?xml version="1.0" encoding="utf-8"?>
+<p:sld xmlns:a="http://schemas.openxmlformats.org/drawingml/2006/main" xmlns:r="http://schemas.openxmlformats.org/officeDocument/2006/relationships" xmlns:p="http://schemas.openxmlformats.org/presentationml/2006/main">
+  <p:cSld>
+    <p:spTree>
+      <p:nvGrpSpPr>
+        <p:cNvPr id="1" name="Shape 82">
+          <a:extLst>
+            <a:ext uri="{FF2B5EF4-FFF2-40B4-BE49-F238E27FC236}">
+              <a16:creationId xmlns:a16="http://schemas.microsoft.com/office/drawing/2014/main" id="{E5BB3BDF-8C94-0C46-0D40-B521A41A286D}"/>
+            </a:ext>
+          </a:extLst>
+        </p:cNvPr>
+        <p:cNvGrpSpPr/>
+        <p:nvPr/>
+      </p:nvGrpSpPr>
+      <p:grpSpPr>
+        <a:xfrm>
+          <a:off x="0" y="0"/>
+          <a:ext cx="0" cy="0"/>
+          <a:chOff x="0" y="0"/>
+          <a:chExt cx="0" cy="0"/>
+        </a:xfrm>
+      </p:grpSpPr>
+      <p:sp>
+        <p:nvSpPr>
+          <p:cNvPr id="83" name="Google Shape;83;p14">
+            <a:extLst>
+              <a:ext uri="{FF2B5EF4-FFF2-40B4-BE49-F238E27FC236}">
+                <a16:creationId xmlns:a16="http://schemas.microsoft.com/office/drawing/2014/main" id="{13EF303C-2F1B-1FE3-EBB9-C92C29EF9E2E}"/>
+              </a:ext>
+            </a:extLst>
+          </p:cNvPr>
+          <p:cNvSpPr txBox="1">
+            <a:spLocks noGrp="1"/>
+          </p:cNvSpPr>
+          <p:nvPr>
+            <p:ph type="title" idx="4294967295"/>
+          </p:nvPr>
+        </p:nvSpPr>
+        <p:spPr>
+          <a:xfrm>
+            <a:off x="311700" y="421233"/>
+            <a:ext cx="8520600" cy="622500"/>
+          </a:xfrm>
+          <a:prstGeom prst="rect">
+            <a:avLst/>
+          </a:prstGeom>
+        </p:spPr>
+        <p:txBody>
+          <a:bodyPr spcFirstLastPara="1" wrap="square" lIns="91425" tIns="91425" rIns="91425" bIns="91425" anchor="b" anchorCtr="0">
+            <a:noAutofit/>
+          </a:bodyPr>
+          <a:lstStyle/>
+          <a:p>
+            <a:pPr marL="0" lvl="0" indent="0" algn="l" rtl="0">
+              <a:spcBef>
+                <a:spcPts val="0"/>
+              </a:spcBef>
+              <a:spcAft>
+                <a:spcPts val="0"/>
+              </a:spcAft>
+              <a:buNone/>
+            </a:pPr>
+            <a:r>
+              <a:rPr lang="en-GB" dirty="0"/>
+              <a:t>Field Programmable Gate Array (FPGA) (4)</a:t>
+            </a:r>
+            <a:endParaRPr dirty="0"/>
+          </a:p>
+        </p:txBody>
+      </p:sp>
+      <p:sp>
+        <p:nvSpPr>
+          <p:cNvPr id="84" name="Google Shape;84;p14">
+            <a:extLst>
+              <a:ext uri="{FF2B5EF4-FFF2-40B4-BE49-F238E27FC236}">
+                <a16:creationId xmlns:a16="http://schemas.microsoft.com/office/drawing/2014/main" id="{392038AF-C5C7-9189-38C9-438B22184642}"/>
+              </a:ext>
+            </a:extLst>
+          </p:cNvPr>
+          <p:cNvSpPr txBox="1">
+            <a:spLocks noGrp="1"/>
+          </p:cNvSpPr>
+          <p:nvPr>
+            <p:ph type="body" idx="1"/>
+          </p:nvPr>
+        </p:nvSpPr>
+        <p:spPr>
+          <a:xfrm>
+            <a:off x="171450" y="963051"/>
+            <a:ext cx="8818500" cy="5679796"/>
+          </a:xfrm>
+          <a:prstGeom prst="rect">
+            <a:avLst/>
+          </a:prstGeom>
+        </p:spPr>
+        <p:txBody>
+          <a:bodyPr spcFirstLastPara="1" wrap="square" lIns="91425" tIns="91425" rIns="91425" bIns="91425" anchor="t" anchorCtr="0">
+            <a:noAutofit/>
+          </a:bodyPr>
+          <a:lstStyle/>
+          <a:p>
+            <a:r>
+              <a:rPr lang="en-GB" dirty="0"/>
+              <a:t>LEs are surrounded by </a:t>
+            </a:r>
+            <a:r>
+              <a:rPr lang="en-GB" b="1" dirty="0"/>
+              <a:t>input/output elements</a:t>
+            </a:r>
+            <a:r>
+              <a:rPr lang="en-GB" dirty="0"/>
+              <a:t> (</a:t>
+            </a:r>
+            <a:r>
+              <a:rPr lang="en-GB" b="1" dirty="0"/>
+              <a:t>IOE</a:t>
+            </a:r>
+            <a:r>
+              <a:rPr lang="en-GB" dirty="0"/>
+              <a:t>) for interfacing with the outside world</a:t>
+            </a:r>
+          </a:p>
+          <a:p>
+            <a:pPr lvl="1"/>
+            <a:r>
+              <a:rPr lang="en-GB" dirty="0"/>
+              <a:t>IOEs inputs and outputs to pins on the chip package</a:t>
+            </a:r>
+          </a:p>
+        </p:txBody>
+      </p:sp>
+      <p:pic>
+        <p:nvPicPr>
+          <p:cNvPr id="2" name="Immagine 1">
+            <a:extLst>
+              <a:ext uri="{FF2B5EF4-FFF2-40B4-BE49-F238E27FC236}">
+                <a16:creationId xmlns:a16="http://schemas.microsoft.com/office/drawing/2014/main" id="{8961FEC5-79AC-99CE-87D9-C7D041498F32}"/>
+              </a:ext>
+            </a:extLst>
+          </p:cNvPr>
+          <p:cNvPicPr>
+            <a:picLocks noChangeAspect="1"/>
+          </p:cNvPicPr>
+          <p:nvPr/>
+        </p:nvPicPr>
+        <p:blipFill>
+          <a:blip r:embed="rId3"/>
+          <a:srcRect r="33193"/>
+          <a:stretch>
+            <a:fillRect/>
+          </a:stretch>
+        </p:blipFill>
+        <p:spPr>
+          <a:xfrm>
+            <a:off x="1578429" y="2037803"/>
+            <a:ext cx="5192485" cy="4507072"/>
+          </a:xfrm>
+          <a:prstGeom prst="rect">
+            <a:avLst/>
+          </a:prstGeom>
+        </p:spPr>
+      </p:pic>
+    </p:spTree>
+    <p:extLst>
+      <p:ext uri="{BB962C8B-B14F-4D97-AF65-F5344CB8AC3E}">
+        <p14:creationId xmlns:p14="http://schemas.microsoft.com/office/powerpoint/2010/main" val="4156977364"/>
+      </p:ext>
+    </p:extLst>
+  </p:cSld>
+  <p:clrMapOvr>
+    <a:masterClrMapping/>
+  </p:clrMapOvr>
+</p:sld>
+</file>
+
+<file path=ppt/slides/slide28.xml><?xml version="1.0" encoding="utf-8"?>
+<p:sld xmlns:a="http://schemas.openxmlformats.org/drawingml/2006/main" xmlns:r="http://schemas.openxmlformats.org/officeDocument/2006/relationships" xmlns:p="http://schemas.openxmlformats.org/presentationml/2006/main">
+  <p:cSld>
+    <p:spTree>
+      <p:nvGrpSpPr>
         <p:cNvPr id="1" name="Shape 82"/>
         <p:cNvGrpSpPr/>
         <p:nvPr/>
@@ -15822,7 +13715,7 @@
             </a:pPr>
             <a:r>
               <a:rPr lang="en-GB" dirty="0"/>
-              <a:t>Field Programmable Gate Array (FPGA) (3)</a:t>
+              <a:t>Field Programmable Gate Array (FPGA) (5)</a:t>
             </a:r>
             <a:endParaRPr dirty="0"/>
           </a:p>
@@ -15840,8 +13733,8 @@
         </p:nvSpPr>
         <p:spPr>
           <a:xfrm>
-            <a:off x="171450" y="963051"/>
-            <a:ext cx="8818500" cy="5679796"/>
+            <a:off x="162750" y="1289622"/>
+            <a:ext cx="8818500" cy="5147145"/>
           </a:xfrm>
           <a:prstGeom prst="rect">
             <a:avLst/>
@@ -15855,61 +13748,26 @@
           <a:p>
             <a:r>
               <a:rPr lang="en-GB" dirty="0"/>
-              <a:t>Other brands of FPGA are organized somewhat differently, but the same general principles apply </a:t>
+              <a:t>The designer configures an FPGA by first creating an HDL description</a:t>
+            </a:r>
+          </a:p>
+          <a:p>
+            <a:r>
+              <a:rPr lang="en-GB" dirty="0"/>
+              <a:t>The design is then synthesized onto the FPGA</a:t>
             </a:r>
           </a:p>
           <a:p>
             <a:pPr lvl="1"/>
             <a:r>
               <a:rPr lang="en-GB" dirty="0"/>
-              <a:t>for example, Xilinx’s 7-series FPGAs use 6-input LUTs instead of 4-input LUTs</a:t>
-            </a:r>
-          </a:p>
-          <a:p>
-            <a:r>
-              <a:rPr lang="en-GB" dirty="0"/>
-              <a:t>The designer configures an FPGA by first creating a schematic or HDL description of the design</a:t>
-            </a:r>
-          </a:p>
-          <a:p>
-            <a:pPr lvl="1"/>
-            <a:r>
-              <a:rPr lang="en-GB" dirty="0"/>
-              <a:t>the design is then synthesized onto the FPGA</a:t>
-            </a:r>
-          </a:p>
-          <a:p>
-            <a:pPr lvl="1"/>
-            <a:r>
-              <a:rPr lang="en-GB" dirty="0"/>
-              <a:t>synthesis tool determines how the LUTs, multiplexers, and routing channels should be configured to perform the specified functions</a:t>
+              <a:t>determines how the LUTs, multiplexers, and routing channels should be configured to perform the specified function</a:t>
             </a:r>
           </a:p>
           <a:p>
             <a:r>
               <a:rPr lang="en-GB" dirty="0"/>
               <a:t>This configuration information is then downloaded to the FPGA </a:t>
-            </a:r>
-          </a:p>
-          <a:p>
-            <a:pPr lvl="1"/>
-            <a:r>
-              <a:rPr lang="en-GB" dirty="0"/>
-              <a:t>Cyclone IV FPGAs store their configuration information in SRAM and then are easily reprogrammed</a:t>
-            </a:r>
-          </a:p>
-          <a:p>
-            <a:pPr lvl="1"/>
-            <a:r>
-              <a:rPr lang="en-GB" dirty="0"/>
-              <a:t>FPGA may download its SRAM contents from a computer or from an EEPROM chip when the system is turned on</a:t>
-            </a:r>
-          </a:p>
-          <a:p>
-            <a:pPr lvl="2"/>
-            <a:r>
-              <a:rPr lang="en-GB" dirty="0"/>
-              <a:t>some manufacturers include an EEPROM directly on the FPGA or use one-time programmable fuses to configure the FPGA</a:t>
             </a:r>
           </a:p>
           <a:p>
@@ -15919,7 +13777,7 @@
           <a:p>
             <a:r>
               <a:rPr lang="en-GB" dirty="0"/>
-              <a:t>DEEDS is capable of creating an HDL description of your schematic that can be deployed on a real FPGA, as we will see in the next semester!</a:t>
+              <a:t>DEEDS is capable of creating an HDL description of our schematic that can be deployed on a real FPGA, as we will see in the next semester!</a:t>
             </a:r>
           </a:p>
         </p:txBody>
@@ -18321,6 +16179,26 @@
 </file>
 
 <file path=customXml/item1.xml><?xml version="1.0" encoding="utf-8"?>
+<?mso-contentType ?>
+<FormTemplates xmlns="http://schemas.microsoft.com/sharepoint/v3/contenttype/forms">
+  <Display>DocumentLibraryForm</Display>
+  <Edit>DocumentLibraryForm</Edit>
+  <New>DocumentLibraryForm</New>
+</FormTemplates>
+</file>
+
+<file path=customXml/item2.xml><?xml version="1.0" encoding="utf-8"?>
+<p:properties xmlns:p="http://schemas.microsoft.com/office/2006/metadata/properties" xmlns:xsi="http://www.w3.org/2001/XMLSchema-instance" xmlns:pc="http://schemas.microsoft.com/office/infopath/2007/PartnerControls">
+  <documentManagement>
+    <TaxCatchAll xmlns="e9b5433c-2372-4cb7-8bab-09518096b29b" xsi:nil="true"/>
+    <lcf76f155ced4ddcb4097134ff3c332f xmlns="3bd0d43f-5e5b-43cd-b6fc-691bd77672c6">
+      <Terms xmlns="http://schemas.microsoft.com/office/infopath/2007/PartnerControls"/>
+    </lcf76f155ced4ddcb4097134ff3c332f>
+  </documentManagement>
+</p:properties>
+</file>
+
+<file path=customXml/item3.xml><?xml version="1.0" encoding="utf-8"?>
 <ct:contentTypeSchema xmlns:ct="http://schemas.microsoft.com/office/2006/metadata/contentType" xmlns:ma="http://schemas.microsoft.com/office/2006/metadata/properties/metaAttributes" ct:_="" ma:_="" ma:contentTypeName="Documento" ma:contentTypeID="0x010100B8FA822B18A0634FB7342CF29752587A" ma:contentTypeVersion="12" ma:contentTypeDescription="Creare un nuovo documento." ma:contentTypeScope="" ma:versionID="4c8b1e8002f5a6c880c83187af115cef">
   <xsd:schema xmlns:xsd="http://www.w3.org/2001/XMLSchema" xmlns:xs="http://www.w3.org/2001/XMLSchema" xmlns:p="http://schemas.microsoft.com/office/2006/metadata/properties" xmlns:ns2="3bd0d43f-5e5b-43cd-b6fc-691bd77672c6" xmlns:ns3="e9b5433c-2372-4cb7-8bab-09518096b29b" targetNamespace="http://schemas.microsoft.com/office/2006/metadata/properties" ma:root="true" ma:fieldsID="618b708abf3b656f834d84e193700042" ns2:_="" ns3:_="">
     <xsd:import namespace="3bd0d43f-5e5b-43cd-b6fc-691bd77672c6"/>
@@ -18521,34 +16399,46 @@
 </ct:contentTypeSchema>
 </file>
 
-<file path=customXml/item2.xml><?xml version="1.0" encoding="utf-8"?>
-<?mso-contentType ?>
-<FormTemplates xmlns="http://schemas.microsoft.com/sharepoint/v3/contenttype/forms">
-  <Display>DocumentLibraryForm</Display>
-  <Edit>DocumentLibraryForm</Edit>
-  <New>DocumentLibraryForm</New>
-</FormTemplates>
-</file>
-
-<file path=customXml/item3.xml><?xml version="1.0" encoding="utf-8"?>
-<p:properties xmlns:p="http://schemas.microsoft.com/office/2006/metadata/properties" xmlns:xsi="http://www.w3.org/2001/XMLSchema-instance" xmlns:pc="http://schemas.microsoft.com/office/infopath/2007/PartnerControls">
-  <documentManagement>
-    <TaxCatchAll xmlns="e9b5433c-2372-4cb7-8bab-09518096b29b" xsi:nil="true"/>
-    <lcf76f155ced4ddcb4097134ff3c332f xmlns="3bd0d43f-5e5b-43cd-b6fc-691bd77672c6">
-      <Terms xmlns="http://schemas.microsoft.com/office/infopath/2007/PartnerControls"/>
-    </lcf76f155ced4ddcb4097134ff3c332f>
-  </documentManagement>
-</p:properties>
-</file>
-
 <file path=customXml/itemProps1.xml><?xml version="1.0" encoding="utf-8"?>
-<ds:datastoreItem xmlns:ds="http://schemas.openxmlformats.org/officeDocument/2006/customXml" ds:itemID="{209A5D33-C100-4F4E-A85B-9E1EF0319A50}"/>
+<ds:datastoreItem xmlns:ds="http://schemas.openxmlformats.org/officeDocument/2006/customXml" ds:itemID="{018D92DE-74D8-4E8D-B660-A4E78A249987}">
+  <ds:schemaRefs>
+    <ds:schemaRef ds:uri="http://schemas.microsoft.com/sharepoint/v3/contenttype/forms"/>
+  </ds:schemaRefs>
+</ds:datastoreItem>
 </file>
 
 <file path=customXml/itemProps2.xml><?xml version="1.0" encoding="utf-8"?>
-<ds:datastoreItem xmlns:ds="http://schemas.openxmlformats.org/officeDocument/2006/customXml" ds:itemID="{018D92DE-74D8-4E8D-B660-A4E78A249987}"/>
+<ds:datastoreItem xmlns:ds="http://schemas.openxmlformats.org/officeDocument/2006/customXml" ds:itemID="{E5D0B8B2-4476-4716-BA59-88DF709D873D}">
+  <ds:schemaRefs>
+    <ds:schemaRef ds:uri="http://www.w3.org/XML/1998/namespace"/>
+    <ds:schemaRef ds:uri="http://purl.org/dc/dcmitype/"/>
+    <ds:schemaRef ds:uri="http://purl.org/dc/elements/1.1/"/>
+    <ds:schemaRef ds:uri="http://schemas.microsoft.com/office/2006/documentManagement/types"/>
+    <ds:schemaRef ds:uri="http://schemas.openxmlformats.org/package/2006/metadata/core-properties"/>
+    <ds:schemaRef ds:uri="3bd0d43f-5e5b-43cd-b6fc-691bd77672c6"/>
+    <ds:schemaRef ds:uri="http://schemas.microsoft.com/office/2006/metadata/properties"/>
+    <ds:schemaRef ds:uri="e9b5433c-2372-4cb7-8bab-09518096b29b"/>
+    <ds:schemaRef ds:uri="http://schemas.microsoft.com/office/infopath/2007/PartnerControls"/>
+    <ds:schemaRef ds:uri="http://purl.org/dc/terms/"/>
+  </ds:schemaRefs>
+</ds:datastoreItem>
 </file>
 
 <file path=customXml/itemProps3.xml><?xml version="1.0" encoding="utf-8"?>
-<ds:datastoreItem xmlns:ds="http://schemas.openxmlformats.org/officeDocument/2006/customXml" ds:itemID="{E5D0B8B2-4476-4716-BA59-88DF709D873D}"/>
+<ds:datastoreItem xmlns:ds="http://schemas.openxmlformats.org/officeDocument/2006/customXml" ds:itemID="{209A5D33-C100-4F4E-A85B-9E1EF0319A50}">
+  <ds:schemaRefs>
+    <ds:schemaRef ds:uri="http://schemas.microsoft.com/office/2006/metadata/contentType"/>
+    <ds:schemaRef ds:uri="http://schemas.microsoft.com/office/2006/metadata/properties/metaAttributes"/>
+    <ds:schemaRef ds:uri="http://www.w3.org/2001/XMLSchema"/>
+    <ds:schemaRef ds:uri="http://schemas.microsoft.com/office/2006/metadata/properties"/>
+    <ds:schemaRef ds:uri="3bd0d43f-5e5b-43cd-b6fc-691bd77672c6"/>
+    <ds:schemaRef ds:uri="e9b5433c-2372-4cb7-8bab-09518096b29b"/>
+    <ds:schemaRef ds:uri="http://schemas.microsoft.com/office/2006/documentManagement/types"/>
+    <ds:schemaRef ds:uri="http://schemas.microsoft.com/office/infopath/2007/PartnerControls"/>
+    <ds:schemaRef ds:uri="http://schemas.openxmlformats.org/package/2006/metadata/core-properties"/>
+    <ds:schemaRef ds:uri="http://purl.org/dc/elements/1.1/"/>
+    <ds:schemaRef ds:uri="http://purl.org/dc/terms/"/>
+    <ds:schemaRef ds:uri="http://schemas.microsoft.com/internal/obd"/>
+  </ds:schemaRefs>
+</ds:datastoreItem>
 </file>
--- a/11 - Sequential Building Blocks/slides.pptx
+++ b/11 - Sequential Building Blocks/slides.pptx
@@ -295,7 +295,7 @@
 <file path=ppt/revisionInfo.xml><?xml version="1.0" encoding="utf-8"?>
 <p1510:revInfo xmlns:a="http://schemas.openxmlformats.org/drawingml/2006/main" xmlns:r="http://schemas.openxmlformats.org/officeDocument/2006/relationships" xmlns:p1510="http://schemas.microsoft.com/office/powerpoint/2015/10/main">
   <p1510:revLst>
-    <p1510:client id="{2875C668-1674-754E-9B08-7EFA94F32B8F}" v="16" dt="2025-11-27T11:48:26.964"/>
+    <p1510:client id="{2875C668-1674-754E-9B08-7EFA94F32B8F}" v="17" dt="2025-12-05T10:22:43.951"/>
   </p1510:revLst>
 </p1510:revInfo>
 </file>
@@ -304,11 +304,26 @@
 <pc:chgInfo xmlns:a="http://schemas.openxmlformats.org/drawingml/2006/main" xmlns:r="http://schemas.openxmlformats.org/officeDocument/2006/relationships" xmlns:ac="http://schemas.microsoft.com/office/drawing/2013/main/command" xmlns:pc="http://schemas.microsoft.com/office/powerpoint/2013/main/command">
   <pc:docChgLst>
     <pc:chgData name="Riccardo Berta" userId="c8694f89-bba4-4576-b0a8-456619ca5a8c" providerId="ADAL" clId="{FDDBFC5A-5EA9-5330-BEB8-433D7E3B4C4E}"/>
-    <pc:docChg chg="custSel addSld modSld sldOrd">
-      <pc:chgData name="Riccardo Berta" userId="c8694f89-bba4-4576-b0a8-456619ca5a8c" providerId="ADAL" clId="{FDDBFC5A-5EA9-5330-BEB8-433D7E3B4C4E}" dt="2025-11-27T11:50:37.394" v="258" actId="14100"/>
+    <pc:docChg chg="undo custSel addSld modSld sldOrd">
+      <pc:chgData name="Riccardo Berta" userId="c8694f89-bba4-4576-b0a8-456619ca5a8c" providerId="ADAL" clId="{FDDBFC5A-5EA9-5330-BEB8-433D7E3B4C4E}" dt="2025-12-05T10:30:02.101" v="269" actId="478"/>
       <pc:docMkLst>
         <pc:docMk/>
       </pc:docMkLst>
+      <pc:sldChg chg="addSp delSp mod">
+        <pc:chgData name="Riccardo Berta" userId="c8694f89-bba4-4576-b0a8-456619ca5a8c" providerId="ADAL" clId="{FDDBFC5A-5EA9-5330-BEB8-433D7E3B4C4E}" dt="2025-12-05T10:30:02.101" v="269" actId="478"/>
+        <pc:sldMkLst>
+          <pc:docMk/>
+          <pc:sldMk cId="0" sldId="257"/>
+        </pc:sldMkLst>
+        <pc:inkChg chg="add del">
+          <ac:chgData name="Riccardo Berta" userId="c8694f89-bba4-4576-b0a8-456619ca5a8c" providerId="ADAL" clId="{FDDBFC5A-5EA9-5330-BEB8-433D7E3B4C4E}" dt="2025-12-05T10:30:02.101" v="269" actId="478"/>
+          <ac:inkMkLst>
+            <pc:docMk/>
+            <pc:sldMk cId="0" sldId="257"/>
+            <ac:inkMk id="2" creationId="{EB764743-C070-C959-3FD5-4DCAF6906232}"/>
+          </ac:inkMkLst>
+        </pc:inkChg>
+      </pc:sldChg>
       <pc:sldChg chg="modSp mod">
         <pc:chgData name="Riccardo Berta" userId="c8694f89-bba4-4576-b0a8-456619ca5a8c" providerId="ADAL" clId="{FDDBFC5A-5EA9-5330-BEB8-433D7E3B4C4E}" dt="2025-11-26T17:11:49.679" v="127" actId="20577"/>
         <pc:sldMkLst>
@@ -324,6 +339,89 @@
           </ac:spMkLst>
         </pc:spChg>
       </pc:sldChg>
+      <pc:sldChg chg="addSp delSp mod">
+        <pc:chgData name="Riccardo Berta" userId="c8694f89-bba4-4576-b0a8-456619ca5a8c" providerId="ADAL" clId="{FDDBFC5A-5EA9-5330-BEB8-433D7E3B4C4E}" dt="2025-12-05T10:26:21.464" v="264" actId="478"/>
+        <pc:sldMkLst>
+          <pc:docMk/>
+          <pc:sldMk cId="3239712184" sldId="260"/>
+        </pc:sldMkLst>
+        <pc:inkChg chg="add del">
+          <ac:chgData name="Riccardo Berta" userId="c8694f89-bba4-4576-b0a8-456619ca5a8c" providerId="ADAL" clId="{FDDBFC5A-5EA9-5330-BEB8-433D7E3B4C4E}" dt="2025-12-05T10:26:21.464" v="264" actId="478"/>
+          <ac:inkMkLst>
+            <pc:docMk/>
+            <pc:sldMk cId="3239712184" sldId="260"/>
+            <ac:inkMk id="2" creationId="{7EE33FFF-C731-F7F0-A781-7CD5A815037C}"/>
+          </ac:inkMkLst>
+        </pc:inkChg>
+      </pc:sldChg>
+      <pc:sldChg chg="addSp delSp mod">
+        <pc:chgData name="Riccardo Berta" userId="c8694f89-bba4-4576-b0a8-456619ca5a8c" providerId="ADAL" clId="{FDDBFC5A-5EA9-5330-BEB8-433D7E3B4C4E}" dt="2025-12-05T10:29:58.999" v="268" actId="478"/>
+        <pc:sldMkLst>
+          <pc:docMk/>
+          <pc:sldMk cId="723946338" sldId="261"/>
+        </pc:sldMkLst>
+        <pc:inkChg chg="add del">
+          <ac:chgData name="Riccardo Berta" userId="c8694f89-bba4-4576-b0a8-456619ca5a8c" providerId="ADAL" clId="{FDDBFC5A-5EA9-5330-BEB8-433D7E3B4C4E}" dt="2025-12-05T10:29:58.999" v="268" actId="478"/>
+          <ac:inkMkLst>
+            <pc:docMk/>
+            <pc:sldMk cId="723946338" sldId="261"/>
+            <ac:inkMk id="2" creationId="{AC7BE6EC-B195-1BB2-78D8-A7F0D4C5A1FE}"/>
+          </ac:inkMkLst>
+        </pc:inkChg>
+      </pc:sldChg>
+      <pc:sldChg chg="addSp delSp mod">
+        <pc:chgData name="Riccardo Berta" userId="c8694f89-bba4-4576-b0a8-456619ca5a8c" providerId="ADAL" clId="{FDDBFC5A-5EA9-5330-BEB8-433D7E3B4C4E}" dt="2025-12-05T10:29:53.065" v="266" actId="478"/>
+        <pc:sldMkLst>
+          <pc:docMk/>
+          <pc:sldMk cId="1167696200" sldId="262"/>
+        </pc:sldMkLst>
+        <pc:inkChg chg="add del">
+          <ac:chgData name="Riccardo Berta" userId="c8694f89-bba4-4576-b0a8-456619ca5a8c" providerId="ADAL" clId="{FDDBFC5A-5EA9-5330-BEB8-433D7E3B4C4E}" dt="2025-12-05T10:29:53.065" v="266" actId="478"/>
+          <ac:inkMkLst>
+            <pc:docMk/>
+            <pc:sldMk cId="1167696200" sldId="262"/>
+            <ac:inkMk id="2" creationId="{87914B69-50F8-DBD8-FFED-0D61E8A242D3}"/>
+          </ac:inkMkLst>
+        </pc:inkChg>
+      </pc:sldChg>
+      <pc:sldChg chg="addSp delSp modSp mod">
+        <pc:chgData name="Riccardo Berta" userId="c8694f89-bba4-4576-b0a8-456619ca5a8c" providerId="ADAL" clId="{FDDBFC5A-5EA9-5330-BEB8-433D7E3B4C4E}" dt="2025-12-05T10:29:50.577" v="265" actId="478"/>
+        <pc:sldMkLst>
+          <pc:docMk/>
+          <pc:sldMk cId="242497059" sldId="264"/>
+        </pc:sldMkLst>
+        <pc:spChg chg="mod">
+          <ac:chgData name="Riccardo Berta" userId="c8694f89-bba4-4576-b0a8-456619ca5a8c" providerId="ADAL" clId="{FDDBFC5A-5EA9-5330-BEB8-433D7E3B4C4E}" dt="2025-12-05T06:41:23.148" v="262" actId="113"/>
+          <ac:spMkLst>
+            <pc:docMk/>
+            <pc:sldMk cId="242497059" sldId="264"/>
+            <ac:spMk id="84" creationId="{00000000-0000-0000-0000-000000000000}"/>
+          </ac:spMkLst>
+        </pc:spChg>
+        <pc:inkChg chg="add del">
+          <ac:chgData name="Riccardo Berta" userId="c8694f89-bba4-4576-b0a8-456619ca5a8c" providerId="ADAL" clId="{FDDBFC5A-5EA9-5330-BEB8-433D7E3B4C4E}" dt="2025-12-05T10:29:50.577" v="265" actId="478"/>
+          <ac:inkMkLst>
+            <pc:docMk/>
+            <pc:sldMk cId="242497059" sldId="264"/>
+            <ac:inkMk id="2" creationId="{6481FC36-EB5E-A48F-2999-9CDA307C8AFC}"/>
+          </ac:inkMkLst>
+        </pc:inkChg>
+      </pc:sldChg>
+      <pc:sldChg chg="addSp delSp mod">
+        <pc:chgData name="Riccardo Berta" userId="c8694f89-bba4-4576-b0a8-456619ca5a8c" providerId="ADAL" clId="{FDDBFC5A-5EA9-5330-BEB8-433D7E3B4C4E}" dt="2025-12-05T10:29:56.014" v="267" actId="478"/>
+        <pc:sldMkLst>
+          <pc:docMk/>
+          <pc:sldMk cId="2145928830" sldId="271"/>
+        </pc:sldMkLst>
+        <pc:inkChg chg="add del">
+          <ac:chgData name="Riccardo Berta" userId="c8694f89-bba4-4576-b0a8-456619ca5a8c" providerId="ADAL" clId="{FDDBFC5A-5EA9-5330-BEB8-433D7E3B4C4E}" dt="2025-12-05T10:29:56.014" v="267" actId="478"/>
+          <ac:inkMkLst>
+            <pc:docMk/>
+            <pc:sldMk cId="2145928830" sldId="271"/>
+            <ac:inkMk id="2" creationId="{F1B2039A-8ED6-15C1-86AC-FE4C411BD69A}"/>
+          </ac:inkMkLst>
+        </pc:inkChg>
+      </pc:sldChg>
       <pc:sldChg chg="ord">
         <pc:chgData name="Riccardo Berta" userId="c8694f89-bba4-4576-b0a8-456619ca5a8c" providerId="ADAL" clId="{FDDBFC5A-5EA9-5330-BEB8-433D7E3B4C4E}" dt="2025-11-26T15:32:40.857" v="14" actId="20578"/>
         <pc:sldMkLst>
@@ -337,14 +435,6 @@
           <pc:docMk/>
           <pc:sldMk cId="3188076125" sldId="278"/>
         </pc:sldMkLst>
-        <pc:picChg chg="del">
-          <ac:chgData name="Riccardo Berta" userId="c8694f89-bba4-4576-b0a8-456619ca5a8c" providerId="ADAL" clId="{FDDBFC5A-5EA9-5330-BEB8-433D7E3B4C4E}" dt="2025-11-26T15:45:15.054" v="50" actId="478"/>
-          <ac:picMkLst>
-            <pc:docMk/>
-            <pc:sldMk cId="3188076125" sldId="278"/>
-            <ac:picMk id="10" creationId="{6615E824-DBB6-BBDB-E306-6F22CE39B903}"/>
-          </ac:picMkLst>
-        </pc:picChg>
       </pc:sldChg>
       <pc:sldChg chg="delSp modSp mod">
         <pc:chgData name="Riccardo Berta" userId="c8694f89-bba4-4576-b0a8-456619ca5a8c" providerId="ADAL" clId="{FDDBFC5A-5EA9-5330-BEB8-433D7E3B4C4E}" dt="2025-11-26T16:55:24.651" v="115" actId="20577"/>
@@ -368,14 +458,6 @@
             <ac:picMk id="9" creationId="{F5D3C964-5CE0-9642-955F-E281A5B7FD55}"/>
           </ac:picMkLst>
         </pc:picChg>
-        <pc:picChg chg="del">
-          <ac:chgData name="Riccardo Berta" userId="c8694f89-bba4-4576-b0a8-456619ca5a8c" providerId="ADAL" clId="{FDDBFC5A-5EA9-5330-BEB8-433D7E3B4C4E}" dt="2025-11-26T16:55:16.040" v="113" actId="478"/>
-          <ac:picMkLst>
-            <pc:docMk/>
-            <pc:sldMk cId="622749539" sldId="280"/>
-            <ac:picMk id="11" creationId="{F9BB2082-3483-0A2F-6D9A-D441E679ABD8}"/>
-          </ac:picMkLst>
-        </pc:picChg>
       </pc:sldChg>
       <pc:sldChg chg="addSp delSp modSp mod">
         <pc:chgData name="Riccardo Berta" userId="c8694f89-bba4-4576-b0a8-456619ca5a8c" providerId="ADAL" clId="{FDDBFC5A-5EA9-5330-BEB8-433D7E3B4C4E}" dt="2025-11-27T11:43:30.589" v="158" actId="1076"/>
@@ -397,14 +479,6 @@
             <pc:docMk/>
             <pc:sldMk cId="567034916" sldId="281"/>
             <ac:picMk id="2" creationId="{273F2440-1516-65F2-1D12-71E0C872BC53}"/>
-          </ac:picMkLst>
-        </pc:picChg>
-        <pc:picChg chg="del">
-          <ac:chgData name="Riccardo Berta" userId="c8694f89-bba4-4576-b0a8-456619ca5a8c" providerId="ADAL" clId="{FDDBFC5A-5EA9-5330-BEB8-433D7E3B4C4E}" dt="2025-11-27T11:42:26.331" v="128" actId="478"/>
-          <ac:picMkLst>
-            <pc:docMk/>
-            <pc:sldMk cId="567034916" sldId="281"/>
-            <ac:picMk id="3" creationId="{DB10C530-1089-EDE3-18A8-B31E89AD4E6F}"/>
           </ac:picMkLst>
         </pc:picChg>
       </pc:sldChg>
@@ -15125,7 +15199,11 @@
             <a:pPr lvl="1"/>
             <a:r>
               <a:rPr lang="en-GB" dirty="0"/>
-              <a:t>many cycles of test vectors may be needed to put the circuit into a state</a:t>
+              <a:t>many cycles of test vectors may be needed to </a:t>
+            </a:r>
+            <a:r>
+              <a:rPr lang="en-GB" b="1" dirty="0"/>
+              <a:t>put the circuit into a state</a:t>
             </a:r>
           </a:p>
           <a:p>
@@ -15154,8 +15232,12 @@
           <a:p>
             <a:pPr lvl="0"/>
             <a:r>
-              <a:rPr lang="en-GB" dirty="0"/>
-              <a:t>Directly control the state, flip-flops connected into a shift register (</a:t>
+              <a:rPr lang="en-GB" b="1" dirty="0"/>
+              <a:t>Directly control the state</a:t>
+            </a:r>
+            <a:r>
+              <a:rPr lang="en-GB" dirty="0"/>
+              <a:t>, flip-flops connected into a shift register (</a:t>
             </a:r>
             <a:r>
               <a:rPr lang="en-GB" b="1" dirty="0"/>
@@ -16410,16 +16492,16 @@
 <file path=customXml/itemProps2.xml><?xml version="1.0" encoding="utf-8"?>
 <ds:datastoreItem xmlns:ds="http://schemas.openxmlformats.org/officeDocument/2006/customXml" ds:itemID="{E5D0B8B2-4476-4716-BA59-88DF709D873D}">
   <ds:schemaRefs>
+    <ds:schemaRef ds:uri="http://schemas.microsoft.com/office/infopath/2007/PartnerControls"/>
     <ds:schemaRef ds:uri="http://www.w3.org/XML/1998/namespace"/>
+    <ds:schemaRef ds:uri="http://schemas.microsoft.com/office/2006/documentManagement/types"/>
+    <ds:schemaRef ds:uri="http://purl.org/dc/elements/1.1/"/>
     <ds:schemaRef ds:uri="http://purl.org/dc/dcmitype/"/>
-    <ds:schemaRef ds:uri="http://purl.org/dc/elements/1.1/"/>
-    <ds:schemaRef ds:uri="http://schemas.microsoft.com/office/2006/documentManagement/types"/>
+    <ds:schemaRef ds:uri="http://schemas.microsoft.com/office/2006/metadata/properties"/>
+    <ds:schemaRef ds:uri="http://purl.org/dc/terms/"/>
     <ds:schemaRef ds:uri="http://schemas.openxmlformats.org/package/2006/metadata/core-properties"/>
+    <ds:schemaRef ds:uri="e9b5433c-2372-4cb7-8bab-09518096b29b"/>
     <ds:schemaRef ds:uri="3bd0d43f-5e5b-43cd-b6fc-691bd77672c6"/>
-    <ds:schemaRef ds:uri="http://schemas.microsoft.com/office/2006/metadata/properties"/>
-    <ds:schemaRef ds:uri="e9b5433c-2372-4cb7-8bab-09518096b29b"/>
-    <ds:schemaRef ds:uri="http://schemas.microsoft.com/office/infopath/2007/PartnerControls"/>
-    <ds:schemaRef ds:uri="http://purl.org/dc/terms/"/>
   </ds:schemaRefs>
 </ds:datastoreItem>
 </file>
